--- a/시안.pptx
+++ b/시안.pptx
@@ -134,10 +134,6 @@
               </c:strCache>
             </c:strRef>
           </c:tx>
-          <c:dPt>
-            <c:idx val="0"/>
-            <c:explosion val="16"/>
-          </c:dPt>
           <c:cat>
             <c:strRef>
               <c:f>Sheet1!$A$2:$A$5</c:f>
@@ -223,99 +219,6 @@
               </c:strCache>
             </c:strRef>
           </c:tx>
-          <c:dPt>
-            <c:idx val="0"/>
-            <c:explosion val="16"/>
-          </c:dPt>
-          <c:cat>
-            <c:strRef>
-              <c:f>Sheet1!$A$2:$A$5</c:f>
-              <c:strCache>
-                <c:ptCount val="4"/>
-                <c:pt idx="0">
-                  <c:v>1분기</c:v>
-                </c:pt>
-                <c:pt idx="1">
-                  <c:v>2분기</c:v>
-                </c:pt>
-                <c:pt idx="2">
-                  <c:v>3분기</c:v>
-                </c:pt>
-                <c:pt idx="3">
-                  <c:v>4분기</c:v>
-                </c:pt>
-              </c:strCache>
-            </c:strRef>
-          </c:cat>
-          <c:val>
-            <c:numRef>
-              <c:f>Sheet1!$B$2:$B$5</c:f>
-              <c:numCache>
-                <c:formatCode>General</c:formatCode>
-                <c:ptCount val="4"/>
-                <c:pt idx="0">
-                  <c:v>8.2000000000000011</c:v>
-                </c:pt>
-                <c:pt idx="1">
-                  <c:v>3.2</c:v>
-                </c:pt>
-                <c:pt idx="2">
-                  <c:v>1.4</c:v>
-                </c:pt>
-                <c:pt idx="3">
-                  <c:v>1.2</c:v>
-                </c:pt>
-              </c:numCache>
-            </c:numRef>
-          </c:val>
-        </c:ser>
-        <c:firstSliceAng val="0"/>
-      </c:pieChart>
-    </c:plotArea>
-    <c:plotVisOnly val="1"/>
-  </c:chart>
-  <c:txPr>
-    <a:bodyPr/>
-    <a:lstStyle/>
-    <a:p>
-      <a:pPr>
-        <a:defRPr sz="1800"/>
-      </a:pPr>
-      <a:endParaRPr lang="ko-KR"/>
-    </a:p>
-  </c:txPr>
-  <c:externalData r:id="rId1"/>
-</c:chartSpace>
-</file>
-
-<file path=ppt/charts/chart3.xml><?xml version="1.0" encoding="utf-8"?>
-<c:chartSpace xmlns:c="http://schemas.openxmlformats.org/drawingml/2006/chart" xmlns:a="http://schemas.openxmlformats.org/drawingml/2006/main" xmlns:r="http://schemas.openxmlformats.org/officeDocument/2006/relationships">
-  <c:date1904 val="1"/>
-  <c:lang val="ko-KR"/>
-  <c:chart>
-    <c:autoTitleDeleted val="1"/>
-    <c:plotArea>
-      <c:layout/>
-      <c:pieChart>
-        <c:varyColors val="1"/>
-        <c:ser>
-          <c:idx val="0"/>
-          <c:order val="0"/>
-          <c:tx>
-            <c:strRef>
-              <c:f>Sheet1!$B$1</c:f>
-              <c:strCache>
-                <c:ptCount val="1"/>
-                <c:pt idx="0">
-                  <c:v>판매</c:v>
-                </c:pt>
-              </c:strCache>
-            </c:strRef>
-          </c:tx>
-          <c:dPt>
-            <c:idx val="0"/>
-            <c:explosion val="16"/>
-          </c:dPt>
           <c:cat>
             <c:strRef>
               <c:f>Sheet1!$A$2:$A$5</c:f>
@@ -559,7 +462,7 @@
             <a:fld id="{8458BED3-25EA-4A0B-9B7D-964A28E63EF2}" type="datetimeFigureOut">
               <a:rPr lang="ko-KR" altLang="en-US" smtClean="0"/>
               <a:pPr/>
-              <a:t>2017-06-13</a:t>
+              <a:t>2017-06-14</a:t>
             </a:fld>
             <a:endParaRPr lang="ko-KR" altLang="en-US"/>
           </a:p>
@@ -726,7 +629,7 @@
             <a:fld id="{8458BED3-25EA-4A0B-9B7D-964A28E63EF2}" type="datetimeFigureOut">
               <a:rPr lang="ko-KR" altLang="en-US" smtClean="0"/>
               <a:pPr/>
-              <a:t>2017-06-13</a:t>
+              <a:t>2017-06-14</a:t>
             </a:fld>
             <a:endParaRPr lang="ko-KR" altLang="en-US"/>
           </a:p>
@@ -903,7 +806,7 @@
             <a:fld id="{8458BED3-25EA-4A0B-9B7D-964A28E63EF2}" type="datetimeFigureOut">
               <a:rPr lang="ko-KR" altLang="en-US" smtClean="0"/>
               <a:pPr/>
-              <a:t>2017-06-13</a:t>
+              <a:t>2017-06-14</a:t>
             </a:fld>
             <a:endParaRPr lang="ko-KR" altLang="en-US"/>
           </a:p>
@@ -1070,7 +973,7 @@
             <a:fld id="{8458BED3-25EA-4A0B-9B7D-964A28E63EF2}" type="datetimeFigureOut">
               <a:rPr lang="ko-KR" altLang="en-US" smtClean="0"/>
               <a:pPr/>
-              <a:t>2017-06-13</a:t>
+              <a:t>2017-06-14</a:t>
             </a:fld>
             <a:endParaRPr lang="ko-KR" altLang="en-US"/>
           </a:p>
@@ -1313,7 +1216,7 @@
             <a:fld id="{8458BED3-25EA-4A0B-9B7D-964A28E63EF2}" type="datetimeFigureOut">
               <a:rPr lang="ko-KR" altLang="en-US" smtClean="0"/>
               <a:pPr/>
-              <a:t>2017-06-13</a:t>
+              <a:t>2017-06-14</a:t>
             </a:fld>
             <a:endParaRPr lang="ko-KR" altLang="en-US"/>
           </a:p>
@@ -1598,7 +1501,7 @@
             <a:fld id="{8458BED3-25EA-4A0B-9B7D-964A28E63EF2}" type="datetimeFigureOut">
               <a:rPr lang="ko-KR" altLang="en-US" smtClean="0"/>
               <a:pPr/>
-              <a:t>2017-06-13</a:t>
+              <a:t>2017-06-14</a:t>
             </a:fld>
             <a:endParaRPr lang="ko-KR" altLang="en-US"/>
           </a:p>
@@ -2022,7 +1925,7 @@
             <a:fld id="{8458BED3-25EA-4A0B-9B7D-964A28E63EF2}" type="datetimeFigureOut">
               <a:rPr lang="ko-KR" altLang="en-US" smtClean="0"/>
               <a:pPr/>
-              <a:t>2017-06-13</a:t>
+              <a:t>2017-06-14</a:t>
             </a:fld>
             <a:endParaRPr lang="ko-KR" altLang="en-US"/>
           </a:p>
@@ -2137,7 +2040,7 @@
             <a:fld id="{8458BED3-25EA-4A0B-9B7D-964A28E63EF2}" type="datetimeFigureOut">
               <a:rPr lang="ko-KR" altLang="en-US" smtClean="0"/>
               <a:pPr/>
-              <a:t>2017-06-13</a:t>
+              <a:t>2017-06-14</a:t>
             </a:fld>
             <a:endParaRPr lang="ko-KR" altLang="en-US"/>
           </a:p>
@@ -2229,7 +2132,7 @@
             <a:fld id="{8458BED3-25EA-4A0B-9B7D-964A28E63EF2}" type="datetimeFigureOut">
               <a:rPr lang="ko-KR" altLang="en-US" smtClean="0"/>
               <a:pPr/>
-              <a:t>2017-06-13</a:t>
+              <a:t>2017-06-14</a:t>
             </a:fld>
             <a:endParaRPr lang="ko-KR" altLang="en-US"/>
           </a:p>
@@ -2503,7 +2406,7 @@
             <a:fld id="{8458BED3-25EA-4A0B-9B7D-964A28E63EF2}" type="datetimeFigureOut">
               <a:rPr lang="ko-KR" altLang="en-US" smtClean="0"/>
               <a:pPr/>
-              <a:t>2017-06-13</a:t>
+              <a:t>2017-06-14</a:t>
             </a:fld>
             <a:endParaRPr lang="ko-KR" altLang="en-US"/>
           </a:p>
@@ -2753,7 +2656,7 @@
             <a:fld id="{8458BED3-25EA-4A0B-9B7D-964A28E63EF2}" type="datetimeFigureOut">
               <a:rPr lang="ko-KR" altLang="en-US" smtClean="0"/>
               <a:pPr/>
-              <a:t>2017-06-13</a:t>
+              <a:t>2017-06-14</a:t>
             </a:fld>
             <a:endParaRPr lang="ko-KR" altLang="en-US"/>
           </a:p>
@@ -2963,7 +2866,7 @@
             <a:fld id="{8458BED3-25EA-4A0B-9B7D-964A28E63EF2}" type="datetimeFigureOut">
               <a:rPr lang="ko-KR" altLang="en-US" smtClean="0"/>
               <a:pPr/>
-              <a:t>2017-06-13</a:t>
+              <a:t>2017-06-14</a:t>
             </a:fld>
             <a:endParaRPr lang="ko-KR" altLang="en-US"/>
           </a:p>
@@ -3524,84 +3427,6 @@
           </a:p>
         </p:txBody>
       </p:sp>
-      <p:sp>
-        <p:nvSpPr>
-          <p:cNvPr id="11265" name="_x211067776"/>
-          <p:cNvSpPr>
-            <a:spLocks noChangeArrowheads="1"/>
-          </p:cNvSpPr>
-          <p:nvPr/>
-        </p:nvSpPr>
-        <p:spPr bwMode="auto">
-          <a:xfrm>
-            <a:off x="519113" y="8223250"/>
-            <a:ext cx="4105275" cy="376238"/>
-          </a:xfrm>
-          <a:prstGeom prst="rect">
-            <a:avLst/>
-          </a:prstGeom>
-          <a:noFill/>
-          <a:ln w="9525">
-            <a:noFill/>
-            <a:miter lim="800000"/>
-            <a:headEnd/>
-            <a:tailEnd/>
-          </a:ln>
-        </p:spPr>
-        <p:txBody>
-          <a:bodyPr vert="horz" wrap="square" lIns="91440" tIns="45720" rIns="91440" bIns="45720" numCol="1" anchor="t" anchorCtr="0" compatLnSpc="1">
-            <a:prstTxWarp prst="textNoShape">
-              <a:avLst/>
-            </a:prstTxWarp>
-          </a:bodyPr>
-          <a:lstStyle/>
-          <a:p>
-            <a:pPr marL="0" marR="0" lvl="0" indent="0" algn="ctr" defTabSz="914400" rtl="0" eaLnBrk="1" fontAlgn="base" latinLnBrk="1" hangingPunct="1">
-              <a:lnSpc>
-                <a:spcPct val="100000"/>
-              </a:lnSpc>
-              <a:spcBef>
-                <a:spcPct val="0"/>
-              </a:spcBef>
-              <a:spcAft>
-                <a:spcPct val="0"/>
-              </a:spcAft>
-              <a:buClrTx/>
-              <a:buSzTx/>
-              <a:buFontTx/>
-              <a:buNone/>
-              <a:tabLst/>
-            </a:pPr>
-            <a:r>
-              <a:rPr kumimoji="1" lang="en-US" altLang="ko-KR" sz="1900" b="0" i="0" u="none" strike="noStrike" cap="none" normalizeH="0" baseline="0" smtClean="0">
-                <a:ln>
-                  <a:noFill/>
-                </a:ln>
-                <a:solidFill>
-                  <a:srgbClr val="FFFFFF"/>
-                </a:solidFill>
-                <a:effectLst/>
-                <a:latin typeface="나눔바른고딕 Light" pitchFamily="50" charset="-127"/>
-                <a:ea typeface="나눔바른고딕 Light" pitchFamily="50" charset="-127"/>
-                <a:cs typeface="굴림" pitchFamily="50" charset="-127"/>
-              </a:rPr>
-              <a:t>Loading Info..</a:t>
-            </a:r>
-            <a:endParaRPr kumimoji="1" lang="en-US" altLang="ko-KR" sz="1800" b="0" i="0" u="none" strike="noStrike" cap="none" normalizeH="0" baseline="0" smtClean="0">
-              <a:ln>
-                <a:noFill/>
-              </a:ln>
-              <a:solidFill>
-                <a:schemeClr val="tx1"/>
-              </a:solidFill>
-              <a:effectLst/>
-              <a:latin typeface="굴림" pitchFamily="50" charset="-127"/>
-              <a:ea typeface="굴림" pitchFamily="50" charset="-127"/>
-              <a:cs typeface="굴림" pitchFamily="50" charset="-127"/>
-            </a:endParaRPr>
-          </a:p>
-        </p:txBody>
-      </p:sp>
       <p:pic>
         <p:nvPicPr>
           <p:cNvPr id="10" name="_x211067216" descr="cif00001"/>
@@ -3661,284 +3486,92 @@
       </p:grpSpPr>
       <p:grpSp>
         <p:nvGrpSpPr>
-          <p:cNvPr id="22" name="그룹 21"/>
-          <p:cNvGrpSpPr/>
-          <p:nvPr/>
-        </p:nvGrpSpPr>
-        <p:grpSpPr>
-          <a:xfrm>
-            <a:off x="7715272" y="3857634"/>
-            <a:ext cx="1285884" cy="1143008"/>
-            <a:chOff x="7643834" y="928676"/>
-            <a:chExt cx="1285884" cy="1428760"/>
-          </a:xfrm>
-        </p:grpSpPr>
-        <p:sp>
-          <p:nvSpPr>
-            <p:cNvPr id="21" name="직사각형 20"/>
-            <p:cNvSpPr/>
-            <p:nvPr/>
-          </p:nvSpPr>
-          <p:spPr>
-            <a:xfrm>
-              <a:off x="7643834" y="1071552"/>
-              <a:ext cx="1285884" cy="1285884"/>
-            </a:xfrm>
-            <a:prstGeom prst="rect">
-              <a:avLst/>
-            </a:prstGeom>
-            <a:solidFill>
-              <a:schemeClr val="bg1"/>
-            </a:solidFill>
-            <a:ln w="12700">
-              <a:solidFill>
-                <a:schemeClr val="bg1">
-                  <a:lumMod val="85000"/>
-                </a:schemeClr>
-              </a:solidFill>
-            </a:ln>
-          </p:spPr>
-          <p:style>
-            <a:lnRef idx="2">
-              <a:schemeClr val="accent1">
-                <a:shade val="50000"/>
-              </a:schemeClr>
-            </a:lnRef>
-            <a:fillRef idx="1">
-              <a:schemeClr val="accent1"/>
-            </a:fillRef>
-            <a:effectRef idx="0">
-              <a:schemeClr val="accent1"/>
-            </a:effectRef>
-            <a:fontRef idx="minor">
-              <a:schemeClr val="lt1"/>
-            </a:fontRef>
-          </p:style>
-          <p:txBody>
-            <a:bodyPr rtlCol="0" anchor="ctr"/>
-            <a:lstStyle/>
-            <a:p>
-              <a:pPr algn="ctr"/>
-              <a:endParaRPr lang="ko-KR" altLang="en-US"/>
-            </a:p>
-          </p:txBody>
-        </p:sp>
-        <p:sp>
-          <p:nvSpPr>
-            <p:cNvPr id="20" name="직사각형 19"/>
-            <p:cNvSpPr/>
-            <p:nvPr/>
-          </p:nvSpPr>
-          <p:spPr>
-            <a:xfrm>
-              <a:off x="7643834" y="928676"/>
-              <a:ext cx="1285884" cy="214314"/>
-            </a:xfrm>
-            <a:prstGeom prst="rect">
-              <a:avLst/>
-            </a:prstGeom>
-            <a:solidFill>
-              <a:schemeClr val="accent5"/>
-            </a:solidFill>
-            <a:ln>
-              <a:noFill/>
-            </a:ln>
-          </p:spPr>
-          <p:style>
-            <a:lnRef idx="2">
-              <a:schemeClr val="accent1">
-                <a:shade val="50000"/>
-              </a:schemeClr>
-            </a:lnRef>
-            <a:fillRef idx="1">
-              <a:schemeClr val="accent1"/>
-            </a:fillRef>
-            <a:effectRef idx="0">
-              <a:schemeClr val="accent1"/>
-            </a:effectRef>
-            <a:fontRef idx="minor">
-              <a:schemeClr val="lt1"/>
-            </a:fontRef>
-          </p:style>
-          <p:txBody>
-            <a:bodyPr rtlCol="0" anchor="ctr"/>
-            <a:lstStyle/>
-            <a:p>
-              <a:pPr algn="ctr"/>
-              <a:r>
-                <a:rPr lang="ko-KR" altLang="en-US" sz="1100" dirty="0" smtClean="0">
-                  <a:latin typeface="KoPub돋움체 Light" pitchFamily="18" charset="-127"/>
-                  <a:ea typeface="KoPub돋움체 Light" pitchFamily="18" charset="-127"/>
-                </a:rPr>
-                <a:t>최근 방문</a:t>
-              </a:r>
-              <a:endParaRPr lang="ko-KR" altLang="en-US" sz="1100" dirty="0">
-                <a:latin typeface="KoPub돋움체 Light" pitchFamily="18" charset="-127"/>
-                <a:ea typeface="KoPub돋움체 Light" pitchFamily="18" charset="-127"/>
-              </a:endParaRPr>
-            </a:p>
-          </p:txBody>
-        </p:sp>
-      </p:grpSp>
-      <p:grpSp>
-        <p:nvGrpSpPr>
-          <p:cNvPr id="23" name="그룹 22"/>
-          <p:cNvGrpSpPr/>
-          <p:nvPr/>
-        </p:nvGrpSpPr>
-        <p:grpSpPr>
-          <a:xfrm>
-            <a:off x="7715272" y="1785932"/>
-            <a:ext cx="1285884" cy="2000264"/>
-            <a:chOff x="7643834" y="928676"/>
-            <a:chExt cx="1285884" cy="2000264"/>
-          </a:xfrm>
-        </p:grpSpPr>
-        <p:sp>
-          <p:nvSpPr>
-            <p:cNvPr id="24" name="직사각형 23"/>
-            <p:cNvSpPr/>
-            <p:nvPr/>
-          </p:nvSpPr>
-          <p:spPr>
-            <a:xfrm>
-              <a:off x="7643834" y="1071552"/>
-              <a:ext cx="1285884" cy="1857388"/>
-            </a:xfrm>
-            <a:prstGeom prst="rect">
-              <a:avLst/>
-            </a:prstGeom>
-            <a:solidFill>
-              <a:schemeClr val="bg1"/>
-            </a:solidFill>
-            <a:ln w="12700">
-              <a:solidFill>
-                <a:schemeClr val="bg1">
-                  <a:lumMod val="85000"/>
-                </a:schemeClr>
-              </a:solidFill>
-            </a:ln>
-          </p:spPr>
-          <p:style>
-            <a:lnRef idx="2">
-              <a:schemeClr val="accent1">
-                <a:shade val="50000"/>
-              </a:schemeClr>
-            </a:lnRef>
-            <a:fillRef idx="1">
-              <a:schemeClr val="accent1"/>
-            </a:fillRef>
-            <a:effectRef idx="0">
-              <a:schemeClr val="accent1"/>
-            </a:effectRef>
-            <a:fontRef idx="minor">
-              <a:schemeClr val="lt1"/>
-            </a:fontRef>
-          </p:style>
-          <p:txBody>
-            <a:bodyPr rtlCol="0" anchor="ctr"/>
-            <a:lstStyle/>
-            <a:p>
-              <a:pPr algn="ctr"/>
-              <a:endParaRPr lang="ko-KR" altLang="en-US"/>
-            </a:p>
-          </p:txBody>
-        </p:sp>
-        <p:sp>
-          <p:nvSpPr>
-            <p:cNvPr id="25" name="직사각형 24"/>
-            <p:cNvSpPr/>
-            <p:nvPr/>
-          </p:nvSpPr>
-          <p:spPr>
-            <a:xfrm>
-              <a:off x="7643834" y="928676"/>
-              <a:ext cx="1285884" cy="214314"/>
-            </a:xfrm>
-            <a:prstGeom prst="rect">
-              <a:avLst/>
-            </a:prstGeom>
-            <a:solidFill>
-              <a:schemeClr val="accent5"/>
-            </a:solidFill>
-            <a:ln>
-              <a:noFill/>
-            </a:ln>
-          </p:spPr>
-          <p:style>
-            <a:lnRef idx="2">
-              <a:schemeClr val="accent1">
-                <a:shade val="50000"/>
-              </a:schemeClr>
-            </a:lnRef>
-            <a:fillRef idx="1">
-              <a:schemeClr val="accent1"/>
-            </a:fillRef>
-            <a:effectRef idx="0">
-              <a:schemeClr val="accent1"/>
-            </a:effectRef>
-            <a:fontRef idx="minor">
-              <a:schemeClr val="lt1"/>
-            </a:fontRef>
-          </p:style>
-          <p:txBody>
-            <a:bodyPr rtlCol="0" anchor="ctr"/>
-            <a:lstStyle/>
-            <a:p>
-              <a:pPr algn="ctr"/>
-              <a:r>
-                <a:rPr lang="ko-KR" altLang="en-US" sz="1100" dirty="0" smtClean="0">
-                  <a:latin typeface="KoPub돋움체 Light" pitchFamily="18" charset="-127"/>
-                  <a:ea typeface="KoPub돋움체 Light" pitchFamily="18" charset="-127"/>
-                </a:rPr>
-                <a:t>신규 인기</a:t>
-              </a:r>
-              <a:endParaRPr lang="ko-KR" altLang="en-US" sz="1100" dirty="0">
-                <a:latin typeface="KoPub돋움체 Light" pitchFamily="18" charset="-127"/>
-                <a:ea typeface="KoPub돋움체 Light" pitchFamily="18" charset="-127"/>
-              </a:endParaRPr>
-            </a:p>
-          </p:txBody>
-        </p:sp>
-      </p:grpSp>
-      <p:grpSp>
-        <p:nvGrpSpPr>
-          <p:cNvPr id="18" name="그룹 17"/>
+          <p:cNvPr id="37" name="그룹 36"/>
           <p:cNvGrpSpPr/>
           <p:nvPr/>
         </p:nvGrpSpPr>
         <p:grpSpPr>
           <a:xfrm>
             <a:off x="0" y="0"/>
-            <a:ext cx="9144000" cy="428610"/>
+            <a:ext cx="9144000" cy="4643452"/>
             <a:chOff x="0" y="0"/>
-            <a:chExt cx="9144000" cy="571486"/>
+            <a:chExt cx="9144000" cy="4643452"/>
           </a:xfrm>
         </p:grpSpPr>
         <p:grpSp>
           <p:nvGrpSpPr>
-            <p:cNvPr id="19" name="그룹 13"/>
+            <p:cNvPr id="22" name="그룹 21"/>
             <p:cNvGrpSpPr/>
             <p:nvPr/>
           </p:nvGrpSpPr>
           <p:grpSpPr>
             <a:xfrm>
-              <a:off x="0" y="0"/>
-              <a:ext cx="9144000" cy="571486"/>
-              <a:chOff x="0" y="0"/>
-              <a:chExt cx="9144000" cy="571486"/>
+              <a:off x="7715272" y="3286129"/>
+              <a:ext cx="1285884" cy="1357322"/>
+              <a:chOff x="7643834" y="849300"/>
+              <a:chExt cx="1285884" cy="1508136"/>
             </a:xfrm>
           </p:grpSpPr>
           <p:sp>
             <p:nvSpPr>
-              <p:cNvPr id="30" name="직사각형 29"/>
+              <p:cNvPr id="21" name="직사각형 20"/>
               <p:cNvSpPr/>
               <p:nvPr/>
             </p:nvSpPr>
             <p:spPr>
               <a:xfrm>
-                <a:off x="0" y="0"/>
-                <a:ext cx="9144000" cy="571486"/>
+                <a:off x="7643834" y="1071552"/>
+                <a:ext cx="1285884" cy="1285884"/>
+              </a:xfrm>
+              <a:prstGeom prst="rect">
+                <a:avLst/>
+              </a:prstGeom>
+              <a:solidFill>
+                <a:schemeClr val="bg1"/>
+              </a:solidFill>
+              <a:ln w="12700">
+                <a:solidFill>
+                  <a:schemeClr val="bg1">
+                    <a:lumMod val="85000"/>
+                  </a:schemeClr>
+                </a:solidFill>
+              </a:ln>
+            </p:spPr>
+            <p:style>
+              <a:lnRef idx="2">
+                <a:schemeClr val="accent1">
+                  <a:shade val="50000"/>
+                </a:schemeClr>
+              </a:lnRef>
+              <a:fillRef idx="1">
+                <a:schemeClr val="accent1"/>
+              </a:fillRef>
+              <a:effectRef idx="0">
+                <a:schemeClr val="accent1"/>
+              </a:effectRef>
+              <a:fontRef idx="minor">
+                <a:schemeClr val="lt1"/>
+              </a:fontRef>
+            </p:style>
+            <p:txBody>
+              <a:bodyPr rtlCol="0" anchor="ctr"/>
+              <a:lstStyle/>
+              <a:p>
+                <a:pPr algn="ctr"/>
+                <a:endParaRPr lang="ko-KR" altLang="en-US"/>
+              </a:p>
+            </p:txBody>
+          </p:sp>
+          <p:sp>
+            <p:nvSpPr>
+              <p:cNvPr id="20" name="직사각형 19"/>
+              <p:cNvSpPr/>
+              <p:nvPr/>
+            </p:nvSpPr>
+            <p:spPr>
+              <a:xfrm>
+                <a:off x="7643834" y="849300"/>
+                <a:ext cx="1285884" cy="293690"/>
               </a:xfrm>
               <a:prstGeom prst="rect">
                 <a:avLst/>
@@ -3971,223 +3604,45 @@
               <a:lstStyle/>
               <a:p>
                 <a:pPr algn="ctr"/>
-                <a:endParaRPr lang="ko-KR" altLang="en-US"/>
+                <a:r>
+                  <a:rPr lang="ko-KR" altLang="en-US" sz="1100" dirty="0" smtClean="0">
+                    <a:latin typeface="KoPub돋움체 Light" pitchFamily="18" charset="-127"/>
+                    <a:ea typeface="KoPub돋움체 Light" pitchFamily="18" charset="-127"/>
+                  </a:rPr>
+                  <a:t>최근 방문</a:t>
+                </a:r>
+                <a:endParaRPr lang="ko-KR" altLang="en-US" sz="1100" dirty="0">
+                  <a:latin typeface="KoPub돋움체 Light" pitchFamily="18" charset="-127"/>
+                  <a:ea typeface="KoPub돋움체 Light" pitchFamily="18" charset="-127"/>
+                </a:endParaRPr>
               </a:p>
             </p:txBody>
           </p:sp>
-          <p:sp>
-            <p:nvSpPr>
-              <p:cNvPr id="31" name="직사각형 30"/>
-              <p:cNvSpPr/>
-              <p:nvPr/>
-            </p:nvSpPr>
-            <p:spPr>
-              <a:xfrm>
-                <a:off x="642910" y="71419"/>
-                <a:ext cx="5357850" cy="428629"/>
-              </a:xfrm>
-              <a:prstGeom prst="rect">
-                <a:avLst/>
-              </a:prstGeom>
-              <a:solidFill>
-                <a:schemeClr val="bg1"/>
-              </a:solidFill>
-              <a:ln>
-                <a:noFill/>
-              </a:ln>
-            </p:spPr>
-            <p:style>
-              <a:lnRef idx="2">
-                <a:schemeClr val="accent1">
-                  <a:shade val="50000"/>
-                </a:schemeClr>
-              </a:lnRef>
-              <a:fillRef idx="1">
-                <a:schemeClr val="accent1"/>
-              </a:fillRef>
-              <a:effectRef idx="0">
-                <a:schemeClr val="accent1"/>
-              </a:effectRef>
-              <a:fontRef idx="minor">
-                <a:schemeClr val="lt1"/>
-              </a:fontRef>
-            </p:style>
-            <p:txBody>
-              <a:bodyPr rtlCol="0" anchor="ctr"/>
-              <a:lstStyle/>
-              <a:p>
-                <a:pPr algn="ctr"/>
-                <a:endParaRPr lang="ko-KR" altLang="en-US"/>
-              </a:p>
-            </p:txBody>
-          </p:sp>
-          <p:pic>
-            <p:nvPicPr>
-              <p:cNvPr id="32" name="_x211067216" descr="cif00001"/>
-              <p:cNvPicPr>
-                <a:picLocks noChangeAspect="1" noChangeArrowheads="1"/>
-              </p:cNvPicPr>
-              <p:nvPr/>
-            </p:nvPicPr>
-            <p:blipFill>
-              <a:blip r:embed="rId2" cstate="print"/>
-              <a:stretch>
-                <a:fillRect/>
-              </a:stretch>
-            </p:blipFill>
-            <p:spPr bwMode="auto">
-              <a:xfrm>
-                <a:off x="142844" y="71419"/>
-                <a:ext cx="357190" cy="428646"/>
-              </a:xfrm>
-              <a:prstGeom prst="rect">
-                <a:avLst/>
-              </a:prstGeom>
-              <a:noFill/>
-            </p:spPr>
-          </p:pic>
         </p:grpSp>
-        <p:sp>
-          <p:nvSpPr>
-            <p:cNvPr id="29" name="TextBox 28"/>
-            <p:cNvSpPr txBox="1"/>
-            <p:nvPr/>
-          </p:nvSpPr>
-          <p:spPr>
-            <a:xfrm>
-              <a:off x="7286644" y="0"/>
-              <a:ext cx="1857356" cy="266743"/>
-            </a:xfrm>
-            <a:prstGeom prst="rect">
-              <a:avLst/>
-            </a:prstGeom>
-            <a:noFill/>
-          </p:spPr>
-          <p:txBody>
-            <a:bodyPr wrap="square" rtlCol="0">
-              <a:spAutoFit/>
-            </a:bodyPr>
-            <a:lstStyle/>
-            <a:p>
-              <a:r>
-                <a:rPr lang="ko-KR" altLang="en-US" sz="700" b="1" dirty="0" smtClean="0">
-                  <a:solidFill>
-                    <a:schemeClr val="bg1"/>
-                  </a:solidFill>
-                  <a:latin typeface="KoPub돋움체 Light" pitchFamily="18" charset="-127"/>
-                  <a:ea typeface="KoPub돋움체 Light" pitchFamily="18" charset="-127"/>
-                </a:rPr>
-                <a:t>사용자</a:t>
-              </a:r>
-              <a:r>
-                <a:rPr lang="ko-KR" altLang="en-US" sz="700" dirty="0" smtClean="0">
-                  <a:solidFill>
-                    <a:schemeClr val="bg1"/>
-                  </a:solidFill>
-                  <a:latin typeface="KoPub돋움체 Light" pitchFamily="18" charset="-127"/>
-                  <a:ea typeface="KoPub돋움체 Light" pitchFamily="18" charset="-127"/>
-                </a:rPr>
-                <a:t> 님 환영합니다</a:t>
-              </a:r>
-              <a:r>
-                <a:rPr lang="en-US" altLang="ko-KR" sz="700" dirty="0" smtClean="0">
-                  <a:solidFill>
-                    <a:schemeClr val="bg1"/>
-                  </a:solidFill>
-                  <a:latin typeface="KoPub돋움체 Light" pitchFamily="18" charset="-127"/>
-                  <a:ea typeface="KoPub돋움체 Light" pitchFamily="18" charset="-127"/>
-                </a:rPr>
-                <a:t>! | </a:t>
-              </a:r>
-              <a:r>
-                <a:rPr lang="ko-KR" altLang="en-US" sz="700" dirty="0" err="1" smtClean="0">
-                  <a:solidFill>
-                    <a:schemeClr val="bg1"/>
-                  </a:solidFill>
-                  <a:latin typeface="KoPub돋움체 Light" pitchFamily="18" charset="-127"/>
-                  <a:ea typeface="KoPub돋움체 Light" pitchFamily="18" charset="-127"/>
-                </a:rPr>
-                <a:t>마이페이지</a:t>
-              </a:r>
-              <a:r>
-                <a:rPr lang="ko-KR" altLang="en-US" sz="700" dirty="0" smtClean="0">
-                  <a:solidFill>
-                    <a:schemeClr val="bg1"/>
-                  </a:solidFill>
-                  <a:latin typeface="KoPub돋움체 Light" pitchFamily="18" charset="-127"/>
-                  <a:ea typeface="KoPub돋움체 Light" pitchFamily="18" charset="-127"/>
-                </a:rPr>
-                <a:t> </a:t>
-              </a:r>
-              <a:r>
-                <a:rPr lang="en-US" altLang="ko-KR" sz="700" dirty="0" smtClean="0">
-                  <a:solidFill>
-                    <a:schemeClr val="bg1"/>
-                  </a:solidFill>
-                  <a:latin typeface="KoPub돋움체 Light" pitchFamily="18" charset="-127"/>
-                  <a:ea typeface="KoPub돋움체 Light" pitchFamily="18" charset="-127"/>
-                </a:rPr>
-                <a:t>| </a:t>
-              </a:r>
-              <a:r>
-                <a:rPr lang="ko-KR" altLang="en-US" sz="700" dirty="0" smtClean="0">
-                  <a:solidFill>
-                    <a:schemeClr val="bg1"/>
-                  </a:solidFill>
-                  <a:latin typeface="KoPub돋움체 Light" pitchFamily="18" charset="-127"/>
-                  <a:ea typeface="KoPub돋움체 Light" pitchFamily="18" charset="-127"/>
-                </a:rPr>
-                <a:t>로그아웃</a:t>
-              </a:r>
-              <a:endParaRPr lang="ko-KR" altLang="en-US" sz="700" dirty="0">
-                <a:solidFill>
-                  <a:schemeClr val="bg1"/>
-                </a:solidFill>
-                <a:latin typeface="KoPub돋움체 Light" pitchFamily="18" charset="-127"/>
-                <a:ea typeface="KoPub돋움체 Light" pitchFamily="18" charset="-127"/>
-              </a:endParaRPr>
-            </a:p>
-          </p:txBody>
-        </p:sp>
-      </p:grpSp>
-      <p:grpSp>
-        <p:nvGrpSpPr>
-          <p:cNvPr id="46" name="그룹 45"/>
-          <p:cNvGrpSpPr/>
-          <p:nvPr/>
-        </p:nvGrpSpPr>
-        <p:grpSpPr>
-          <a:xfrm>
-            <a:off x="214282" y="928676"/>
-            <a:ext cx="3857652" cy="3714776"/>
-            <a:chOff x="214282" y="571486"/>
-            <a:chExt cx="3857652" cy="3714776"/>
-          </a:xfrm>
-        </p:grpSpPr>
         <p:grpSp>
           <p:nvGrpSpPr>
-            <p:cNvPr id="38" name="그룹 37"/>
+            <p:cNvPr id="23" name="그룹 22"/>
             <p:cNvGrpSpPr/>
             <p:nvPr/>
           </p:nvGrpSpPr>
           <p:grpSpPr>
             <a:xfrm>
-              <a:off x="1500166" y="571486"/>
-              <a:ext cx="1285884" cy="3714776"/>
+              <a:off x="7715272" y="1785932"/>
+              <a:ext cx="1285884" cy="1428760"/>
               <a:chOff x="7643834" y="928676"/>
-              <a:chExt cx="1285884" cy="3714776"/>
+              <a:chExt cx="1285884" cy="1428760"/>
             </a:xfrm>
           </p:grpSpPr>
           <p:sp>
             <p:nvSpPr>
-              <p:cNvPr id="39" name="직사각형 38"/>
+              <p:cNvPr id="24" name="직사각형 23"/>
               <p:cNvSpPr/>
               <p:nvPr/>
             </p:nvSpPr>
             <p:spPr>
               <a:xfrm>
                 <a:off x="7643834" y="1071552"/>
-                <a:ext cx="1285884" cy="3571900"/>
+                <a:ext cx="1285884" cy="1285884"/>
               </a:xfrm>
               <a:prstGeom prst="rect">
                 <a:avLst/>
@@ -4230,7 +3685,7 @@
           </p:sp>
           <p:sp>
             <p:nvSpPr>
-              <p:cNvPr id="40" name="직사각형 39"/>
+              <p:cNvPr id="25" name="직사각형 24"/>
               <p:cNvSpPr/>
               <p:nvPr/>
             </p:nvSpPr>
@@ -4275,21 +3730,7 @@
                     <a:latin typeface="KoPub돋움체 Light" pitchFamily="18" charset="-127"/>
                     <a:ea typeface="KoPub돋움체 Light" pitchFamily="18" charset="-127"/>
                   </a:rPr>
-                  <a:t>전자기기</a:t>
-                </a:r>
-                <a:r>
-                  <a:rPr lang="en-US" altLang="ko-KR" sz="1100" dirty="0" smtClean="0">
-                    <a:latin typeface="KoPub돋움체 Light" pitchFamily="18" charset="-127"/>
-                    <a:ea typeface="KoPub돋움체 Light" pitchFamily="18" charset="-127"/>
-                  </a:rPr>
-                  <a:t>/</a:t>
-                </a:r>
-                <a:r>
-                  <a:rPr lang="ko-KR" altLang="en-US" sz="1100" dirty="0" smtClean="0">
-                    <a:latin typeface="KoPub돋움체 Light" pitchFamily="18" charset="-127"/>
-                    <a:ea typeface="KoPub돋움체 Light" pitchFamily="18" charset="-127"/>
-                  </a:rPr>
-                  <a:t>튜닝</a:t>
+                  <a:t>신규 인기</a:t>
                 </a:r>
                 <a:endParaRPr lang="ko-KR" altLang="en-US" sz="1100" dirty="0">
                   <a:latin typeface="KoPub돋움체 Light" pitchFamily="18" charset="-127"/>
@@ -4301,28 +3742,752 @@
         </p:grpSp>
         <p:grpSp>
           <p:nvGrpSpPr>
-            <p:cNvPr id="26" name="그룹 25"/>
+            <p:cNvPr id="18" name="그룹 17"/>
             <p:cNvGrpSpPr/>
             <p:nvPr/>
           </p:nvGrpSpPr>
           <p:grpSpPr>
             <a:xfrm>
-              <a:off x="214282" y="571486"/>
-              <a:ext cx="1285884" cy="3714776"/>
-              <a:chOff x="7643834" y="928676"/>
-              <a:chExt cx="1285884" cy="3714776"/>
+              <a:off x="0" y="0"/>
+              <a:ext cx="9144000" cy="428610"/>
+              <a:chOff x="0" y="0"/>
+              <a:chExt cx="9144000" cy="571486"/>
+            </a:xfrm>
+          </p:grpSpPr>
+          <p:grpSp>
+            <p:nvGrpSpPr>
+              <p:cNvPr id="19" name="그룹 13"/>
+              <p:cNvGrpSpPr/>
+              <p:nvPr/>
+            </p:nvGrpSpPr>
+            <p:grpSpPr>
+              <a:xfrm>
+                <a:off x="0" y="0"/>
+                <a:ext cx="9144000" cy="571486"/>
+                <a:chOff x="0" y="0"/>
+                <a:chExt cx="9144000" cy="571486"/>
+              </a:xfrm>
+            </p:grpSpPr>
+            <p:sp>
+              <p:nvSpPr>
+                <p:cNvPr id="30" name="직사각형 29"/>
+                <p:cNvSpPr/>
+                <p:nvPr/>
+              </p:nvSpPr>
+              <p:spPr>
+                <a:xfrm>
+                  <a:off x="0" y="0"/>
+                  <a:ext cx="9144000" cy="571486"/>
+                </a:xfrm>
+                <a:prstGeom prst="rect">
+                  <a:avLst/>
+                </a:prstGeom>
+                <a:solidFill>
+                  <a:schemeClr val="accent5"/>
+                </a:solidFill>
+                <a:ln>
+                  <a:noFill/>
+                </a:ln>
+              </p:spPr>
+              <p:style>
+                <a:lnRef idx="2">
+                  <a:schemeClr val="accent1">
+                    <a:shade val="50000"/>
+                  </a:schemeClr>
+                </a:lnRef>
+                <a:fillRef idx="1">
+                  <a:schemeClr val="accent1"/>
+                </a:fillRef>
+                <a:effectRef idx="0">
+                  <a:schemeClr val="accent1"/>
+                </a:effectRef>
+                <a:fontRef idx="minor">
+                  <a:schemeClr val="lt1"/>
+                </a:fontRef>
+              </p:style>
+              <p:txBody>
+                <a:bodyPr rtlCol="0" anchor="ctr"/>
+                <a:lstStyle/>
+                <a:p>
+                  <a:pPr algn="ctr"/>
+                  <a:endParaRPr lang="ko-KR" altLang="en-US"/>
+                </a:p>
+              </p:txBody>
+            </p:sp>
+            <p:sp>
+              <p:nvSpPr>
+                <p:cNvPr id="31" name="직사각형 30"/>
+                <p:cNvSpPr/>
+                <p:nvPr/>
+              </p:nvSpPr>
+              <p:spPr>
+                <a:xfrm>
+                  <a:off x="642910" y="71419"/>
+                  <a:ext cx="5357850" cy="428629"/>
+                </a:xfrm>
+                <a:prstGeom prst="rect">
+                  <a:avLst/>
+                </a:prstGeom>
+                <a:solidFill>
+                  <a:schemeClr val="bg1"/>
+                </a:solidFill>
+                <a:ln>
+                  <a:noFill/>
+                </a:ln>
+              </p:spPr>
+              <p:style>
+                <a:lnRef idx="2">
+                  <a:schemeClr val="accent1">
+                    <a:shade val="50000"/>
+                  </a:schemeClr>
+                </a:lnRef>
+                <a:fillRef idx="1">
+                  <a:schemeClr val="accent1"/>
+                </a:fillRef>
+                <a:effectRef idx="0">
+                  <a:schemeClr val="accent1"/>
+                </a:effectRef>
+                <a:fontRef idx="minor">
+                  <a:schemeClr val="lt1"/>
+                </a:fontRef>
+              </p:style>
+              <p:txBody>
+                <a:bodyPr rtlCol="0" anchor="ctr"/>
+                <a:lstStyle/>
+                <a:p>
+                  <a:pPr algn="ctr"/>
+                  <a:endParaRPr lang="ko-KR" altLang="en-US"/>
+                </a:p>
+              </p:txBody>
+            </p:sp>
+            <p:pic>
+              <p:nvPicPr>
+                <p:cNvPr id="32" name="_x211067216" descr="cif00001"/>
+                <p:cNvPicPr>
+                  <a:picLocks noChangeAspect="1" noChangeArrowheads="1"/>
+                </p:cNvPicPr>
+                <p:nvPr/>
+              </p:nvPicPr>
+              <p:blipFill>
+                <a:blip r:embed="rId2" cstate="print"/>
+                <a:stretch>
+                  <a:fillRect/>
+                </a:stretch>
+              </p:blipFill>
+              <p:spPr bwMode="auto">
+                <a:xfrm>
+                  <a:off x="142844" y="71419"/>
+                  <a:ext cx="357190" cy="428646"/>
+                </a:xfrm>
+                <a:prstGeom prst="rect">
+                  <a:avLst/>
+                </a:prstGeom>
+                <a:noFill/>
+              </p:spPr>
+            </p:pic>
+          </p:grpSp>
+          <p:sp>
+            <p:nvSpPr>
+              <p:cNvPr id="29" name="TextBox 28"/>
+              <p:cNvSpPr txBox="1"/>
+              <p:nvPr/>
+            </p:nvSpPr>
+            <p:spPr>
+              <a:xfrm>
+                <a:off x="7286644" y="0"/>
+                <a:ext cx="1857356" cy="266743"/>
+              </a:xfrm>
+              <a:prstGeom prst="rect">
+                <a:avLst/>
+              </a:prstGeom>
+              <a:noFill/>
+            </p:spPr>
+            <p:txBody>
+              <a:bodyPr wrap="square" rtlCol="0">
+                <a:spAutoFit/>
+              </a:bodyPr>
+              <a:lstStyle/>
+              <a:p>
+                <a:r>
+                  <a:rPr lang="ko-KR" altLang="en-US" sz="700" b="1" dirty="0" smtClean="0">
+                    <a:solidFill>
+                      <a:schemeClr val="bg1"/>
+                    </a:solidFill>
+                    <a:latin typeface="KoPub돋움체 Light" pitchFamily="18" charset="-127"/>
+                    <a:ea typeface="KoPub돋움체 Light" pitchFamily="18" charset="-127"/>
+                  </a:rPr>
+                  <a:t>사용자</a:t>
+                </a:r>
+                <a:r>
+                  <a:rPr lang="ko-KR" altLang="en-US" sz="700" dirty="0" smtClean="0">
+                    <a:solidFill>
+                      <a:schemeClr val="bg1"/>
+                    </a:solidFill>
+                    <a:latin typeface="KoPub돋움체 Light" pitchFamily="18" charset="-127"/>
+                    <a:ea typeface="KoPub돋움체 Light" pitchFamily="18" charset="-127"/>
+                  </a:rPr>
+                  <a:t> 님 환영합니다</a:t>
+                </a:r>
+                <a:r>
+                  <a:rPr lang="en-US" altLang="ko-KR" sz="700" dirty="0" smtClean="0">
+                    <a:solidFill>
+                      <a:schemeClr val="bg1"/>
+                    </a:solidFill>
+                    <a:latin typeface="KoPub돋움체 Light" pitchFamily="18" charset="-127"/>
+                    <a:ea typeface="KoPub돋움체 Light" pitchFamily="18" charset="-127"/>
+                  </a:rPr>
+                  <a:t>! | </a:t>
+                </a:r>
+                <a:r>
+                  <a:rPr lang="ko-KR" altLang="en-US" sz="700" dirty="0" err="1" smtClean="0">
+                    <a:solidFill>
+                      <a:schemeClr val="bg1"/>
+                    </a:solidFill>
+                    <a:latin typeface="KoPub돋움체 Light" pitchFamily="18" charset="-127"/>
+                    <a:ea typeface="KoPub돋움체 Light" pitchFamily="18" charset="-127"/>
+                  </a:rPr>
+                  <a:t>마이페이지</a:t>
+                </a:r>
+                <a:r>
+                  <a:rPr lang="ko-KR" altLang="en-US" sz="700" dirty="0" smtClean="0">
+                    <a:solidFill>
+                      <a:schemeClr val="bg1"/>
+                    </a:solidFill>
+                    <a:latin typeface="KoPub돋움체 Light" pitchFamily="18" charset="-127"/>
+                    <a:ea typeface="KoPub돋움체 Light" pitchFamily="18" charset="-127"/>
+                  </a:rPr>
+                  <a:t> </a:t>
+                </a:r>
+                <a:r>
+                  <a:rPr lang="en-US" altLang="ko-KR" sz="700" dirty="0" smtClean="0">
+                    <a:solidFill>
+                      <a:schemeClr val="bg1"/>
+                    </a:solidFill>
+                    <a:latin typeface="KoPub돋움체 Light" pitchFamily="18" charset="-127"/>
+                    <a:ea typeface="KoPub돋움체 Light" pitchFamily="18" charset="-127"/>
+                  </a:rPr>
+                  <a:t>| </a:t>
+                </a:r>
+                <a:r>
+                  <a:rPr lang="ko-KR" altLang="en-US" sz="700" dirty="0" smtClean="0">
+                    <a:solidFill>
+                      <a:schemeClr val="bg1"/>
+                    </a:solidFill>
+                    <a:latin typeface="KoPub돋움체 Light" pitchFamily="18" charset="-127"/>
+                    <a:ea typeface="KoPub돋움체 Light" pitchFamily="18" charset="-127"/>
+                  </a:rPr>
+                  <a:t>로그아웃</a:t>
+                </a:r>
+                <a:endParaRPr lang="ko-KR" altLang="en-US" sz="700" dirty="0">
+                  <a:solidFill>
+                    <a:schemeClr val="bg1"/>
+                  </a:solidFill>
+                  <a:latin typeface="KoPub돋움체 Light" pitchFamily="18" charset="-127"/>
+                  <a:ea typeface="KoPub돋움체 Light" pitchFamily="18" charset="-127"/>
+                </a:endParaRPr>
+              </a:p>
+            </p:txBody>
+          </p:sp>
+        </p:grpSp>
+        <p:grpSp>
+          <p:nvGrpSpPr>
+            <p:cNvPr id="46" name="그룹 45"/>
+            <p:cNvGrpSpPr/>
+            <p:nvPr/>
+          </p:nvGrpSpPr>
+          <p:grpSpPr>
+            <a:xfrm>
+              <a:off x="214282" y="928676"/>
+              <a:ext cx="3857652" cy="3714776"/>
+              <a:chOff x="214282" y="571486"/>
+              <a:chExt cx="3857652" cy="3714776"/>
+            </a:xfrm>
+          </p:grpSpPr>
+          <p:grpSp>
+            <p:nvGrpSpPr>
+              <p:cNvPr id="38" name="그룹 37"/>
+              <p:cNvGrpSpPr/>
+              <p:nvPr/>
+            </p:nvGrpSpPr>
+            <p:grpSpPr>
+              <a:xfrm>
+                <a:off x="1500166" y="571486"/>
+                <a:ext cx="1285884" cy="3714776"/>
+                <a:chOff x="7643834" y="928676"/>
+                <a:chExt cx="1285884" cy="3714776"/>
+              </a:xfrm>
+            </p:grpSpPr>
+            <p:sp>
+              <p:nvSpPr>
+                <p:cNvPr id="39" name="직사각형 38"/>
+                <p:cNvSpPr/>
+                <p:nvPr/>
+              </p:nvSpPr>
+              <p:spPr>
+                <a:xfrm>
+                  <a:off x="7643834" y="1071552"/>
+                  <a:ext cx="1285884" cy="3571900"/>
+                </a:xfrm>
+                <a:prstGeom prst="rect">
+                  <a:avLst/>
+                </a:prstGeom>
+                <a:solidFill>
+                  <a:schemeClr val="bg1"/>
+                </a:solidFill>
+                <a:ln w="12700">
+                  <a:solidFill>
+                    <a:schemeClr val="bg1">
+                      <a:lumMod val="85000"/>
+                    </a:schemeClr>
+                  </a:solidFill>
+                </a:ln>
+              </p:spPr>
+              <p:style>
+                <a:lnRef idx="2">
+                  <a:schemeClr val="accent1">
+                    <a:shade val="50000"/>
+                  </a:schemeClr>
+                </a:lnRef>
+                <a:fillRef idx="1">
+                  <a:schemeClr val="accent1"/>
+                </a:fillRef>
+                <a:effectRef idx="0">
+                  <a:schemeClr val="accent1"/>
+                </a:effectRef>
+                <a:fontRef idx="minor">
+                  <a:schemeClr val="lt1"/>
+                </a:fontRef>
+              </p:style>
+              <p:txBody>
+                <a:bodyPr rtlCol="0" anchor="ctr"/>
+                <a:lstStyle/>
+                <a:p>
+                  <a:pPr algn="ctr"/>
+                  <a:endParaRPr lang="ko-KR" altLang="en-US"/>
+                </a:p>
+              </p:txBody>
+            </p:sp>
+            <p:sp>
+              <p:nvSpPr>
+                <p:cNvPr id="40" name="직사각형 39"/>
+                <p:cNvSpPr/>
+                <p:nvPr/>
+              </p:nvSpPr>
+              <p:spPr>
+                <a:xfrm>
+                  <a:off x="7643834" y="928676"/>
+                  <a:ext cx="1285884" cy="214314"/>
+                </a:xfrm>
+                <a:prstGeom prst="rect">
+                  <a:avLst/>
+                </a:prstGeom>
+                <a:solidFill>
+                  <a:schemeClr val="accent5"/>
+                </a:solidFill>
+                <a:ln>
+                  <a:noFill/>
+                </a:ln>
+              </p:spPr>
+              <p:style>
+                <a:lnRef idx="2">
+                  <a:schemeClr val="accent1">
+                    <a:shade val="50000"/>
+                  </a:schemeClr>
+                </a:lnRef>
+                <a:fillRef idx="1">
+                  <a:schemeClr val="accent1"/>
+                </a:fillRef>
+                <a:effectRef idx="0">
+                  <a:schemeClr val="accent1"/>
+                </a:effectRef>
+                <a:fontRef idx="minor">
+                  <a:schemeClr val="lt1"/>
+                </a:fontRef>
+              </p:style>
+              <p:txBody>
+                <a:bodyPr rtlCol="0" anchor="ctr"/>
+                <a:lstStyle/>
+                <a:p>
+                  <a:pPr algn="ctr"/>
+                  <a:r>
+                    <a:rPr lang="ko-KR" altLang="en-US" sz="1100" dirty="0" smtClean="0">
+                      <a:latin typeface="KoPub돋움체 Light" pitchFamily="18" charset="-127"/>
+                      <a:ea typeface="KoPub돋움체 Light" pitchFamily="18" charset="-127"/>
+                    </a:rPr>
+                    <a:t>전자기기</a:t>
+                  </a:r>
+                  <a:r>
+                    <a:rPr lang="en-US" altLang="ko-KR" sz="1100" dirty="0" smtClean="0">
+                      <a:latin typeface="KoPub돋움체 Light" pitchFamily="18" charset="-127"/>
+                      <a:ea typeface="KoPub돋움체 Light" pitchFamily="18" charset="-127"/>
+                    </a:rPr>
+                    <a:t>/</a:t>
+                  </a:r>
+                  <a:r>
+                    <a:rPr lang="ko-KR" altLang="en-US" sz="1100" dirty="0" smtClean="0">
+                      <a:latin typeface="KoPub돋움체 Light" pitchFamily="18" charset="-127"/>
+                      <a:ea typeface="KoPub돋움체 Light" pitchFamily="18" charset="-127"/>
+                    </a:rPr>
+                    <a:t>튜닝</a:t>
+                  </a:r>
+                  <a:endParaRPr lang="ko-KR" altLang="en-US" sz="1100" dirty="0">
+                    <a:latin typeface="KoPub돋움체 Light" pitchFamily="18" charset="-127"/>
+                    <a:ea typeface="KoPub돋움체 Light" pitchFamily="18" charset="-127"/>
+                  </a:endParaRPr>
+                </a:p>
+              </p:txBody>
+            </p:sp>
+          </p:grpSp>
+          <p:grpSp>
+            <p:nvGrpSpPr>
+              <p:cNvPr id="26" name="그룹 25"/>
+              <p:cNvGrpSpPr/>
+              <p:nvPr/>
+            </p:nvGrpSpPr>
+            <p:grpSpPr>
+              <a:xfrm>
+                <a:off x="214282" y="571486"/>
+                <a:ext cx="1285884" cy="3714776"/>
+                <a:chOff x="7643834" y="928676"/>
+                <a:chExt cx="1285884" cy="3714776"/>
+              </a:xfrm>
+            </p:grpSpPr>
+            <p:sp>
+              <p:nvSpPr>
+                <p:cNvPr id="27" name="직사각형 26"/>
+                <p:cNvSpPr/>
+                <p:nvPr/>
+              </p:nvSpPr>
+              <p:spPr>
+                <a:xfrm>
+                  <a:off x="7643834" y="1071552"/>
+                  <a:ext cx="1285884" cy="3571900"/>
+                </a:xfrm>
+                <a:prstGeom prst="rect">
+                  <a:avLst/>
+                </a:prstGeom>
+                <a:solidFill>
+                  <a:schemeClr val="bg1"/>
+                </a:solidFill>
+                <a:ln w="12700">
+                  <a:solidFill>
+                    <a:schemeClr val="bg1">
+                      <a:lumMod val="85000"/>
+                    </a:schemeClr>
+                  </a:solidFill>
+                </a:ln>
+              </p:spPr>
+              <p:style>
+                <a:lnRef idx="2">
+                  <a:schemeClr val="accent1">
+                    <a:shade val="50000"/>
+                  </a:schemeClr>
+                </a:lnRef>
+                <a:fillRef idx="1">
+                  <a:schemeClr val="accent1"/>
+                </a:fillRef>
+                <a:effectRef idx="0">
+                  <a:schemeClr val="accent1"/>
+                </a:effectRef>
+                <a:fontRef idx="minor">
+                  <a:schemeClr val="lt1"/>
+                </a:fontRef>
+              </p:style>
+              <p:txBody>
+                <a:bodyPr rtlCol="0" anchor="ctr"/>
+                <a:lstStyle/>
+                <a:p>
+                  <a:pPr algn="ctr"/>
+                  <a:endParaRPr lang="ko-KR" altLang="en-US" dirty="0"/>
+                </a:p>
+              </p:txBody>
+            </p:sp>
+            <p:sp>
+              <p:nvSpPr>
+                <p:cNvPr id="28" name="직사각형 27"/>
+                <p:cNvSpPr/>
+                <p:nvPr/>
+              </p:nvSpPr>
+              <p:spPr>
+                <a:xfrm>
+                  <a:off x="7643834" y="928676"/>
+                  <a:ext cx="1285884" cy="214314"/>
+                </a:xfrm>
+                <a:prstGeom prst="rect">
+                  <a:avLst/>
+                </a:prstGeom>
+                <a:solidFill>
+                  <a:schemeClr val="accent5"/>
+                </a:solidFill>
+                <a:ln>
+                  <a:noFill/>
+                </a:ln>
+              </p:spPr>
+              <p:style>
+                <a:lnRef idx="2">
+                  <a:schemeClr val="accent1">
+                    <a:shade val="50000"/>
+                  </a:schemeClr>
+                </a:lnRef>
+                <a:fillRef idx="1">
+                  <a:schemeClr val="accent1"/>
+                </a:fillRef>
+                <a:effectRef idx="0">
+                  <a:schemeClr val="accent1"/>
+                </a:effectRef>
+                <a:fontRef idx="minor">
+                  <a:schemeClr val="lt1"/>
+                </a:fontRef>
+              </p:style>
+              <p:txBody>
+                <a:bodyPr rtlCol="0" anchor="ctr"/>
+                <a:lstStyle/>
+                <a:p>
+                  <a:pPr algn="ctr"/>
+                  <a:r>
+                    <a:rPr lang="en-US" altLang="ko-KR" sz="1100" dirty="0" smtClean="0">
+                      <a:latin typeface="KoPub돋움체 Light" pitchFamily="18" charset="-127"/>
+                      <a:ea typeface="KoPub돋움체 Light" pitchFamily="18" charset="-127"/>
+                    </a:rPr>
+                    <a:t>Kidult/</a:t>
+                  </a:r>
+                  <a:r>
+                    <a:rPr lang="ko-KR" altLang="en-US" sz="1100" dirty="0" smtClean="0">
+                      <a:latin typeface="KoPub돋움체 Light" pitchFamily="18" charset="-127"/>
+                      <a:ea typeface="KoPub돋움체 Light" pitchFamily="18" charset="-127"/>
+                    </a:rPr>
+                    <a:t>장난감</a:t>
+                  </a:r>
+                  <a:endParaRPr lang="ko-KR" altLang="en-US" sz="1100" dirty="0">
+                    <a:latin typeface="KoPub돋움체 Light" pitchFamily="18" charset="-127"/>
+                    <a:ea typeface="KoPub돋움체 Light" pitchFamily="18" charset="-127"/>
+                  </a:endParaRPr>
+                </a:p>
+              </p:txBody>
+            </p:sp>
+          </p:grpSp>
+          <p:grpSp>
+            <p:nvGrpSpPr>
+              <p:cNvPr id="41" name="그룹 40"/>
+              <p:cNvGrpSpPr/>
+              <p:nvPr/>
+            </p:nvGrpSpPr>
+            <p:grpSpPr>
+              <a:xfrm>
+                <a:off x="2786050" y="571486"/>
+                <a:ext cx="1285884" cy="3714776"/>
+                <a:chOff x="7643834" y="928676"/>
+                <a:chExt cx="1285884" cy="3714776"/>
+              </a:xfrm>
+            </p:grpSpPr>
+            <p:sp>
+              <p:nvSpPr>
+                <p:cNvPr id="42" name="직사각형 41"/>
+                <p:cNvSpPr/>
+                <p:nvPr/>
+              </p:nvSpPr>
+              <p:spPr>
+                <a:xfrm>
+                  <a:off x="7643834" y="1071552"/>
+                  <a:ext cx="1285884" cy="3571900"/>
+                </a:xfrm>
+                <a:prstGeom prst="rect">
+                  <a:avLst/>
+                </a:prstGeom>
+                <a:solidFill>
+                  <a:schemeClr val="bg1"/>
+                </a:solidFill>
+                <a:ln w="12700">
+                  <a:solidFill>
+                    <a:schemeClr val="bg1">
+                      <a:lumMod val="85000"/>
+                    </a:schemeClr>
+                  </a:solidFill>
+                </a:ln>
+              </p:spPr>
+              <p:style>
+                <a:lnRef idx="2">
+                  <a:schemeClr val="accent1">
+                    <a:shade val="50000"/>
+                  </a:schemeClr>
+                </a:lnRef>
+                <a:fillRef idx="1">
+                  <a:schemeClr val="accent1"/>
+                </a:fillRef>
+                <a:effectRef idx="0">
+                  <a:schemeClr val="accent1"/>
+                </a:effectRef>
+                <a:fontRef idx="minor">
+                  <a:schemeClr val="lt1"/>
+                </a:fontRef>
+              </p:style>
+              <p:txBody>
+                <a:bodyPr rtlCol="0" anchor="ctr"/>
+                <a:lstStyle/>
+                <a:p>
+                  <a:pPr algn="ctr"/>
+                  <a:endParaRPr lang="ko-KR" altLang="en-US"/>
+                </a:p>
+              </p:txBody>
+            </p:sp>
+            <p:sp>
+              <p:nvSpPr>
+                <p:cNvPr id="43" name="직사각형 42"/>
+                <p:cNvSpPr/>
+                <p:nvPr/>
+              </p:nvSpPr>
+              <p:spPr>
+                <a:xfrm>
+                  <a:off x="7643834" y="928676"/>
+                  <a:ext cx="1285884" cy="214314"/>
+                </a:xfrm>
+                <a:prstGeom prst="rect">
+                  <a:avLst/>
+                </a:prstGeom>
+                <a:solidFill>
+                  <a:schemeClr val="accent5"/>
+                </a:solidFill>
+                <a:ln>
+                  <a:noFill/>
+                </a:ln>
+              </p:spPr>
+              <p:style>
+                <a:lnRef idx="2">
+                  <a:schemeClr val="accent1">
+                    <a:shade val="50000"/>
+                  </a:schemeClr>
+                </a:lnRef>
+                <a:fillRef idx="1">
+                  <a:schemeClr val="accent1"/>
+                </a:fillRef>
+                <a:effectRef idx="0">
+                  <a:schemeClr val="accent1"/>
+                </a:effectRef>
+                <a:fontRef idx="minor">
+                  <a:schemeClr val="lt1"/>
+                </a:fontRef>
+              </p:style>
+              <p:txBody>
+                <a:bodyPr rtlCol="0" anchor="ctr"/>
+                <a:lstStyle/>
+                <a:p>
+                  <a:pPr algn="ctr"/>
+                  <a:r>
+                    <a:rPr lang="ko-KR" altLang="en-US" sz="1100" dirty="0" smtClean="0">
+                      <a:latin typeface="KoPub돋움체 Light" pitchFamily="18" charset="-127"/>
+                      <a:ea typeface="KoPub돋움체 Light" pitchFamily="18" charset="-127"/>
+                    </a:rPr>
+                    <a:t>도구</a:t>
+                  </a:r>
+                  <a:r>
+                    <a:rPr lang="en-US" altLang="ko-KR" sz="1100" dirty="0" smtClean="0">
+                      <a:latin typeface="KoPub돋움체 Light" pitchFamily="18" charset="-127"/>
+                      <a:ea typeface="KoPub돋움체 Light" pitchFamily="18" charset="-127"/>
+                    </a:rPr>
+                    <a:t>/</a:t>
+                  </a:r>
+                  <a:r>
+                    <a:rPr lang="ko-KR" altLang="en-US" sz="1100" dirty="0" smtClean="0">
+                      <a:latin typeface="KoPub돋움체 Light" pitchFamily="18" charset="-127"/>
+                      <a:ea typeface="KoPub돋움체 Light" pitchFamily="18" charset="-127"/>
+                    </a:rPr>
+                    <a:t>식품</a:t>
+                  </a:r>
+                  <a:endParaRPr lang="ko-KR" altLang="en-US" sz="1100" dirty="0">
+                    <a:latin typeface="KoPub돋움체 Light" pitchFamily="18" charset="-127"/>
+                    <a:ea typeface="KoPub돋움체 Light" pitchFamily="18" charset="-127"/>
+                  </a:endParaRPr>
+                </a:p>
+              </p:txBody>
+            </p:sp>
+          </p:grpSp>
+        </p:grpSp>
+        <p:sp>
+          <p:nvSpPr>
+            <p:cNvPr id="47" name="직사각형 46"/>
+            <p:cNvSpPr/>
+            <p:nvPr/>
+          </p:nvSpPr>
+          <p:spPr>
+            <a:xfrm>
+              <a:off x="214282" y="500048"/>
+              <a:ext cx="3857652" cy="285752"/>
+            </a:xfrm>
+            <a:prstGeom prst="rect">
+              <a:avLst/>
+            </a:prstGeom>
+            <a:solidFill>
+              <a:schemeClr val="accent5"/>
+            </a:solidFill>
+            <a:ln>
+              <a:noFill/>
+            </a:ln>
+          </p:spPr>
+          <p:style>
+            <a:lnRef idx="2">
+              <a:schemeClr val="accent1">
+                <a:shade val="50000"/>
+              </a:schemeClr>
+            </a:lnRef>
+            <a:fillRef idx="1">
+              <a:schemeClr val="accent1"/>
+            </a:fillRef>
+            <a:effectRef idx="0">
+              <a:schemeClr val="accent1"/>
+            </a:effectRef>
+            <a:fontRef idx="minor">
+              <a:schemeClr val="lt1"/>
+            </a:fontRef>
+          </p:style>
+          <p:txBody>
+            <a:bodyPr rtlCol="0" anchor="ctr"/>
+            <a:lstStyle/>
+            <a:p>
+              <a:r>
+                <a:rPr lang="ko-KR" altLang="en-US" dirty="0" smtClean="0">
+                  <a:latin typeface="KoPub돋움체 Light" pitchFamily="18" charset="-127"/>
+                  <a:ea typeface="KoPub돋움체 Light" pitchFamily="18" charset="-127"/>
+                </a:rPr>
+                <a:t>▶ 전체 보기</a:t>
+              </a:r>
+              <a:r>
+                <a:rPr lang="en-US" altLang="ko-KR" dirty="0" smtClean="0">
+                  <a:latin typeface="KoPub돋움체 Light" pitchFamily="18" charset="-127"/>
+                  <a:ea typeface="KoPub돋움체 Light" pitchFamily="18" charset="-127"/>
+                </a:rPr>
+                <a:t>| Spread</a:t>
+              </a:r>
+              <a:endParaRPr lang="ko-KR" altLang="en-US" dirty="0">
+                <a:latin typeface="KoPub돋움체 Light" pitchFamily="18" charset="-127"/>
+                <a:ea typeface="KoPub돋움체 Light" pitchFamily="18" charset="-127"/>
+              </a:endParaRPr>
+            </a:p>
+          </p:txBody>
+        </p:sp>
+        <p:grpSp>
+          <p:nvGrpSpPr>
+            <p:cNvPr id="57" name="그룹 56"/>
+            <p:cNvGrpSpPr/>
+            <p:nvPr/>
+          </p:nvGrpSpPr>
+          <p:grpSpPr>
+            <a:xfrm>
+              <a:off x="7715272" y="571486"/>
+              <a:ext cx="1285884" cy="1143008"/>
+              <a:chOff x="7643834" y="1142990"/>
+              <a:chExt cx="1285884" cy="928694"/>
             </a:xfrm>
           </p:grpSpPr>
           <p:sp>
             <p:nvSpPr>
-              <p:cNvPr id="27" name="직사각형 26"/>
+              <p:cNvPr id="58" name="직사각형 57"/>
               <p:cNvSpPr/>
               <p:nvPr/>
             </p:nvSpPr>
             <p:spPr>
               <a:xfrm>
-                <a:off x="7643834" y="1071552"/>
-                <a:ext cx="1285884" cy="3571900"/>
+                <a:off x="7643834" y="1142990"/>
+                <a:ext cx="1285884" cy="928694"/>
               </a:xfrm>
               <a:prstGeom prst="rect">
                 <a:avLst/>
@@ -4365,23 +4530,27 @@
           </p:sp>
           <p:sp>
             <p:nvSpPr>
-              <p:cNvPr id="28" name="직사각형 27"/>
+              <p:cNvPr id="63" name="직사각형 62"/>
               <p:cNvSpPr/>
               <p:nvPr/>
             </p:nvSpPr>
             <p:spPr>
               <a:xfrm>
-                <a:off x="7643834" y="928676"/>
-                <a:ext cx="1285884" cy="214314"/>
+                <a:off x="7643834" y="1142990"/>
+                <a:ext cx="642942" cy="500066"/>
               </a:xfrm>
               <a:prstGeom prst="rect">
                 <a:avLst/>
               </a:prstGeom>
               <a:solidFill>
-                <a:schemeClr val="accent5"/>
+                <a:schemeClr val="bg1"/>
               </a:solidFill>
-              <a:ln>
-                <a:noFill/>
+              <a:ln w="12700">
+                <a:solidFill>
+                  <a:schemeClr val="bg1">
+                    <a:lumMod val="85000"/>
+                  </a:schemeClr>
+                </a:solidFill>
               </a:ln>
             </p:spPr>
             <p:style>
@@ -4406,51 +4575,55 @@
               <a:p>
                 <a:pPr algn="ctr"/>
                 <a:r>
-                  <a:rPr lang="en-US" altLang="ko-KR" sz="1100" dirty="0" smtClean="0">
-                    <a:latin typeface="KoPub돋움체 Light" pitchFamily="18" charset="-127"/>
-                    <a:ea typeface="KoPub돋움체 Light" pitchFamily="18" charset="-127"/>
+                  <a:rPr lang="ko-KR" altLang="en-US" sz="1200" dirty="0" smtClean="0">
+                    <a:solidFill>
+                      <a:schemeClr val="tx1"/>
+                    </a:solidFill>
+                    <a:latin typeface="KoPub돋움체 Medium" pitchFamily="18" charset="-127"/>
+                    <a:ea typeface="KoPub돋움체 Medium" pitchFamily="18" charset="-127"/>
                   </a:rPr>
-                  <a:t>Kidult/</a:t>
+                  <a:t>판매</a:t>
                 </a:r>
+                <a:endParaRPr lang="en-US" altLang="ko-KR" sz="1200" dirty="0" smtClean="0">
+                  <a:solidFill>
+                    <a:schemeClr val="tx1"/>
+                  </a:solidFill>
+                  <a:latin typeface="KoPub돋움체 Medium" pitchFamily="18" charset="-127"/>
+                  <a:ea typeface="KoPub돋움체 Medium" pitchFamily="18" charset="-127"/>
+                </a:endParaRPr>
+              </a:p>
+              <a:p>
+                <a:pPr algn="ctr"/>
                 <a:r>
-                  <a:rPr lang="ko-KR" altLang="en-US" sz="1100" dirty="0" smtClean="0">
-                    <a:latin typeface="KoPub돋움체 Light" pitchFamily="18" charset="-127"/>
-                    <a:ea typeface="KoPub돋움체 Light" pitchFamily="18" charset="-127"/>
+                  <a:rPr lang="ko-KR" altLang="en-US" sz="1200" dirty="0" smtClean="0">
+                    <a:solidFill>
+                      <a:schemeClr val="tx1"/>
+                    </a:solidFill>
+                    <a:latin typeface="KoPub돋움체 Medium" pitchFamily="18" charset="-127"/>
+                    <a:ea typeface="KoPub돋움체 Medium" pitchFamily="18" charset="-127"/>
                   </a:rPr>
-                  <a:t>장난감</a:t>
+                  <a:t>등록</a:t>
                 </a:r>
-                <a:endParaRPr lang="ko-KR" altLang="en-US" sz="1100" dirty="0">
-                  <a:latin typeface="KoPub돋움체 Light" pitchFamily="18" charset="-127"/>
-                  <a:ea typeface="KoPub돋움체 Light" pitchFamily="18" charset="-127"/>
+                <a:endParaRPr lang="ko-KR" altLang="en-US" sz="1200" dirty="0">
+                  <a:solidFill>
+                    <a:schemeClr val="tx1"/>
+                  </a:solidFill>
+                  <a:latin typeface="KoPub돋움체 Medium" pitchFamily="18" charset="-127"/>
+                  <a:ea typeface="KoPub돋움체 Medium" pitchFamily="18" charset="-127"/>
                 </a:endParaRPr>
               </a:p>
             </p:txBody>
           </p:sp>
-        </p:grpSp>
-        <p:grpSp>
-          <p:nvGrpSpPr>
-            <p:cNvPr id="41" name="그룹 40"/>
-            <p:cNvGrpSpPr/>
-            <p:nvPr/>
-          </p:nvGrpSpPr>
-          <p:grpSpPr>
-            <a:xfrm>
-              <a:off x="2786050" y="571486"/>
-              <a:ext cx="1285884" cy="3714776"/>
-              <a:chOff x="7643834" y="928676"/>
-              <a:chExt cx="1285884" cy="3714776"/>
-            </a:xfrm>
-          </p:grpSpPr>
           <p:sp>
             <p:nvSpPr>
-              <p:cNvPr id="42" name="직사각형 41"/>
+              <p:cNvPr id="64" name="직사각형 63"/>
               <p:cNvSpPr/>
               <p:nvPr/>
             </p:nvSpPr>
             <p:spPr>
               <a:xfrm>
-                <a:off x="7643834" y="1071552"/>
-                <a:ext cx="1285884" cy="3571900"/>
+                <a:off x="8286776" y="1142990"/>
+                <a:ext cx="642942" cy="500066"/>
               </a:xfrm>
               <a:prstGeom prst="rect">
                 <a:avLst/>
@@ -4464,52 +4637,6 @@
                     <a:lumMod val="85000"/>
                   </a:schemeClr>
                 </a:solidFill>
-              </a:ln>
-            </p:spPr>
-            <p:style>
-              <a:lnRef idx="2">
-                <a:schemeClr val="accent1">
-                  <a:shade val="50000"/>
-                </a:schemeClr>
-              </a:lnRef>
-              <a:fillRef idx="1">
-                <a:schemeClr val="accent1"/>
-              </a:fillRef>
-              <a:effectRef idx="0">
-                <a:schemeClr val="accent1"/>
-              </a:effectRef>
-              <a:fontRef idx="minor">
-                <a:schemeClr val="lt1"/>
-              </a:fontRef>
-            </p:style>
-            <p:txBody>
-              <a:bodyPr rtlCol="0" anchor="ctr"/>
-              <a:lstStyle/>
-              <a:p>
-                <a:pPr algn="ctr"/>
-                <a:endParaRPr lang="ko-KR" altLang="en-US"/>
-              </a:p>
-            </p:txBody>
-          </p:sp>
-          <p:sp>
-            <p:nvSpPr>
-              <p:cNvPr id="43" name="직사각형 42"/>
-              <p:cNvSpPr/>
-              <p:nvPr/>
-            </p:nvSpPr>
-            <p:spPr>
-              <a:xfrm>
-                <a:off x="7643834" y="928676"/>
-                <a:ext cx="1285884" cy="214314"/>
-              </a:xfrm>
-              <a:prstGeom prst="rect">
-                <a:avLst/>
-              </a:prstGeom>
-              <a:solidFill>
-                <a:schemeClr val="accent5"/>
-              </a:solidFill>
-              <a:ln>
-                <a:noFill/>
               </a:ln>
             </p:spPr>
             <p:style>
@@ -4534,134 +4661,177 @@
               <a:p>
                 <a:pPr algn="ctr"/>
                 <a:r>
-                  <a:rPr lang="ko-KR" altLang="en-US" sz="1100" dirty="0" smtClean="0">
-                    <a:latin typeface="KoPub돋움체 Light" pitchFamily="18" charset="-127"/>
-                    <a:ea typeface="KoPub돋움체 Light" pitchFamily="18" charset="-127"/>
+                  <a:rPr lang="en-US" altLang="ko-KR" sz="1200" dirty="0" smtClean="0">
+                    <a:solidFill>
+                      <a:schemeClr val="tx1"/>
+                    </a:solidFill>
+                    <a:latin typeface="KoPub돋움체 Medium" pitchFamily="18" charset="-127"/>
+                    <a:ea typeface="KoPub돋움체 Medium" pitchFamily="18" charset="-127"/>
                   </a:rPr>
-                  <a:t>도구</a:t>
+                  <a:t>QNA</a:t>
                 </a:r>
+                <a:endParaRPr lang="ko-KR" altLang="en-US" sz="1200" dirty="0">
+                  <a:solidFill>
+                    <a:schemeClr val="tx1"/>
+                  </a:solidFill>
+                  <a:latin typeface="KoPub돋움체 Medium" pitchFamily="18" charset="-127"/>
+                  <a:ea typeface="KoPub돋움체 Medium" pitchFamily="18" charset="-127"/>
+                </a:endParaRPr>
+              </a:p>
+            </p:txBody>
+          </p:sp>
+          <p:sp>
+            <p:nvSpPr>
+              <p:cNvPr id="65" name="직사각형 64"/>
+              <p:cNvSpPr/>
+              <p:nvPr/>
+            </p:nvSpPr>
+            <p:spPr>
+              <a:xfrm>
+                <a:off x="8286776" y="1665380"/>
+                <a:ext cx="642942" cy="406304"/>
+              </a:xfrm>
+              <a:prstGeom prst="rect">
+                <a:avLst/>
+              </a:prstGeom>
+              <a:solidFill>
+                <a:schemeClr val="bg1"/>
+              </a:solidFill>
+              <a:ln w="12700">
+                <a:solidFill>
+                  <a:schemeClr val="bg1">
+                    <a:lumMod val="85000"/>
+                  </a:schemeClr>
+                </a:solidFill>
+              </a:ln>
+            </p:spPr>
+            <p:style>
+              <a:lnRef idx="2">
+                <a:schemeClr val="accent1">
+                  <a:shade val="50000"/>
+                </a:schemeClr>
+              </a:lnRef>
+              <a:fillRef idx="1">
+                <a:schemeClr val="accent1"/>
+              </a:fillRef>
+              <a:effectRef idx="0">
+                <a:schemeClr val="accent1"/>
+              </a:effectRef>
+              <a:fontRef idx="minor">
+                <a:schemeClr val="lt1"/>
+              </a:fontRef>
+            </p:style>
+            <p:txBody>
+              <a:bodyPr rtlCol="0" anchor="ctr"/>
+              <a:lstStyle/>
+              <a:p>
+                <a:pPr algn="ctr"/>
                 <a:r>
-                  <a:rPr lang="en-US" altLang="ko-KR" sz="1100" dirty="0" smtClean="0">
-                    <a:latin typeface="KoPub돋움체 Light" pitchFamily="18" charset="-127"/>
-                    <a:ea typeface="KoPub돋움체 Light" pitchFamily="18" charset="-127"/>
+                  <a:rPr lang="ko-KR" altLang="en-US" sz="1200" dirty="0" smtClean="0">
+                    <a:solidFill>
+                      <a:schemeClr val="tx1"/>
+                    </a:solidFill>
+                    <a:latin typeface="KoPub돋움체 Medium" pitchFamily="18" charset="-127"/>
+                    <a:ea typeface="KoPub돋움체 Medium" pitchFamily="18" charset="-127"/>
                   </a:rPr>
-                  <a:t>/</a:t>
+                  <a:t>홈</a:t>
                 </a:r>
+                <a:endParaRPr lang="ko-KR" altLang="en-US" sz="1200" dirty="0">
+                  <a:solidFill>
+                    <a:schemeClr val="tx1"/>
+                  </a:solidFill>
+                  <a:latin typeface="KoPub돋움체 Medium" pitchFamily="18" charset="-127"/>
+                  <a:ea typeface="KoPub돋움체 Medium" pitchFamily="18" charset="-127"/>
+                </a:endParaRPr>
+              </a:p>
+            </p:txBody>
+          </p:sp>
+          <p:sp>
+            <p:nvSpPr>
+              <p:cNvPr id="66" name="직사각형 65"/>
+              <p:cNvSpPr/>
+              <p:nvPr/>
+            </p:nvSpPr>
+            <p:spPr>
+              <a:xfrm>
+                <a:off x="7643834" y="1665380"/>
+                <a:ext cx="642942" cy="406304"/>
+              </a:xfrm>
+              <a:prstGeom prst="rect">
+                <a:avLst/>
+              </a:prstGeom>
+              <a:solidFill>
+                <a:schemeClr val="bg1"/>
+              </a:solidFill>
+              <a:ln w="12700">
+                <a:solidFill>
+                  <a:schemeClr val="bg1">
+                    <a:lumMod val="85000"/>
+                  </a:schemeClr>
+                </a:solidFill>
+              </a:ln>
+            </p:spPr>
+            <p:style>
+              <a:lnRef idx="2">
+                <a:schemeClr val="accent1">
+                  <a:shade val="50000"/>
+                </a:schemeClr>
+              </a:lnRef>
+              <a:fillRef idx="1">
+                <a:schemeClr val="accent1"/>
+              </a:fillRef>
+              <a:effectRef idx="0">
+                <a:schemeClr val="accent1"/>
+              </a:effectRef>
+              <a:fontRef idx="minor">
+                <a:schemeClr val="lt1"/>
+              </a:fontRef>
+            </p:style>
+            <p:txBody>
+              <a:bodyPr rtlCol="0" anchor="ctr"/>
+              <a:lstStyle/>
+              <a:p>
+                <a:pPr algn="ctr"/>
                 <a:r>
-                  <a:rPr lang="ko-KR" altLang="en-US" sz="1100" dirty="0" smtClean="0">
-                    <a:latin typeface="KoPub돋움체 Light" pitchFamily="18" charset="-127"/>
-                    <a:ea typeface="KoPub돋움체 Light" pitchFamily="18" charset="-127"/>
+                  <a:rPr lang="ko-KR" altLang="en-US" sz="1200" dirty="0" err="1" smtClean="0">
+                    <a:solidFill>
+                      <a:schemeClr val="tx1"/>
+                    </a:solidFill>
+                    <a:latin typeface="KoPub돋움체 Medium" pitchFamily="18" charset="-127"/>
+                    <a:ea typeface="KoPub돋움체 Medium" pitchFamily="18" charset="-127"/>
                   </a:rPr>
-                  <a:t>식품</a:t>
+                  <a:t>카트</a:t>
                 </a:r>
-                <a:endParaRPr lang="ko-KR" altLang="en-US" sz="1100" dirty="0">
-                  <a:latin typeface="KoPub돋움체 Light" pitchFamily="18" charset="-127"/>
-                  <a:ea typeface="KoPub돋움체 Light" pitchFamily="18" charset="-127"/>
+                <a:endParaRPr lang="ko-KR" altLang="en-US" sz="1200" dirty="0">
+                  <a:solidFill>
+                    <a:schemeClr val="tx1"/>
+                  </a:solidFill>
+                  <a:latin typeface="KoPub돋움체 Medium" pitchFamily="18" charset="-127"/>
+                  <a:ea typeface="KoPub돋움체 Medium" pitchFamily="18" charset="-127"/>
                 </a:endParaRPr>
               </a:p>
             </p:txBody>
           </p:sp>
         </p:grpSp>
-      </p:grpSp>
-      <p:sp>
-        <p:nvSpPr>
-          <p:cNvPr id="47" name="직사각형 46"/>
-          <p:cNvSpPr/>
-          <p:nvPr/>
-        </p:nvSpPr>
-        <p:spPr>
-          <a:xfrm>
-            <a:off x="142844" y="500048"/>
-            <a:ext cx="3929090" cy="285752"/>
-          </a:xfrm>
-          <a:prstGeom prst="rect">
-            <a:avLst/>
-          </a:prstGeom>
-          <a:solidFill>
-            <a:schemeClr val="accent5"/>
-          </a:solidFill>
-          <a:ln>
-            <a:noFill/>
-          </a:ln>
-        </p:spPr>
-        <p:style>
-          <a:lnRef idx="2">
-            <a:schemeClr val="accent1">
-              <a:shade val="50000"/>
-            </a:schemeClr>
-          </a:lnRef>
-          <a:fillRef idx="1">
-            <a:schemeClr val="accent1"/>
-          </a:fillRef>
-          <a:effectRef idx="0">
-            <a:schemeClr val="accent1"/>
-          </a:effectRef>
-          <a:fontRef idx="minor">
-            <a:schemeClr val="lt1"/>
-          </a:fontRef>
-        </p:style>
-        <p:txBody>
-          <a:bodyPr rtlCol="0" anchor="ctr"/>
-          <a:lstStyle/>
-          <a:p>
-            <a:r>
-              <a:rPr lang="ko-KR" altLang="en-US" dirty="0" smtClean="0">
-                <a:latin typeface="KoPub돋움체 Light" pitchFamily="18" charset="-127"/>
-                <a:ea typeface="KoPub돋움체 Light" pitchFamily="18" charset="-127"/>
-              </a:rPr>
-              <a:t>▶ 전체 보기</a:t>
-            </a:r>
-            <a:r>
-              <a:rPr lang="en-US" altLang="ko-KR" dirty="0" smtClean="0">
-                <a:latin typeface="KoPub돋움체 Light" pitchFamily="18" charset="-127"/>
-                <a:ea typeface="KoPub돋움체 Light" pitchFamily="18" charset="-127"/>
-              </a:rPr>
-              <a:t>| Spread</a:t>
-            </a:r>
-            <a:endParaRPr lang="ko-KR" altLang="en-US" dirty="0">
-              <a:latin typeface="KoPub돋움체 Light" pitchFamily="18" charset="-127"/>
-              <a:ea typeface="KoPub돋움체 Light" pitchFamily="18" charset="-127"/>
-            </a:endParaRPr>
-          </a:p>
-        </p:txBody>
-      </p:sp>
-      <p:grpSp>
-        <p:nvGrpSpPr>
-          <p:cNvPr id="57" name="그룹 56"/>
-          <p:cNvGrpSpPr/>
-          <p:nvPr/>
-        </p:nvGrpSpPr>
-        <p:grpSpPr>
-          <a:xfrm>
-            <a:off x="7715272" y="571486"/>
-            <a:ext cx="1285884" cy="1143008"/>
-            <a:chOff x="7643834" y="1142990"/>
-            <a:chExt cx="1285884" cy="928694"/>
-          </a:xfrm>
-        </p:grpSpPr>
         <p:sp>
           <p:nvSpPr>
-            <p:cNvPr id="58" name="직사각형 57"/>
+            <p:cNvPr id="34" name="직사각형 33"/>
             <p:cNvSpPr/>
             <p:nvPr/>
           </p:nvSpPr>
           <p:spPr>
             <a:xfrm>
-              <a:off x="7643834" y="1142990"/>
-              <a:ext cx="1285884" cy="928694"/>
+              <a:off x="4214810" y="571486"/>
+              <a:ext cx="3357586" cy="4071966"/>
             </a:xfrm>
             <a:prstGeom prst="rect">
               <a:avLst/>
             </a:prstGeom>
             <a:solidFill>
-              <a:schemeClr val="bg1"/>
+              <a:schemeClr val="accent5"/>
             </a:solidFill>
-            <a:ln w="12700">
-              <a:solidFill>
-                <a:schemeClr val="bg1">
-                  <a:lumMod val="85000"/>
-                </a:schemeClr>
-              </a:solidFill>
+            <a:ln>
+              <a:noFill/>
             </a:ln>
           </p:spPr>
           <p:style>
@@ -4685,70 +4855,14 @@
             <a:lstStyle/>
             <a:p>
               <a:pPr algn="ctr"/>
-              <a:endParaRPr lang="ko-KR" altLang="en-US"/>
+              <a:endParaRPr lang="en-US" altLang="ko-KR" sz="5400" b="1" dirty="0" smtClean="0">
+                <a:latin typeface="KoPub돋움체 Medium" pitchFamily="18" charset="-127"/>
+                <a:ea typeface="KoPub돋움체 Medium" pitchFamily="18" charset="-127"/>
+              </a:endParaRPr>
             </a:p>
-          </p:txBody>
-        </p:sp>
-        <p:sp>
-          <p:nvSpPr>
-            <p:cNvPr id="63" name="직사각형 62"/>
-            <p:cNvSpPr/>
-            <p:nvPr/>
-          </p:nvSpPr>
-          <p:spPr>
-            <a:xfrm>
-              <a:off x="7643834" y="1142990"/>
-              <a:ext cx="642942" cy="500066"/>
-            </a:xfrm>
-            <a:prstGeom prst="rect">
-              <a:avLst/>
-            </a:prstGeom>
-            <a:solidFill>
-              <a:schemeClr val="bg1"/>
-            </a:solidFill>
-            <a:ln w="12700">
-              <a:solidFill>
-                <a:schemeClr val="bg1">
-                  <a:lumMod val="85000"/>
-                </a:schemeClr>
-              </a:solidFill>
-            </a:ln>
-          </p:spPr>
-          <p:style>
-            <a:lnRef idx="2">
-              <a:schemeClr val="accent1">
-                <a:shade val="50000"/>
-              </a:schemeClr>
-            </a:lnRef>
-            <a:fillRef idx="1">
-              <a:schemeClr val="accent1"/>
-            </a:fillRef>
-            <a:effectRef idx="0">
-              <a:schemeClr val="accent1"/>
-            </a:effectRef>
-            <a:fontRef idx="minor">
-              <a:schemeClr val="lt1"/>
-            </a:fontRef>
-          </p:style>
-          <p:txBody>
-            <a:bodyPr rtlCol="0" anchor="ctr"/>
-            <a:lstStyle/>
             <a:p>
               <a:pPr algn="ctr"/>
-              <a:r>
-                <a:rPr lang="ko-KR" altLang="en-US" sz="1200" dirty="0" smtClean="0">
-                  <a:solidFill>
-                    <a:schemeClr val="tx1"/>
-                  </a:solidFill>
-                  <a:latin typeface="KoPub돋움체 Medium" pitchFamily="18" charset="-127"/>
-                  <a:ea typeface="KoPub돋움체 Medium" pitchFamily="18" charset="-127"/>
-                </a:rPr>
-                <a:t>판매</a:t>
-              </a:r>
-              <a:endParaRPr lang="en-US" altLang="ko-KR" sz="1200" dirty="0" smtClean="0">
-                <a:solidFill>
-                  <a:schemeClr val="tx1"/>
-                </a:solidFill>
+              <a:endParaRPr lang="en-US" altLang="ko-KR" sz="5400" b="1" dirty="0" smtClean="0">
                 <a:latin typeface="KoPub돋움체 Medium" pitchFamily="18" charset="-127"/>
                 <a:ea typeface="KoPub돋움체 Medium" pitchFamily="18" charset="-127"/>
               </a:endParaRPr>
@@ -4756,223 +4870,80 @@
             <a:p>
               <a:pPr algn="ctr"/>
               <a:r>
-                <a:rPr lang="ko-KR" altLang="en-US" sz="1200" dirty="0" smtClean="0">
-                  <a:solidFill>
-                    <a:schemeClr val="tx1"/>
-                  </a:solidFill>
+                <a:rPr lang="en-US" altLang="ko-KR" sz="5400" b="1" dirty="0" smtClean="0">
                   <a:latin typeface="KoPub돋움체 Medium" pitchFamily="18" charset="-127"/>
                   <a:ea typeface="KoPub돋움체 Medium" pitchFamily="18" charset="-127"/>
                 </a:rPr>
-                <a:t>등록</a:t>
+                <a:t>IDEA4U</a:t>
               </a:r>
-              <a:endParaRPr lang="ko-KR" altLang="en-US" sz="1200" dirty="0">
-                <a:solidFill>
-                  <a:schemeClr val="tx1"/>
-                </a:solidFill>
+            </a:p>
+            <a:p>
+              <a:pPr algn="ctr"/>
+              <a:r>
+                <a:rPr lang="ko-KR" altLang="en-US" dirty="0" smtClean="0">
+                  <a:latin typeface="KoPub돋움체 Medium" pitchFamily="18" charset="-127"/>
+                  <a:ea typeface="KoPub돋움체 Medium" pitchFamily="18" charset="-127"/>
+                  <a:cs typeface="맑은 고딕 Semilight" pitchFamily="50" charset="-127"/>
+                </a:rPr>
+                <a:t>당신만을 위한 아이디어</a:t>
+              </a:r>
+              <a:endParaRPr lang="en-US" altLang="ko-KR" dirty="0" smtClean="0">
                 <a:latin typeface="KoPub돋움체 Medium" pitchFamily="18" charset="-127"/>
                 <a:ea typeface="KoPub돋움체 Medium" pitchFamily="18" charset="-127"/>
+                <a:cs typeface="맑은 고딕 Semilight" pitchFamily="50" charset="-127"/>
+              </a:endParaRPr>
+            </a:p>
+            <a:p>
+              <a:pPr algn="ctr"/>
+              <a:endParaRPr lang="en-US" altLang="ko-KR" dirty="0" smtClean="0">
+                <a:latin typeface="KoPub돋움체 Medium" pitchFamily="18" charset="-127"/>
+                <a:ea typeface="KoPub돋움체 Medium" pitchFamily="18" charset="-127"/>
+                <a:cs typeface="맑은 고딕 Semilight" pitchFamily="50" charset="-127"/>
+              </a:endParaRPr>
+            </a:p>
+            <a:p>
+              <a:pPr algn="ctr"/>
+              <a:r>
+                <a:rPr lang="en-US" altLang="ko-KR" dirty="0" smtClean="0">
+                  <a:latin typeface="KoPub돋움체 Medium" pitchFamily="18" charset="-127"/>
+                  <a:ea typeface="KoPub돋움체 Medium" pitchFamily="18" charset="-127"/>
+                  <a:cs typeface="맑은 고딕 Semilight" pitchFamily="50" charset="-127"/>
+                </a:rPr>
+                <a:t>2017.06.14</a:t>
+              </a:r>
+              <a:endParaRPr lang="ko-KR" altLang="en-US" dirty="0">
+                <a:latin typeface="KoPub돋움체 Medium" pitchFamily="18" charset="-127"/>
+                <a:ea typeface="KoPub돋움체 Medium" pitchFamily="18" charset="-127"/>
+                <a:cs typeface="맑은 고딕 Semilight" pitchFamily="50" charset="-127"/>
               </a:endParaRPr>
             </a:p>
           </p:txBody>
         </p:sp>
-        <p:sp>
-          <p:nvSpPr>
-            <p:cNvPr id="64" name="직사각형 63"/>
-            <p:cNvSpPr/>
+        <p:pic>
+          <p:nvPicPr>
+            <p:cNvPr id="36" name="_x211067216" descr="cif00001"/>
+            <p:cNvPicPr>
+              <a:picLocks noChangeAspect="1" noChangeArrowheads="1"/>
+            </p:cNvPicPr>
             <p:nvPr/>
-          </p:nvSpPr>
-          <p:spPr>
+          </p:nvPicPr>
+          <p:blipFill>
+            <a:blip r:embed="rId3"/>
+            <a:stretch>
+              <a:fillRect/>
+            </a:stretch>
+          </p:blipFill>
+          <p:spPr bwMode="auto">
             <a:xfrm>
-              <a:off x="8286776" y="1142990"/>
-              <a:ext cx="642942" cy="500066"/>
+              <a:off x="5000628" y="714362"/>
+              <a:ext cx="1857388" cy="1857388"/>
             </a:xfrm>
             <a:prstGeom prst="rect">
               <a:avLst/>
             </a:prstGeom>
-            <a:solidFill>
-              <a:schemeClr val="bg1"/>
-            </a:solidFill>
-            <a:ln w="12700">
-              <a:solidFill>
-                <a:schemeClr val="bg1">
-                  <a:lumMod val="85000"/>
-                </a:schemeClr>
-              </a:solidFill>
-            </a:ln>
+            <a:noFill/>
           </p:spPr>
-          <p:style>
-            <a:lnRef idx="2">
-              <a:schemeClr val="accent1">
-                <a:shade val="50000"/>
-              </a:schemeClr>
-            </a:lnRef>
-            <a:fillRef idx="1">
-              <a:schemeClr val="accent1"/>
-            </a:fillRef>
-            <a:effectRef idx="0">
-              <a:schemeClr val="accent1"/>
-            </a:effectRef>
-            <a:fontRef idx="minor">
-              <a:schemeClr val="lt1"/>
-            </a:fontRef>
-          </p:style>
-          <p:txBody>
-            <a:bodyPr rtlCol="0" anchor="ctr"/>
-            <a:lstStyle/>
-            <a:p>
-              <a:pPr algn="ctr"/>
-              <a:r>
-                <a:rPr lang="en-US" altLang="ko-KR" sz="1200" dirty="0" smtClean="0">
-                  <a:solidFill>
-                    <a:schemeClr val="tx1"/>
-                  </a:solidFill>
-                  <a:latin typeface="KoPub돋움체 Medium" pitchFamily="18" charset="-127"/>
-                  <a:ea typeface="KoPub돋움체 Medium" pitchFamily="18" charset="-127"/>
-                </a:rPr>
-                <a:t>QNA</a:t>
-              </a:r>
-              <a:endParaRPr lang="ko-KR" altLang="en-US" sz="1200" dirty="0">
-                <a:solidFill>
-                  <a:schemeClr val="tx1"/>
-                </a:solidFill>
-                <a:latin typeface="KoPub돋움체 Medium" pitchFamily="18" charset="-127"/>
-                <a:ea typeface="KoPub돋움체 Medium" pitchFamily="18" charset="-127"/>
-              </a:endParaRPr>
-            </a:p>
-          </p:txBody>
-        </p:sp>
-        <p:sp>
-          <p:nvSpPr>
-            <p:cNvPr id="65" name="직사각형 64"/>
-            <p:cNvSpPr/>
-            <p:nvPr/>
-          </p:nvSpPr>
-          <p:spPr>
-            <a:xfrm>
-              <a:off x="8286776" y="1665380"/>
-              <a:ext cx="642942" cy="406304"/>
-            </a:xfrm>
-            <a:prstGeom prst="rect">
-              <a:avLst/>
-            </a:prstGeom>
-            <a:solidFill>
-              <a:schemeClr val="bg1"/>
-            </a:solidFill>
-            <a:ln w="12700">
-              <a:solidFill>
-                <a:schemeClr val="bg1">
-                  <a:lumMod val="85000"/>
-                </a:schemeClr>
-              </a:solidFill>
-            </a:ln>
-          </p:spPr>
-          <p:style>
-            <a:lnRef idx="2">
-              <a:schemeClr val="accent1">
-                <a:shade val="50000"/>
-              </a:schemeClr>
-            </a:lnRef>
-            <a:fillRef idx="1">
-              <a:schemeClr val="accent1"/>
-            </a:fillRef>
-            <a:effectRef idx="0">
-              <a:schemeClr val="accent1"/>
-            </a:effectRef>
-            <a:fontRef idx="minor">
-              <a:schemeClr val="lt1"/>
-            </a:fontRef>
-          </p:style>
-          <p:txBody>
-            <a:bodyPr rtlCol="0" anchor="ctr"/>
-            <a:lstStyle/>
-            <a:p>
-              <a:pPr algn="ctr"/>
-              <a:r>
-                <a:rPr lang="ko-KR" altLang="en-US" sz="1200" dirty="0" smtClean="0">
-                  <a:solidFill>
-                    <a:schemeClr val="tx1"/>
-                  </a:solidFill>
-                  <a:latin typeface="KoPub돋움체 Medium" pitchFamily="18" charset="-127"/>
-                  <a:ea typeface="KoPub돋움체 Medium" pitchFamily="18" charset="-127"/>
-                </a:rPr>
-                <a:t>홈</a:t>
-              </a:r>
-              <a:endParaRPr lang="ko-KR" altLang="en-US" sz="1200" dirty="0">
-                <a:solidFill>
-                  <a:schemeClr val="tx1"/>
-                </a:solidFill>
-                <a:latin typeface="KoPub돋움체 Medium" pitchFamily="18" charset="-127"/>
-                <a:ea typeface="KoPub돋움체 Medium" pitchFamily="18" charset="-127"/>
-              </a:endParaRPr>
-            </a:p>
-          </p:txBody>
-        </p:sp>
-        <p:sp>
-          <p:nvSpPr>
-            <p:cNvPr id="66" name="직사각형 65"/>
-            <p:cNvSpPr/>
-            <p:nvPr/>
-          </p:nvSpPr>
-          <p:spPr>
-            <a:xfrm>
-              <a:off x="7643834" y="1665380"/>
-              <a:ext cx="642942" cy="406304"/>
-            </a:xfrm>
-            <a:prstGeom prst="rect">
-              <a:avLst/>
-            </a:prstGeom>
-            <a:solidFill>
-              <a:schemeClr val="bg1"/>
-            </a:solidFill>
-            <a:ln w="12700">
-              <a:solidFill>
-                <a:schemeClr val="bg1">
-                  <a:lumMod val="85000"/>
-                </a:schemeClr>
-              </a:solidFill>
-            </a:ln>
-          </p:spPr>
-          <p:style>
-            <a:lnRef idx="2">
-              <a:schemeClr val="accent1">
-                <a:shade val="50000"/>
-              </a:schemeClr>
-            </a:lnRef>
-            <a:fillRef idx="1">
-              <a:schemeClr val="accent1"/>
-            </a:fillRef>
-            <a:effectRef idx="0">
-              <a:schemeClr val="accent1"/>
-            </a:effectRef>
-            <a:fontRef idx="minor">
-              <a:schemeClr val="lt1"/>
-            </a:fontRef>
-          </p:style>
-          <p:txBody>
-            <a:bodyPr rtlCol="0" anchor="ctr"/>
-            <a:lstStyle/>
-            <a:p>
-              <a:pPr algn="ctr"/>
-              <a:r>
-                <a:rPr lang="ko-KR" altLang="en-US" sz="1200" dirty="0" err="1" smtClean="0">
-                  <a:solidFill>
-                    <a:schemeClr val="tx1"/>
-                  </a:solidFill>
-                  <a:latin typeface="KoPub돋움체 Medium" pitchFamily="18" charset="-127"/>
-                  <a:ea typeface="KoPub돋움체 Medium" pitchFamily="18" charset="-127"/>
-                </a:rPr>
-                <a:t>카트</a:t>
-              </a:r>
-              <a:endParaRPr lang="ko-KR" altLang="en-US" sz="1200" dirty="0">
-                <a:solidFill>
-                  <a:schemeClr val="tx1"/>
-                </a:solidFill>
-                <a:latin typeface="KoPub돋움체 Medium" pitchFamily="18" charset="-127"/>
-                <a:ea typeface="KoPub돋움체 Medium" pitchFamily="18" charset="-127"/>
-              </a:endParaRPr>
-            </a:p>
-          </p:txBody>
-        </p:sp>
+        </p:pic>
       </p:grpSp>
     </p:spTree>
   </p:cSld>
@@ -5255,80 +5226,30 @@
           </p:txBody>
         </p:sp>
       </p:grpSp>
-      <p:grpSp>
-        <p:nvGrpSpPr>
-          <p:cNvPr id="56" name="그룹 55"/>
-          <p:cNvGrpSpPr/>
+      <p:sp>
+        <p:nvSpPr>
+          <p:cNvPr id="21" name="TextBox 20"/>
+          <p:cNvSpPr txBox="1"/>
           <p:nvPr/>
-        </p:nvGrpSpPr>
-        <p:grpSpPr>
+        </p:nvSpPr>
+        <p:spPr>
           <a:xfrm>
-            <a:off x="500034" y="1000114"/>
-            <a:ext cx="6572296" cy="1071570"/>
-            <a:chOff x="500034" y="1000114"/>
-            <a:chExt cx="6572296" cy="1071570"/>
+            <a:off x="1643042" y="1000114"/>
+            <a:ext cx="2000264" cy="276999"/>
           </a:xfrm>
-        </p:grpSpPr>
-        <p:pic>
-          <p:nvPicPr>
-            <p:cNvPr id="19" name="그림 18" descr="18739926_1737057193260149_7494865407931822268_n.png"/>
-            <p:cNvPicPr>
-              <a:picLocks noChangeAspect="1"/>
-            </p:cNvPicPr>
-            <p:nvPr/>
-          </p:nvPicPr>
-          <p:blipFill>
-            <a:blip r:embed="rId3" cstate="print"/>
-            <a:stretch>
-              <a:fillRect/>
-            </a:stretch>
-          </p:blipFill>
-          <p:spPr>
-            <a:xfrm>
-              <a:off x="500034" y="1142990"/>
-              <a:ext cx="928694" cy="928694"/>
-            </a:xfrm>
-            <a:prstGeom prst="rect">
-              <a:avLst/>
-            </a:prstGeom>
-          </p:spPr>
-        </p:pic>
-        <p:sp>
-          <p:nvSpPr>
-            <p:cNvPr id="21" name="TextBox 20"/>
-            <p:cNvSpPr txBox="1"/>
-            <p:nvPr/>
-          </p:nvSpPr>
-          <p:spPr>
-            <a:xfrm>
-              <a:off x="1643042" y="1000114"/>
-              <a:ext cx="2000264" cy="276999"/>
-            </a:xfrm>
-            <a:prstGeom prst="rect">
-              <a:avLst/>
-            </a:prstGeom>
-            <a:noFill/>
-          </p:spPr>
-          <p:txBody>
-            <a:bodyPr wrap="square" rtlCol="0">
-              <a:spAutoFit/>
-            </a:bodyPr>
-            <a:lstStyle/>
-            <a:p>
-              <a:r>
-                <a:rPr lang="ko-KR" altLang="en-US" sz="1200" b="1" dirty="0" smtClean="0">
-                  <a:solidFill>
-                    <a:schemeClr val="tx1">
-                      <a:lumMod val="65000"/>
-                      <a:lumOff val="35000"/>
-                    </a:schemeClr>
-                  </a:solidFill>
-                  <a:latin typeface="KoPub돋움체 Light" pitchFamily="18" charset="-127"/>
-                  <a:ea typeface="KoPub돋움체 Light" pitchFamily="18" charset="-127"/>
-                </a:rPr>
-                <a:t>뚝배기 그릇 세트</a:t>
-              </a:r>
-              <a:endParaRPr lang="ko-KR" altLang="en-US" sz="1200" b="1" dirty="0">
+          <a:prstGeom prst="rect">
+            <a:avLst/>
+          </a:prstGeom>
+          <a:noFill/>
+        </p:spPr>
+        <p:txBody>
+          <a:bodyPr wrap="square" rtlCol="0">
+            <a:spAutoFit/>
+          </a:bodyPr>
+          <a:lstStyle/>
+          <a:p>
+            <a:r>
+              <a:rPr lang="ko-KR" altLang="en-US" sz="1200" b="1" dirty="0" smtClean="0">
                 <a:solidFill>
                   <a:schemeClr val="tx1">
                     <a:lumMod val="65000"/>
@@ -5337,72 +5258,11 @@
                 </a:solidFill>
                 <a:latin typeface="KoPub돋움체 Light" pitchFamily="18" charset="-127"/>
                 <a:ea typeface="KoPub돋움체 Light" pitchFamily="18" charset="-127"/>
-              </a:endParaRPr>
-            </a:p>
-          </p:txBody>
-        </p:sp>
-        <p:sp>
-          <p:nvSpPr>
-            <p:cNvPr id="22" name="TextBox 21"/>
-            <p:cNvSpPr txBox="1"/>
-            <p:nvPr/>
-          </p:nvSpPr>
-          <p:spPr>
-            <a:xfrm>
-              <a:off x="1643042" y="1357305"/>
-              <a:ext cx="2000264" cy="646331"/>
-            </a:xfrm>
-            <a:prstGeom prst="rect">
-              <a:avLst/>
-            </a:prstGeom>
-            <a:noFill/>
-          </p:spPr>
-          <p:txBody>
-            <a:bodyPr wrap="square" rtlCol="0">
-              <a:spAutoFit/>
-            </a:bodyPr>
-            <a:lstStyle/>
-            <a:p>
-              <a:r>
-                <a:rPr lang="ko-KR" altLang="en-US" sz="900" b="1" dirty="0" smtClean="0">
-                  <a:solidFill>
-                    <a:schemeClr val="tx1">
-                      <a:lumMod val="65000"/>
-                      <a:lumOff val="35000"/>
-                    </a:schemeClr>
-                  </a:solidFill>
-                  <a:latin typeface="KoPub돋움체 Light" pitchFamily="18" charset="-127"/>
-                  <a:ea typeface="KoPub돋움체 Light" pitchFamily="18" charset="-127"/>
-                </a:rPr>
-                <a:t>판매자 </a:t>
-              </a:r>
-              <a:r>
-                <a:rPr lang="ko-KR" altLang="en-US" sz="900" b="1" dirty="0" err="1" smtClean="0">
-                  <a:solidFill>
-                    <a:schemeClr val="tx1">
-                      <a:lumMod val="65000"/>
-                      <a:lumOff val="35000"/>
-                    </a:schemeClr>
-                  </a:solidFill>
-                  <a:latin typeface="KoPub돋움체 Light" pitchFamily="18" charset="-127"/>
-                  <a:ea typeface="KoPub돋움체 Light" pitchFamily="18" charset="-127"/>
-                </a:rPr>
-                <a:t>김뚝</a:t>
-              </a:r>
-              <a:r>
-                <a:rPr lang="ko-KR" altLang="en-US" sz="900" b="1" dirty="0" err="1" smtClean="0">
-                  <a:solidFill>
-                    <a:schemeClr val="tx1">
-                      <a:lumMod val="65000"/>
-                      <a:lumOff val="35000"/>
-                    </a:schemeClr>
-                  </a:solidFill>
-                  <a:latin typeface="KoPub돋움체 Light" pitchFamily="18" charset="-127"/>
-                  <a:ea typeface="KoPub돋움체 Light" pitchFamily="18" charset="-127"/>
-                </a:rPr>
-                <a:t>배</a:t>
-              </a:r>
-              <a:endParaRPr lang="en-US" altLang="ko-KR" sz="900" b="1" dirty="0" smtClean="0">
+              </a:rPr>
+              <a:t>뚝배기 </a:t>
+            </a:r>
+            <a:r>
+              <a:rPr lang="ko-KR" altLang="en-US" sz="1200" b="1" dirty="0" smtClean="0">
                 <a:solidFill>
                   <a:schemeClr val="tx1">
                     <a:lumMod val="65000"/>
@@ -5411,118 +5271,46 @@
                 </a:solidFill>
                 <a:latin typeface="KoPub돋움체 Light" pitchFamily="18" charset="-127"/>
                 <a:ea typeface="KoPub돋움체 Light" pitchFamily="18" charset="-127"/>
-              </a:endParaRPr>
-            </a:p>
-            <a:p>
-              <a:r>
-                <a:rPr lang="ko-KR" altLang="en-US" sz="900" b="1" dirty="0" smtClean="0">
-                  <a:solidFill>
-                    <a:schemeClr val="tx1">
-                      <a:lumMod val="65000"/>
-                      <a:lumOff val="35000"/>
-                    </a:schemeClr>
-                  </a:solidFill>
-                  <a:latin typeface="KoPub돋움체 Light" pitchFamily="18" charset="-127"/>
-                  <a:ea typeface="KoPub돋움체 Light" pitchFamily="18" charset="-127"/>
-                </a:rPr>
-                <a:t>택배 가능</a:t>
-              </a:r>
-              <a:r>
-                <a:rPr lang="en-US" altLang="ko-KR" sz="900" b="1" dirty="0" smtClean="0">
-                  <a:solidFill>
-                    <a:schemeClr val="tx1">
-                      <a:lumMod val="65000"/>
-                      <a:lumOff val="35000"/>
-                    </a:schemeClr>
-                  </a:solidFill>
-                  <a:latin typeface="KoPub돋움체 Light" pitchFamily="18" charset="-127"/>
-                  <a:ea typeface="KoPub돋움체 Light" pitchFamily="18" charset="-127"/>
-                </a:rPr>
-                <a:t>(</a:t>
-              </a:r>
-              <a:r>
-                <a:rPr lang="ko-KR" altLang="en-US" sz="900" b="1" dirty="0" err="1" smtClean="0">
-                  <a:solidFill>
-                    <a:schemeClr val="tx1">
-                      <a:lumMod val="65000"/>
-                      <a:lumOff val="35000"/>
-                    </a:schemeClr>
-                  </a:solidFill>
-                  <a:latin typeface="KoPub돋움체 Light" pitchFamily="18" charset="-127"/>
-                  <a:ea typeface="KoPub돋움체 Light" pitchFamily="18" charset="-127"/>
-                </a:rPr>
-                <a:t>배송료</a:t>
-              </a:r>
-              <a:r>
-                <a:rPr lang="ko-KR" altLang="en-US" sz="900" b="1" dirty="0" smtClean="0">
-                  <a:solidFill>
-                    <a:schemeClr val="tx1">
-                      <a:lumMod val="65000"/>
-                      <a:lumOff val="35000"/>
-                    </a:schemeClr>
-                  </a:solidFill>
-                  <a:latin typeface="KoPub돋움체 Light" pitchFamily="18" charset="-127"/>
-                  <a:ea typeface="KoPub돋움체 Light" pitchFamily="18" charset="-127"/>
-                </a:rPr>
-                <a:t> 별도</a:t>
-              </a:r>
-              <a:r>
-                <a:rPr lang="en-US" altLang="ko-KR" sz="900" b="1" dirty="0" smtClean="0">
-                  <a:solidFill>
-                    <a:schemeClr val="tx1">
-                      <a:lumMod val="65000"/>
-                      <a:lumOff val="35000"/>
-                    </a:schemeClr>
-                  </a:solidFill>
-                  <a:latin typeface="KoPub돋움체 Light" pitchFamily="18" charset="-127"/>
-                  <a:ea typeface="KoPub돋움체 Light" pitchFamily="18" charset="-127"/>
-                </a:rPr>
-                <a:t>)</a:t>
-              </a:r>
-            </a:p>
-            <a:p>
-              <a:r>
-                <a:rPr lang="ko-KR" altLang="en-US" sz="900" dirty="0" smtClean="0">
-                  <a:solidFill>
-                    <a:schemeClr val="tx1">
-                      <a:lumMod val="65000"/>
-                      <a:lumOff val="35000"/>
-                    </a:schemeClr>
-                  </a:solidFill>
-                  <a:latin typeface="KoPub돋움체 Light" pitchFamily="18" charset="-127"/>
-                  <a:ea typeface="KoPub돋움체 Light" pitchFamily="18" charset="-127"/>
-                </a:rPr>
-                <a:t>심심할 때 깰 수 있는 뚝배기 그릇</a:t>
-              </a:r>
-              <a:r>
-                <a:rPr lang="en-US" altLang="ko-KR" sz="900" dirty="0" smtClean="0">
-                  <a:solidFill>
-                    <a:schemeClr val="tx1">
-                      <a:lumMod val="65000"/>
-                      <a:lumOff val="35000"/>
-                    </a:schemeClr>
-                  </a:solidFill>
-                  <a:latin typeface="KoPub돋움체 Light" pitchFamily="18" charset="-127"/>
-                  <a:ea typeface="KoPub돋움체 Light" pitchFamily="18" charset="-127"/>
-                </a:rPr>
-                <a:t>!</a:t>
-              </a:r>
-            </a:p>
-            <a:p>
-              <a:r>
-                <a:rPr lang="ko-KR" altLang="en-US" sz="900" dirty="0" smtClean="0">
-                  <a:solidFill>
-                    <a:schemeClr val="tx1">
-                      <a:lumMod val="65000"/>
-                      <a:lumOff val="35000"/>
-                    </a:schemeClr>
-                  </a:solidFill>
-                  <a:latin typeface="KoPub돋움체 Light" pitchFamily="18" charset="-127"/>
-                  <a:ea typeface="KoPub돋움체 Light" pitchFamily="18" charset="-127"/>
-                </a:rPr>
-                <a:t>이걸로 당신도 스트레스 해소 마스터</a:t>
-              </a:r>
-              <a:endParaRPr lang="ko-KR" altLang="en-US" sz="900" dirty="0">
+              </a:rPr>
+              <a:t>세트</a:t>
+            </a:r>
+            <a:endParaRPr lang="ko-KR" altLang="en-US" sz="1200" b="1" dirty="0">
+              <a:solidFill>
+                <a:schemeClr val="tx1">
+                  <a:lumMod val="65000"/>
+                  <a:lumOff val="35000"/>
+                </a:schemeClr>
+              </a:solidFill>
+              <a:latin typeface="KoPub돋움체 Light" pitchFamily="18" charset="-127"/>
+              <a:ea typeface="KoPub돋움체 Light" pitchFamily="18" charset="-127"/>
+            </a:endParaRPr>
+          </a:p>
+        </p:txBody>
+      </p:sp>
+      <p:sp>
+        <p:nvSpPr>
+          <p:cNvPr id="22" name="TextBox 21"/>
+          <p:cNvSpPr txBox="1"/>
+          <p:nvPr/>
+        </p:nvSpPr>
+        <p:spPr>
+          <a:xfrm>
+            <a:off x="1643042" y="1357305"/>
+            <a:ext cx="2000264" cy="507831"/>
+          </a:xfrm>
+          <a:prstGeom prst="rect">
+            <a:avLst/>
+          </a:prstGeom>
+          <a:noFill/>
+        </p:spPr>
+        <p:txBody>
+          <a:bodyPr wrap="square" rtlCol="0">
+            <a:spAutoFit/>
+          </a:bodyPr>
+          <a:lstStyle/>
+          <a:p>
+            <a:r>
+              <a:rPr lang="ko-KR" altLang="en-US" sz="900" b="1" dirty="0" smtClean="0">
                 <a:solidFill>
                   <a:schemeClr val="tx1">
                     <a:lumMod val="65000"/>
@@ -5531,59 +5319,11 @@
                 </a:solidFill>
                 <a:latin typeface="KoPub돋움체 Light" pitchFamily="18" charset="-127"/>
                 <a:ea typeface="KoPub돋움체 Light" pitchFamily="18" charset="-127"/>
-              </a:endParaRPr>
-            </a:p>
-          </p:txBody>
-        </p:sp>
-        <p:sp>
-          <p:nvSpPr>
-            <p:cNvPr id="25" name="TextBox 24"/>
-            <p:cNvSpPr txBox="1"/>
-            <p:nvPr/>
-          </p:nvSpPr>
-          <p:spPr>
-            <a:xfrm>
-              <a:off x="4357686" y="1285866"/>
-              <a:ext cx="2714644" cy="769441"/>
-            </a:xfrm>
-            <a:prstGeom prst="rect">
-              <a:avLst/>
-            </a:prstGeom>
-            <a:noFill/>
-          </p:spPr>
-          <p:txBody>
-            <a:bodyPr wrap="square" rtlCol="0">
-              <a:spAutoFit/>
-            </a:bodyPr>
-            <a:lstStyle/>
-            <a:p>
-              <a:r>
-                <a:rPr lang="en-US" altLang="ko-KR" sz="4400" b="1" dirty="0" smtClean="0">
-                  <a:solidFill>
-                    <a:schemeClr val="tx1">
-                      <a:lumMod val="65000"/>
-                      <a:lumOff val="35000"/>
-                    </a:schemeClr>
-                  </a:solidFill>
-                  <a:latin typeface="KoPub돋움체 Light" pitchFamily="18" charset="-127"/>
-                  <a:ea typeface="KoPub돋움체 Light" pitchFamily="18" charset="-127"/>
-                </a:rPr>
-                <a:t>24800</a:t>
-              </a:r>
-              <a:r>
-                <a:rPr lang="ko-KR" altLang="en-US" sz="4400" b="1" dirty="0" smtClean="0">
-                  <a:solidFill>
-                    <a:schemeClr val="tx1">
-                      <a:lumMod val="65000"/>
-                      <a:lumOff val="35000"/>
-                    </a:schemeClr>
-                  </a:solidFill>
-                  <a:latin typeface="KoPub돋움체 Light" pitchFamily="18" charset="-127"/>
-                  <a:ea typeface="KoPub돋움체 Light" pitchFamily="18" charset="-127"/>
-                </a:rPr>
-                <a:t>원</a:t>
-              </a:r>
-              <a:endParaRPr lang="ko-KR" altLang="en-US" sz="4400" b="1" dirty="0">
+              </a:rPr>
+              <a:t>판매자 </a:t>
+            </a:r>
+            <a:r>
+              <a:rPr lang="ko-KR" altLang="en-US" sz="900" b="1" dirty="0" err="1" smtClean="0">
                 <a:solidFill>
                   <a:schemeClr val="tx1">
                     <a:lumMod val="65000"/>
@@ -5592,74 +5332,23 @@
                 </a:solidFill>
                 <a:latin typeface="KoPub돋움체 Light" pitchFamily="18" charset="-127"/>
                 <a:ea typeface="KoPub돋움체 Light" pitchFamily="18" charset="-127"/>
-              </a:endParaRPr>
-            </a:p>
-          </p:txBody>
-        </p:sp>
-      </p:grpSp>
-      <p:grpSp>
-        <p:nvGrpSpPr>
-          <p:cNvPr id="57" name="그룹 56"/>
-          <p:cNvGrpSpPr/>
-          <p:nvPr/>
-        </p:nvGrpSpPr>
-        <p:grpSpPr>
-          <a:xfrm>
-            <a:off x="500034" y="2214560"/>
-            <a:ext cx="6572296" cy="1055193"/>
-            <a:chOff x="500034" y="2214560"/>
-            <a:chExt cx="6572296" cy="1055193"/>
-          </a:xfrm>
-        </p:grpSpPr>
-        <p:sp>
-          <p:nvSpPr>
-            <p:cNvPr id="33" name="TextBox 32"/>
-            <p:cNvSpPr txBox="1"/>
-            <p:nvPr/>
-          </p:nvSpPr>
-          <p:spPr>
-            <a:xfrm>
-              <a:off x="1643042" y="2214560"/>
-              <a:ext cx="2714644" cy="276999"/>
-            </a:xfrm>
-            <a:prstGeom prst="rect">
-              <a:avLst/>
-            </a:prstGeom>
-            <a:noFill/>
-          </p:spPr>
-          <p:txBody>
-            <a:bodyPr wrap="square" rtlCol="0">
-              <a:spAutoFit/>
-            </a:bodyPr>
-            <a:lstStyle/>
-            <a:p>
-              <a:r>
-                <a:rPr lang="ko-KR" altLang="en-US" sz="1200" b="1" dirty="0" smtClean="0">
-                  <a:solidFill>
-                    <a:schemeClr val="tx1">
-                      <a:lumMod val="65000"/>
-                      <a:lumOff val="35000"/>
-                    </a:schemeClr>
-                  </a:solidFill>
-                  <a:latin typeface="KoPub돋움체 Light" pitchFamily="18" charset="-127"/>
-                  <a:ea typeface="KoPub돋움체 Light" pitchFamily="18" charset="-127"/>
-                </a:rPr>
-                <a:t>땅콩버터 </a:t>
-              </a:r>
-              <a:r>
-                <a:rPr lang="ko-KR" altLang="en-US" sz="1200" b="1" dirty="0" smtClean="0">
-                  <a:solidFill>
-                    <a:schemeClr val="tx1">
-                      <a:lumMod val="65000"/>
-                      <a:lumOff val="35000"/>
-                    </a:schemeClr>
-                  </a:solidFill>
-                  <a:latin typeface="KoPub돋움체 Light" pitchFamily="18" charset="-127"/>
-                  <a:ea typeface="KoPub돋움체 Light" pitchFamily="18" charset="-127"/>
-                </a:rPr>
-                <a:t>비빔밥</a:t>
-              </a:r>
-              <a:endParaRPr lang="ko-KR" altLang="en-US" sz="1200" b="1" dirty="0">
+              </a:rPr>
+              <a:t>김뚝배</a:t>
+            </a:r>
+            <a:endParaRPr lang="en-US" altLang="ko-KR" sz="900" b="1" dirty="0" smtClean="0">
+              <a:solidFill>
+                <a:schemeClr val="tx1">
+                  <a:lumMod val="65000"/>
+                  <a:lumOff val="35000"/>
+                </a:schemeClr>
+              </a:solidFill>
+              <a:latin typeface="KoPub돋움체 Light" pitchFamily="18" charset="-127"/>
+              <a:ea typeface="KoPub돋움체 Light" pitchFamily="18" charset="-127"/>
+            </a:endParaRPr>
+          </a:p>
+          <a:p>
+            <a:r>
+              <a:rPr lang="ko-KR" altLang="en-US" sz="900" b="1" dirty="0" smtClean="0">
                 <a:solidFill>
                   <a:schemeClr val="tx1">
                     <a:lumMod val="65000"/>
@@ -5668,59 +5357,11 @@
                 </a:solidFill>
                 <a:latin typeface="KoPub돋움체 Light" pitchFamily="18" charset="-127"/>
                 <a:ea typeface="KoPub돋움체 Light" pitchFamily="18" charset="-127"/>
-              </a:endParaRPr>
-            </a:p>
-          </p:txBody>
-        </p:sp>
-        <p:sp>
-          <p:nvSpPr>
-            <p:cNvPr id="34" name="TextBox 33"/>
-            <p:cNvSpPr txBox="1"/>
-            <p:nvPr/>
-          </p:nvSpPr>
-          <p:spPr>
-            <a:xfrm>
-              <a:off x="1643042" y="2571750"/>
-              <a:ext cx="2714644" cy="646331"/>
-            </a:xfrm>
-            <a:prstGeom prst="rect">
-              <a:avLst/>
-            </a:prstGeom>
-            <a:noFill/>
-          </p:spPr>
-          <p:txBody>
-            <a:bodyPr wrap="square" rtlCol="0">
-              <a:spAutoFit/>
-            </a:bodyPr>
-            <a:lstStyle/>
-            <a:p>
-              <a:r>
-                <a:rPr lang="ko-KR" altLang="en-US" sz="900" b="1" dirty="0" smtClean="0">
-                  <a:solidFill>
-                    <a:schemeClr val="tx1">
-                      <a:lumMod val="65000"/>
-                      <a:lumOff val="35000"/>
-                    </a:schemeClr>
-                  </a:solidFill>
-                  <a:latin typeface="KoPub돋움체 Light" pitchFamily="18" charset="-127"/>
-                  <a:ea typeface="KoPub돋움체 Light" pitchFamily="18" charset="-127"/>
-                </a:rPr>
-                <a:t>판매자 </a:t>
-              </a:r>
-              <a:r>
-                <a:rPr lang="ko-KR" altLang="en-US" sz="900" b="1" dirty="0" err="1" smtClean="0">
-                  <a:solidFill>
-                    <a:schemeClr val="tx1">
-                      <a:lumMod val="65000"/>
-                      <a:lumOff val="35000"/>
-                    </a:schemeClr>
-                  </a:solidFill>
-                  <a:latin typeface="KoPub돋움체 Light" pitchFamily="18" charset="-127"/>
-                  <a:ea typeface="KoPub돋움체 Light" pitchFamily="18" charset="-127"/>
-                </a:rPr>
-                <a:t>김땅콩</a:t>
-              </a:r>
-              <a:endParaRPr lang="en-US" altLang="ko-KR" sz="900" b="1" dirty="0" smtClean="0">
+              </a:rPr>
+              <a:t>택배 가능</a:t>
+            </a:r>
+            <a:r>
+              <a:rPr lang="en-US" altLang="ko-KR" sz="900" b="1" dirty="0" smtClean="0">
                 <a:solidFill>
                   <a:schemeClr val="tx1">
                     <a:lumMod val="65000"/>
@@ -5729,90 +5370,11 @@
                 </a:solidFill>
                 <a:latin typeface="KoPub돋움체 Light" pitchFamily="18" charset="-127"/>
                 <a:ea typeface="KoPub돋움체 Light" pitchFamily="18" charset="-127"/>
-              </a:endParaRPr>
-            </a:p>
-            <a:p>
-              <a:r>
-                <a:rPr lang="ko-KR" altLang="en-US" sz="900" b="1" dirty="0" smtClean="0">
-                  <a:solidFill>
-                    <a:schemeClr val="tx1">
-                      <a:lumMod val="65000"/>
-                      <a:lumOff val="35000"/>
-                    </a:schemeClr>
-                  </a:solidFill>
-                  <a:latin typeface="KoPub돋움체 Light" pitchFamily="18" charset="-127"/>
-                  <a:ea typeface="KoPub돋움체 Light" pitchFamily="18" charset="-127"/>
-                </a:rPr>
-                <a:t>택배 가능</a:t>
-              </a:r>
-              <a:r>
-                <a:rPr lang="en-US" altLang="ko-KR" sz="900" b="1" dirty="0" smtClean="0">
-                  <a:solidFill>
-                    <a:schemeClr val="tx1">
-                      <a:lumMod val="65000"/>
-                      <a:lumOff val="35000"/>
-                    </a:schemeClr>
-                  </a:solidFill>
-                  <a:latin typeface="KoPub돋움체 Light" pitchFamily="18" charset="-127"/>
-                  <a:ea typeface="KoPub돋움체 Light" pitchFamily="18" charset="-127"/>
-                </a:rPr>
-                <a:t>(</a:t>
-              </a:r>
-              <a:r>
-                <a:rPr lang="ko-KR" altLang="en-US" sz="900" b="1" dirty="0" err="1" smtClean="0">
-                  <a:solidFill>
-                    <a:schemeClr val="tx1">
-                      <a:lumMod val="65000"/>
-                      <a:lumOff val="35000"/>
-                    </a:schemeClr>
-                  </a:solidFill>
-                  <a:latin typeface="KoPub돋움체 Light" pitchFamily="18" charset="-127"/>
-                  <a:ea typeface="KoPub돋움체 Light" pitchFamily="18" charset="-127"/>
-                </a:rPr>
-                <a:t>배송료</a:t>
-              </a:r>
-              <a:r>
-                <a:rPr lang="ko-KR" altLang="en-US" sz="900" b="1" dirty="0" smtClean="0">
-                  <a:solidFill>
-                    <a:schemeClr val="tx1">
-                      <a:lumMod val="65000"/>
-                      <a:lumOff val="35000"/>
-                    </a:schemeClr>
-                  </a:solidFill>
-                  <a:latin typeface="KoPub돋움체 Light" pitchFamily="18" charset="-127"/>
-                  <a:ea typeface="KoPub돋움체 Light" pitchFamily="18" charset="-127"/>
-                </a:rPr>
-                <a:t> 별도</a:t>
-              </a:r>
-              <a:r>
-                <a:rPr lang="en-US" altLang="ko-KR" sz="900" b="1" dirty="0" smtClean="0">
-                  <a:solidFill>
-                    <a:schemeClr val="tx1">
-                      <a:lumMod val="65000"/>
-                      <a:lumOff val="35000"/>
-                    </a:schemeClr>
-                  </a:solidFill>
-                  <a:latin typeface="KoPub돋움체 Light" pitchFamily="18" charset="-127"/>
-                  <a:ea typeface="KoPub돋움체 Light" pitchFamily="18" charset="-127"/>
-                </a:rPr>
-                <a:t>)</a:t>
-              </a:r>
-            </a:p>
-            <a:p>
-              <a:r>
-                <a:rPr lang="ko-KR" altLang="en-US" sz="900" dirty="0" smtClean="0">
-                  <a:solidFill>
-                    <a:schemeClr val="tx1">
-                      <a:lumMod val="65000"/>
-                      <a:lumOff val="35000"/>
-                    </a:schemeClr>
-                  </a:solidFill>
-                  <a:latin typeface="KoPub돋움체 Light" pitchFamily="18" charset="-127"/>
-                  <a:ea typeface="KoPub돋움체 Light" pitchFamily="18" charset="-127"/>
-                </a:rPr>
-                <a:t>당신의 입맛에 딱 맞는 땅콩버터 비빔밥</a:t>
-              </a:r>
-              <a:endParaRPr lang="en-US" altLang="ko-KR" sz="900" dirty="0" smtClean="0">
+              </a:rPr>
+              <a:t>(</a:t>
+            </a:r>
+            <a:r>
+              <a:rPr lang="ko-KR" altLang="en-US" sz="900" b="1" dirty="0" err="1" smtClean="0">
                 <a:solidFill>
                   <a:schemeClr val="tx1">
                     <a:lumMod val="65000"/>
@@ -5821,87 +5383,11 @@
                 </a:solidFill>
                 <a:latin typeface="KoPub돋움체 Light" pitchFamily="18" charset="-127"/>
                 <a:ea typeface="KoPub돋움체 Light" pitchFamily="18" charset="-127"/>
-              </a:endParaRPr>
-            </a:p>
-            <a:p>
-              <a:r>
-                <a:rPr lang="ko-KR" altLang="en-US" sz="900" dirty="0" smtClean="0">
-                  <a:solidFill>
-                    <a:schemeClr val="tx1">
-                      <a:lumMod val="65000"/>
-                      <a:lumOff val="35000"/>
-                    </a:schemeClr>
-                  </a:solidFill>
-                  <a:latin typeface="KoPub돋움체 Light" pitchFamily="18" charset="-127"/>
-                  <a:ea typeface="KoPub돋움체 Light" pitchFamily="18" charset="-127"/>
-                </a:rPr>
-                <a:t>영국 전통 음식으로 악명이 높다</a:t>
-              </a:r>
-              <a:r>
-                <a:rPr lang="en-US" altLang="ko-KR" sz="900" dirty="0" smtClean="0">
-                  <a:solidFill>
-                    <a:schemeClr val="tx1">
-                      <a:lumMod val="65000"/>
-                      <a:lumOff val="35000"/>
-                    </a:schemeClr>
-                  </a:solidFill>
-                  <a:latin typeface="KoPub돋움체 Light" pitchFamily="18" charset="-127"/>
-                  <a:ea typeface="KoPub돋움체 Light" pitchFamily="18" charset="-127"/>
-                </a:rPr>
-                <a:t>!</a:t>
-              </a:r>
-            </a:p>
-          </p:txBody>
-        </p:sp>
-        <p:sp>
-          <p:nvSpPr>
-            <p:cNvPr id="35" name="TextBox 34"/>
-            <p:cNvSpPr txBox="1"/>
-            <p:nvPr/>
-          </p:nvSpPr>
-          <p:spPr>
-            <a:xfrm>
-              <a:off x="4357686" y="2500312"/>
-              <a:ext cx="2714644" cy="769441"/>
-            </a:xfrm>
-            <a:prstGeom prst="rect">
-              <a:avLst/>
-            </a:prstGeom>
-            <a:noFill/>
-          </p:spPr>
-          <p:txBody>
-            <a:bodyPr wrap="square" rtlCol="0">
-              <a:spAutoFit/>
-            </a:bodyPr>
-            <a:lstStyle/>
-            <a:p>
-              <a:r>
-                <a:rPr lang="en-US" altLang="ko-KR" sz="4400" b="1" dirty="0" smtClean="0">
-                  <a:solidFill>
-                    <a:schemeClr val="tx1">
-                      <a:lumMod val="65000"/>
-                      <a:lumOff val="35000"/>
-                    </a:schemeClr>
-                  </a:solidFill>
-                  <a:latin typeface="KoPub돋움체 Light" pitchFamily="18" charset="-127"/>
-                  <a:ea typeface="KoPub돋움체 Light" pitchFamily="18" charset="-127"/>
-                </a:rPr>
-                <a:t>74900</a:t>
-              </a:r>
-              <a:r>
-                <a:rPr lang="ko-KR" altLang="en-US" sz="4400" b="1" dirty="0" smtClean="0">
-                  <a:solidFill>
-                    <a:schemeClr val="tx1">
-                      <a:lumMod val="65000"/>
-                      <a:lumOff val="35000"/>
-                    </a:schemeClr>
-                  </a:solidFill>
-                  <a:latin typeface="KoPub돋움체 Light" pitchFamily="18" charset="-127"/>
-                  <a:ea typeface="KoPub돋움체 Light" pitchFamily="18" charset="-127"/>
-                </a:rPr>
-                <a:t>원</a:t>
-              </a:r>
-              <a:endParaRPr lang="ko-KR" altLang="en-US" sz="4400" b="1" dirty="0">
+              </a:rPr>
+              <a:t>배송료</a:t>
+            </a:r>
+            <a:r>
+              <a:rPr lang="ko-KR" altLang="en-US" sz="900" b="1" dirty="0" smtClean="0">
                 <a:solidFill>
                   <a:schemeClr val="tx1">
                     <a:lumMod val="65000"/>
@@ -5910,100 +5396,754 @@
                 </a:solidFill>
                 <a:latin typeface="KoPub돋움체 Light" pitchFamily="18" charset="-127"/>
                 <a:ea typeface="KoPub돋움체 Light" pitchFamily="18" charset="-127"/>
-              </a:endParaRPr>
-            </a:p>
-          </p:txBody>
-        </p:sp>
-        <p:pic>
-          <p:nvPicPr>
-            <p:cNvPr id="1026" name="Picture 2" descr="땅콩버터로 밥을 볶아먹어봤는데 완전 망했어요."/>
-            <p:cNvPicPr>
-              <a:picLocks noChangeAspect="1" noChangeArrowheads="1"/>
-            </p:cNvPicPr>
-            <p:nvPr/>
-          </p:nvPicPr>
-          <p:blipFill>
-            <a:blip r:embed="rId4"/>
-            <a:srcRect l="45395"/>
-            <a:stretch>
-              <a:fillRect/>
-            </a:stretch>
-          </p:blipFill>
-          <p:spPr bwMode="auto">
-            <a:xfrm>
-              <a:off x="500034" y="2357436"/>
-              <a:ext cx="814099" cy="857256"/>
-            </a:xfrm>
-            <a:prstGeom prst="rect">
-              <a:avLst/>
-            </a:prstGeom>
-            <a:noFill/>
-          </p:spPr>
-        </p:pic>
-      </p:grpSp>
-      <p:grpSp>
-        <p:nvGrpSpPr>
-          <p:cNvPr id="55" name="그룹 54"/>
-          <p:cNvGrpSpPr/>
+              </a:rPr>
+              <a:t> 별도</a:t>
+            </a:r>
+            <a:r>
+              <a:rPr lang="en-US" altLang="ko-KR" sz="900" b="1" dirty="0" smtClean="0">
+                <a:solidFill>
+                  <a:schemeClr val="tx1">
+                    <a:lumMod val="65000"/>
+                    <a:lumOff val="35000"/>
+                  </a:schemeClr>
+                </a:solidFill>
+                <a:latin typeface="KoPub돋움체 Light" pitchFamily="18" charset="-127"/>
+                <a:ea typeface="KoPub돋움체 Light" pitchFamily="18" charset="-127"/>
+              </a:rPr>
+              <a:t>)</a:t>
+            </a:r>
+          </a:p>
+          <a:p>
+            <a:r>
+              <a:rPr lang="en-US" altLang="ko-KR" sz="900" dirty="0" smtClean="0">
+                <a:solidFill>
+                  <a:schemeClr val="tx1">
+                    <a:lumMod val="65000"/>
+                    <a:lumOff val="35000"/>
+                  </a:schemeClr>
+                </a:solidFill>
+                <a:latin typeface="KoPub돋움체 Light" pitchFamily="18" charset="-127"/>
+                <a:ea typeface="KoPub돋움체 Light" pitchFamily="18" charset="-127"/>
+              </a:rPr>
+              <a:t>30</a:t>
+            </a:r>
+            <a:r>
+              <a:rPr lang="ko-KR" altLang="en-US" sz="900" dirty="0" smtClean="0">
+                <a:solidFill>
+                  <a:schemeClr val="tx1">
+                    <a:lumMod val="65000"/>
+                    <a:lumOff val="35000"/>
+                  </a:schemeClr>
+                </a:solidFill>
+                <a:latin typeface="KoPub돋움체 Light" pitchFamily="18" charset="-127"/>
+                <a:ea typeface="KoPub돋움체 Light" pitchFamily="18" charset="-127"/>
+              </a:rPr>
+              <a:t>년 전통의 뚝배기 그릇</a:t>
+            </a:r>
+            <a:endParaRPr lang="ko-KR" altLang="en-US" sz="900" dirty="0">
+              <a:solidFill>
+                <a:schemeClr val="tx1">
+                  <a:lumMod val="65000"/>
+                  <a:lumOff val="35000"/>
+                </a:schemeClr>
+              </a:solidFill>
+              <a:latin typeface="KoPub돋움체 Light" pitchFamily="18" charset="-127"/>
+              <a:ea typeface="KoPub돋움체 Light" pitchFamily="18" charset="-127"/>
+            </a:endParaRPr>
+          </a:p>
+        </p:txBody>
+      </p:sp>
+      <p:sp>
+        <p:nvSpPr>
+          <p:cNvPr id="25" name="TextBox 24"/>
+          <p:cNvSpPr txBox="1"/>
           <p:nvPr/>
-        </p:nvGrpSpPr>
-        <p:grpSpPr>
+        </p:nvSpPr>
+        <p:spPr>
+          <a:xfrm>
+            <a:off x="4000496" y="1214428"/>
+            <a:ext cx="2714644" cy="769441"/>
+          </a:xfrm>
+          <a:prstGeom prst="rect">
+            <a:avLst/>
+          </a:prstGeom>
+          <a:noFill/>
+        </p:spPr>
+        <p:txBody>
+          <a:bodyPr wrap="square" rtlCol="0">
+            <a:spAutoFit/>
+          </a:bodyPr>
+          <a:lstStyle/>
+          <a:p>
+            <a:r>
+              <a:rPr lang="en-US" altLang="ko-KR" sz="4400" b="1" dirty="0" smtClean="0">
+                <a:solidFill>
+                  <a:schemeClr val="tx1">
+                    <a:lumMod val="65000"/>
+                    <a:lumOff val="35000"/>
+                  </a:schemeClr>
+                </a:solidFill>
+                <a:latin typeface="KoPub돋움체 Light" pitchFamily="18" charset="-127"/>
+                <a:ea typeface="KoPub돋움체 Light" pitchFamily="18" charset="-127"/>
+              </a:rPr>
+              <a:t>24800</a:t>
+            </a:r>
+            <a:r>
+              <a:rPr lang="ko-KR" altLang="en-US" sz="4400" b="1" dirty="0" smtClean="0">
+                <a:solidFill>
+                  <a:schemeClr val="tx1">
+                    <a:lumMod val="65000"/>
+                    <a:lumOff val="35000"/>
+                  </a:schemeClr>
+                </a:solidFill>
+                <a:latin typeface="KoPub돋움체 Light" pitchFamily="18" charset="-127"/>
+                <a:ea typeface="KoPub돋움체 Light" pitchFamily="18" charset="-127"/>
+              </a:rPr>
+              <a:t>원</a:t>
+            </a:r>
+            <a:endParaRPr lang="ko-KR" altLang="en-US" sz="4400" b="1" dirty="0">
+              <a:solidFill>
+                <a:schemeClr val="tx1">
+                  <a:lumMod val="65000"/>
+                  <a:lumOff val="35000"/>
+                </a:schemeClr>
+              </a:solidFill>
+              <a:latin typeface="KoPub돋움체 Light" pitchFamily="18" charset="-127"/>
+              <a:ea typeface="KoPub돋움체 Light" pitchFamily="18" charset="-127"/>
+            </a:endParaRPr>
+          </a:p>
+        </p:txBody>
+      </p:sp>
+      <p:sp>
+        <p:nvSpPr>
+          <p:cNvPr id="33" name="TextBox 32"/>
+          <p:cNvSpPr txBox="1"/>
+          <p:nvPr/>
+        </p:nvSpPr>
+        <p:spPr>
+          <a:xfrm>
+            <a:off x="1643042" y="2214560"/>
+            <a:ext cx="2714644" cy="276999"/>
+          </a:xfrm>
+          <a:prstGeom prst="rect">
+            <a:avLst/>
+          </a:prstGeom>
+          <a:noFill/>
+        </p:spPr>
+        <p:txBody>
+          <a:bodyPr wrap="square" rtlCol="0">
+            <a:spAutoFit/>
+          </a:bodyPr>
+          <a:lstStyle/>
+          <a:p>
+            <a:r>
+              <a:rPr lang="ko-KR" altLang="en-US" sz="1200" b="1" dirty="0" smtClean="0">
+                <a:solidFill>
+                  <a:schemeClr val="tx1">
+                    <a:lumMod val="65000"/>
+                    <a:lumOff val="35000"/>
+                  </a:schemeClr>
+                </a:solidFill>
+                <a:latin typeface="KoPub돋움체 Light" pitchFamily="18" charset="-127"/>
+                <a:ea typeface="KoPub돋움체 Light" pitchFamily="18" charset="-127"/>
+              </a:rPr>
+              <a:t>땅콩버터 비빔밥</a:t>
+            </a:r>
+            <a:endParaRPr lang="ko-KR" altLang="en-US" sz="1200" b="1" dirty="0">
+              <a:solidFill>
+                <a:schemeClr val="tx1">
+                  <a:lumMod val="65000"/>
+                  <a:lumOff val="35000"/>
+                </a:schemeClr>
+              </a:solidFill>
+              <a:latin typeface="KoPub돋움체 Light" pitchFamily="18" charset="-127"/>
+              <a:ea typeface="KoPub돋움체 Light" pitchFamily="18" charset="-127"/>
+            </a:endParaRPr>
+          </a:p>
+        </p:txBody>
+      </p:sp>
+      <p:sp>
+        <p:nvSpPr>
+          <p:cNvPr id="34" name="TextBox 33"/>
+          <p:cNvSpPr txBox="1"/>
+          <p:nvPr/>
+        </p:nvSpPr>
+        <p:spPr>
+          <a:xfrm>
+            <a:off x="1643042" y="2571750"/>
+            <a:ext cx="2714644" cy="646331"/>
+          </a:xfrm>
+          <a:prstGeom prst="rect">
+            <a:avLst/>
+          </a:prstGeom>
+          <a:noFill/>
+        </p:spPr>
+        <p:txBody>
+          <a:bodyPr wrap="square" rtlCol="0">
+            <a:spAutoFit/>
+          </a:bodyPr>
+          <a:lstStyle/>
+          <a:p>
+            <a:r>
+              <a:rPr lang="ko-KR" altLang="en-US" sz="900" b="1" dirty="0" smtClean="0">
+                <a:solidFill>
+                  <a:schemeClr val="tx1">
+                    <a:lumMod val="65000"/>
+                    <a:lumOff val="35000"/>
+                  </a:schemeClr>
+                </a:solidFill>
+                <a:latin typeface="KoPub돋움체 Light" pitchFamily="18" charset="-127"/>
+                <a:ea typeface="KoPub돋움체 Light" pitchFamily="18" charset="-127"/>
+              </a:rPr>
+              <a:t>판매자 </a:t>
+            </a:r>
+            <a:r>
+              <a:rPr lang="ko-KR" altLang="en-US" sz="900" b="1" dirty="0" err="1" smtClean="0">
+                <a:solidFill>
+                  <a:schemeClr val="tx1">
+                    <a:lumMod val="65000"/>
+                    <a:lumOff val="35000"/>
+                  </a:schemeClr>
+                </a:solidFill>
+                <a:latin typeface="KoPub돋움체 Light" pitchFamily="18" charset="-127"/>
+                <a:ea typeface="KoPub돋움체 Light" pitchFamily="18" charset="-127"/>
+              </a:rPr>
+              <a:t>김땅콩</a:t>
+            </a:r>
+            <a:endParaRPr lang="en-US" altLang="ko-KR" sz="900" b="1" dirty="0" smtClean="0">
+              <a:solidFill>
+                <a:schemeClr val="tx1">
+                  <a:lumMod val="65000"/>
+                  <a:lumOff val="35000"/>
+                </a:schemeClr>
+              </a:solidFill>
+              <a:latin typeface="KoPub돋움체 Light" pitchFamily="18" charset="-127"/>
+              <a:ea typeface="KoPub돋움체 Light" pitchFamily="18" charset="-127"/>
+            </a:endParaRPr>
+          </a:p>
+          <a:p>
+            <a:r>
+              <a:rPr lang="ko-KR" altLang="en-US" sz="900" b="1" dirty="0" smtClean="0">
+                <a:solidFill>
+                  <a:schemeClr val="tx1">
+                    <a:lumMod val="65000"/>
+                    <a:lumOff val="35000"/>
+                  </a:schemeClr>
+                </a:solidFill>
+                <a:latin typeface="KoPub돋움체 Light" pitchFamily="18" charset="-127"/>
+                <a:ea typeface="KoPub돋움체 Light" pitchFamily="18" charset="-127"/>
+              </a:rPr>
+              <a:t>택배 가능</a:t>
+            </a:r>
+            <a:r>
+              <a:rPr lang="en-US" altLang="ko-KR" sz="900" b="1" dirty="0" smtClean="0">
+                <a:solidFill>
+                  <a:schemeClr val="tx1">
+                    <a:lumMod val="65000"/>
+                    <a:lumOff val="35000"/>
+                  </a:schemeClr>
+                </a:solidFill>
+                <a:latin typeface="KoPub돋움체 Light" pitchFamily="18" charset="-127"/>
+                <a:ea typeface="KoPub돋움체 Light" pitchFamily="18" charset="-127"/>
+              </a:rPr>
+              <a:t>(</a:t>
+            </a:r>
+            <a:r>
+              <a:rPr lang="ko-KR" altLang="en-US" sz="900" b="1" dirty="0" err="1" smtClean="0">
+                <a:solidFill>
+                  <a:schemeClr val="tx1">
+                    <a:lumMod val="65000"/>
+                    <a:lumOff val="35000"/>
+                  </a:schemeClr>
+                </a:solidFill>
+                <a:latin typeface="KoPub돋움체 Light" pitchFamily="18" charset="-127"/>
+                <a:ea typeface="KoPub돋움체 Light" pitchFamily="18" charset="-127"/>
+              </a:rPr>
+              <a:t>배송료</a:t>
+            </a:r>
+            <a:r>
+              <a:rPr lang="ko-KR" altLang="en-US" sz="900" b="1" dirty="0" smtClean="0">
+                <a:solidFill>
+                  <a:schemeClr val="tx1">
+                    <a:lumMod val="65000"/>
+                    <a:lumOff val="35000"/>
+                  </a:schemeClr>
+                </a:solidFill>
+                <a:latin typeface="KoPub돋움체 Light" pitchFamily="18" charset="-127"/>
+                <a:ea typeface="KoPub돋움체 Light" pitchFamily="18" charset="-127"/>
+              </a:rPr>
+              <a:t> 별도</a:t>
+            </a:r>
+            <a:r>
+              <a:rPr lang="en-US" altLang="ko-KR" sz="900" b="1" dirty="0" smtClean="0">
+                <a:solidFill>
+                  <a:schemeClr val="tx1">
+                    <a:lumMod val="65000"/>
+                    <a:lumOff val="35000"/>
+                  </a:schemeClr>
+                </a:solidFill>
+                <a:latin typeface="KoPub돋움체 Light" pitchFamily="18" charset="-127"/>
+                <a:ea typeface="KoPub돋움체 Light" pitchFamily="18" charset="-127"/>
+              </a:rPr>
+              <a:t>)</a:t>
+            </a:r>
+          </a:p>
+          <a:p>
+            <a:r>
+              <a:rPr lang="ko-KR" altLang="en-US" sz="900" dirty="0" smtClean="0">
+                <a:solidFill>
+                  <a:schemeClr val="tx1">
+                    <a:lumMod val="65000"/>
+                    <a:lumOff val="35000"/>
+                  </a:schemeClr>
+                </a:solidFill>
+                <a:latin typeface="KoPub돋움체 Light" pitchFamily="18" charset="-127"/>
+                <a:ea typeface="KoPub돋움체 Light" pitchFamily="18" charset="-127"/>
+              </a:rPr>
+              <a:t>당신의 입맛에 딱 맞는 땅콩버터 비빔밥</a:t>
+            </a:r>
+            <a:endParaRPr lang="en-US" altLang="ko-KR" sz="900" dirty="0" smtClean="0">
+              <a:solidFill>
+                <a:schemeClr val="tx1">
+                  <a:lumMod val="65000"/>
+                  <a:lumOff val="35000"/>
+                </a:schemeClr>
+              </a:solidFill>
+              <a:latin typeface="KoPub돋움체 Light" pitchFamily="18" charset="-127"/>
+              <a:ea typeface="KoPub돋움체 Light" pitchFamily="18" charset="-127"/>
+            </a:endParaRPr>
+          </a:p>
+          <a:p>
+            <a:r>
+              <a:rPr lang="ko-KR" altLang="en-US" sz="900" dirty="0" smtClean="0">
+                <a:solidFill>
+                  <a:schemeClr val="tx1">
+                    <a:lumMod val="65000"/>
+                    <a:lumOff val="35000"/>
+                  </a:schemeClr>
+                </a:solidFill>
+                <a:latin typeface="KoPub돋움체 Light" pitchFamily="18" charset="-127"/>
+                <a:ea typeface="KoPub돋움체 Light" pitchFamily="18" charset="-127"/>
+              </a:rPr>
+              <a:t>영국 전통 음식으로 악명이 높다</a:t>
+            </a:r>
+            <a:r>
+              <a:rPr lang="en-US" altLang="ko-KR" sz="900" dirty="0" smtClean="0">
+                <a:solidFill>
+                  <a:schemeClr val="tx1">
+                    <a:lumMod val="65000"/>
+                    <a:lumOff val="35000"/>
+                  </a:schemeClr>
+                </a:solidFill>
+                <a:latin typeface="KoPub돋움체 Light" pitchFamily="18" charset="-127"/>
+                <a:ea typeface="KoPub돋움체 Light" pitchFamily="18" charset="-127"/>
+              </a:rPr>
+              <a:t>!</a:t>
+            </a:r>
+          </a:p>
+        </p:txBody>
+      </p:sp>
+      <p:sp>
+        <p:nvSpPr>
+          <p:cNvPr id="35" name="TextBox 34"/>
+          <p:cNvSpPr txBox="1"/>
+          <p:nvPr/>
+        </p:nvSpPr>
+        <p:spPr>
+          <a:xfrm>
+            <a:off x="4000496" y="2357436"/>
+            <a:ext cx="2714644" cy="769441"/>
+          </a:xfrm>
+          <a:prstGeom prst="rect">
+            <a:avLst/>
+          </a:prstGeom>
+          <a:noFill/>
+        </p:spPr>
+        <p:txBody>
+          <a:bodyPr wrap="square" rtlCol="0">
+            <a:spAutoFit/>
+          </a:bodyPr>
+          <a:lstStyle/>
+          <a:p>
+            <a:r>
+              <a:rPr lang="en-US" altLang="ko-KR" sz="4400" b="1" dirty="0" smtClean="0">
+                <a:solidFill>
+                  <a:schemeClr val="tx1">
+                    <a:lumMod val="65000"/>
+                    <a:lumOff val="35000"/>
+                  </a:schemeClr>
+                </a:solidFill>
+                <a:latin typeface="KoPub돋움체 Light" pitchFamily="18" charset="-127"/>
+                <a:ea typeface="KoPub돋움체 Light" pitchFamily="18" charset="-127"/>
+              </a:rPr>
+              <a:t>74900</a:t>
+            </a:r>
+            <a:r>
+              <a:rPr lang="ko-KR" altLang="en-US" sz="4400" b="1" dirty="0" smtClean="0">
+                <a:solidFill>
+                  <a:schemeClr val="tx1">
+                    <a:lumMod val="65000"/>
+                    <a:lumOff val="35000"/>
+                  </a:schemeClr>
+                </a:solidFill>
+                <a:latin typeface="KoPub돋움체 Light" pitchFamily="18" charset="-127"/>
+                <a:ea typeface="KoPub돋움체 Light" pitchFamily="18" charset="-127"/>
+              </a:rPr>
+              <a:t>원</a:t>
+            </a:r>
+            <a:endParaRPr lang="ko-KR" altLang="en-US" sz="4400" b="1" dirty="0">
+              <a:solidFill>
+                <a:schemeClr val="tx1">
+                  <a:lumMod val="65000"/>
+                  <a:lumOff val="35000"/>
+                </a:schemeClr>
+              </a:solidFill>
+              <a:latin typeface="KoPub돋움체 Light" pitchFamily="18" charset="-127"/>
+              <a:ea typeface="KoPub돋움체 Light" pitchFamily="18" charset="-127"/>
+            </a:endParaRPr>
+          </a:p>
+        </p:txBody>
+      </p:sp>
+      <p:pic>
+        <p:nvPicPr>
+          <p:cNvPr id="1026" name="Picture 2" descr="땅콩버터로 밥을 볶아먹어봤는데 완전 망했어요."/>
+          <p:cNvPicPr>
+            <a:picLocks noChangeAspect="1" noChangeArrowheads="1"/>
+          </p:cNvPicPr>
+          <p:nvPr/>
+        </p:nvPicPr>
+        <p:blipFill>
+          <a:blip r:embed="rId3"/>
+          <a:srcRect l="45395"/>
+          <a:stretch>
+            <a:fillRect/>
+          </a:stretch>
+        </p:blipFill>
+        <p:spPr bwMode="auto">
+          <a:xfrm>
+            <a:off x="500034" y="2357436"/>
+            <a:ext cx="814099" cy="857256"/>
+          </a:xfrm>
+          <a:prstGeom prst="rect">
+            <a:avLst/>
+          </a:prstGeom>
+          <a:noFill/>
+        </p:spPr>
+      </p:pic>
+      <p:sp>
+        <p:nvSpPr>
+          <p:cNvPr id="23" name="TextBox 22"/>
+          <p:cNvSpPr txBox="1"/>
+          <p:nvPr/>
+        </p:nvSpPr>
+        <p:spPr>
+          <a:xfrm>
+            <a:off x="1643042" y="3429006"/>
+            <a:ext cx="2714644" cy="276999"/>
+          </a:xfrm>
+          <a:prstGeom prst="rect">
+            <a:avLst/>
+          </a:prstGeom>
+          <a:noFill/>
+        </p:spPr>
+        <p:txBody>
+          <a:bodyPr wrap="square" rtlCol="0">
+            <a:spAutoFit/>
+          </a:bodyPr>
+          <a:lstStyle/>
+          <a:p>
+            <a:r>
+              <a:rPr lang="ko-KR" altLang="en-US" sz="1200" b="1" dirty="0" err="1" smtClean="0">
+                <a:solidFill>
+                  <a:schemeClr val="tx1">
+                    <a:lumMod val="65000"/>
+                    <a:lumOff val="35000"/>
+                  </a:schemeClr>
+                </a:solidFill>
+                <a:latin typeface="KoPub돋움체 Light" pitchFamily="18" charset="-127"/>
+                <a:ea typeface="KoPub돋움체 Light" pitchFamily="18" charset="-127"/>
+              </a:rPr>
+              <a:t>뮤탈리스크</a:t>
+            </a:r>
+            <a:r>
+              <a:rPr lang="ko-KR" altLang="en-US" sz="1200" b="1" dirty="0" smtClean="0">
+                <a:solidFill>
+                  <a:schemeClr val="tx1">
+                    <a:lumMod val="65000"/>
+                    <a:lumOff val="35000"/>
+                  </a:schemeClr>
+                </a:solidFill>
+                <a:latin typeface="KoPub돋움체 Light" pitchFamily="18" charset="-127"/>
+                <a:ea typeface="KoPub돋움체 Light" pitchFamily="18" charset="-127"/>
+              </a:rPr>
+              <a:t> 날개 튀김</a:t>
+            </a:r>
+            <a:endParaRPr lang="ko-KR" altLang="en-US" sz="1200" b="1" dirty="0">
+              <a:solidFill>
+                <a:schemeClr val="tx1">
+                  <a:lumMod val="65000"/>
+                  <a:lumOff val="35000"/>
+                </a:schemeClr>
+              </a:solidFill>
+              <a:latin typeface="KoPub돋움체 Light" pitchFamily="18" charset="-127"/>
+              <a:ea typeface="KoPub돋움체 Light" pitchFamily="18" charset="-127"/>
+            </a:endParaRPr>
+          </a:p>
+        </p:txBody>
+      </p:sp>
+      <p:sp>
+        <p:nvSpPr>
+          <p:cNvPr id="24" name="TextBox 23"/>
+          <p:cNvSpPr txBox="1"/>
+          <p:nvPr/>
+        </p:nvSpPr>
+        <p:spPr>
+          <a:xfrm>
+            <a:off x="1643042" y="3786196"/>
+            <a:ext cx="2714644" cy="646331"/>
+          </a:xfrm>
+          <a:prstGeom prst="rect">
+            <a:avLst/>
+          </a:prstGeom>
+          <a:noFill/>
+        </p:spPr>
+        <p:txBody>
+          <a:bodyPr wrap="square" rtlCol="0">
+            <a:spAutoFit/>
+          </a:bodyPr>
+          <a:lstStyle/>
+          <a:p>
+            <a:r>
+              <a:rPr lang="ko-KR" altLang="en-US" sz="900" b="1" dirty="0" smtClean="0">
+                <a:solidFill>
+                  <a:schemeClr val="tx1">
+                    <a:lumMod val="65000"/>
+                    <a:lumOff val="35000"/>
+                  </a:schemeClr>
+                </a:solidFill>
+                <a:latin typeface="KoPub돋움체 Light" pitchFamily="18" charset="-127"/>
+                <a:ea typeface="KoPub돋움체 Light" pitchFamily="18" charset="-127"/>
+              </a:rPr>
+              <a:t>판매자 </a:t>
+            </a:r>
+            <a:r>
+              <a:rPr lang="ko-KR" altLang="en-US" sz="900" b="1" dirty="0" err="1" smtClean="0">
+                <a:solidFill>
+                  <a:schemeClr val="tx1">
+                    <a:lumMod val="65000"/>
+                    <a:lumOff val="35000"/>
+                  </a:schemeClr>
+                </a:solidFill>
+                <a:latin typeface="KoPub돋움체 Light" pitchFamily="18" charset="-127"/>
+                <a:ea typeface="KoPub돋움체 Light" pitchFamily="18" charset="-127"/>
+              </a:rPr>
+              <a:t>개리건</a:t>
+            </a:r>
+            <a:endParaRPr lang="en-US" altLang="ko-KR" sz="900" b="1" dirty="0" smtClean="0">
+              <a:solidFill>
+                <a:schemeClr val="tx1">
+                  <a:lumMod val="65000"/>
+                  <a:lumOff val="35000"/>
+                </a:schemeClr>
+              </a:solidFill>
+              <a:latin typeface="KoPub돋움체 Light" pitchFamily="18" charset="-127"/>
+              <a:ea typeface="KoPub돋움체 Light" pitchFamily="18" charset="-127"/>
+            </a:endParaRPr>
+          </a:p>
+          <a:p>
+            <a:r>
+              <a:rPr lang="ko-KR" altLang="en-US" sz="900" b="1" dirty="0" smtClean="0">
+                <a:solidFill>
+                  <a:schemeClr val="tx1">
+                    <a:lumMod val="65000"/>
+                    <a:lumOff val="35000"/>
+                  </a:schemeClr>
+                </a:solidFill>
+                <a:latin typeface="KoPub돋움체 Light" pitchFamily="18" charset="-127"/>
+                <a:ea typeface="KoPub돋움체 Light" pitchFamily="18" charset="-127"/>
+              </a:rPr>
+              <a:t>택배 가능</a:t>
+            </a:r>
+            <a:r>
+              <a:rPr lang="en-US" altLang="ko-KR" sz="900" b="1" dirty="0" smtClean="0">
+                <a:solidFill>
+                  <a:schemeClr val="tx1">
+                    <a:lumMod val="65000"/>
+                    <a:lumOff val="35000"/>
+                  </a:schemeClr>
+                </a:solidFill>
+                <a:latin typeface="KoPub돋움체 Light" pitchFamily="18" charset="-127"/>
+                <a:ea typeface="KoPub돋움체 Light" pitchFamily="18" charset="-127"/>
+              </a:rPr>
+              <a:t>(</a:t>
+            </a:r>
+            <a:r>
+              <a:rPr lang="ko-KR" altLang="en-US" sz="900" b="1" dirty="0" err="1" smtClean="0">
+                <a:solidFill>
+                  <a:schemeClr val="tx1">
+                    <a:lumMod val="65000"/>
+                    <a:lumOff val="35000"/>
+                  </a:schemeClr>
+                </a:solidFill>
+                <a:latin typeface="KoPub돋움체 Light" pitchFamily="18" charset="-127"/>
+                <a:ea typeface="KoPub돋움체 Light" pitchFamily="18" charset="-127"/>
+              </a:rPr>
+              <a:t>배송료</a:t>
+            </a:r>
+            <a:r>
+              <a:rPr lang="ko-KR" altLang="en-US" sz="900" b="1" dirty="0" smtClean="0">
+                <a:solidFill>
+                  <a:schemeClr val="tx1">
+                    <a:lumMod val="65000"/>
+                    <a:lumOff val="35000"/>
+                  </a:schemeClr>
+                </a:solidFill>
+                <a:latin typeface="KoPub돋움체 Light" pitchFamily="18" charset="-127"/>
+                <a:ea typeface="KoPub돋움체 Light" pitchFamily="18" charset="-127"/>
+              </a:rPr>
+              <a:t> 별도</a:t>
+            </a:r>
+            <a:r>
+              <a:rPr lang="en-US" altLang="ko-KR" sz="900" b="1" dirty="0" smtClean="0">
+                <a:solidFill>
+                  <a:schemeClr val="tx1">
+                    <a:lumMod val="65000"/>
+                    <a:lumOff val="35000"/>
+                  </a:schemeClr>
+                </a:solidFill>
+                <a:latin typeface="KoPub돋움체 Light" pitchFamily="18" charset="-127"/>
+                <a:ea typeface="KoPub돋움체 Light" pitchFamily="18" charset="-127"/>
+              </a:rPr>
+              <a:t>)</a:t>
+            </a:r>
+          </a:p>
+          <a:p>
+            <a:r>
+              <a:rPr lang="ko-KR" altLang="en-US" sz="900" dirty="0" smtClean="0">
+                <a:solidFill>
+                  <a:schemeClr val="tx1">
+                    <a:lumMod val="65000"/>
+                    <a:lumOff val="35000"/>
+                  </a:schemeClr>
+                </a:solidFill>
+                <a:latin typeface="KoPub돋움체 Light" pitchFamily="18" charset="-127"/>
+                <a:ea typeface="KoPub돋움체 Light" pitchFamily="18" charset="-127"/>
+              </a:rPr>
+              <a:t>미지의 생물 </a:t>
+            </a:r>
+            <a:r>
+              <a:rPr lang="ko-KR" altLang="en-US" sz="900" dirty="0" err="1" smtClean="0">
+                <a:solidFill>
+                  <a:schemeClr val="tx1">
+                    <a:lumMod val="65000"/>
+                    <a:lumOff val="35000"/>
+                  </a:schemeClr>
+                </a:solidFill>
+                <a:latin typeface="KoPub돋움체 Light" pitchFamily="18" charset="-127"/>
+                <a:ea typeface="KoPub돋움체 Light" pitchFamily="18" charset="-127"/>
+              </a:rPr>
+              <a:t>뮤탈리스크의</a:t>
+            </a:r>
+            <a:r>
+              <a:rPr lang="ko-KR" altLang="en-US" sz="900" dirty="0" smtClean="0">
+                <a:solidFill>
+                  <a:schemeClr val="tx1">
+                    <a:lumMod val="65000"/>
+                    <a:lumOff val="35000"/>
+                  </a:schemeClr>
+                </a:solidFill>
+                <a:latin typeface="KoPub돋움체 Light" pitchFamily="18" charset="-127"/>
+                <a:ea typeface="KoPub돋움체 Light" pitchFamily="18" charset="-127"/>
+              </a:rPr>
+              <a:t> 날개 튀김</a:t>
+            </a:r>
+            <a:endParaRPr lang="en-US" altLang="ko-KR" sz="900" dirty="0" smtClean="0">
+              <a:solidFill>
+                <a:schemeClr val="tx1">
+                  <a:lumMod val="65000"/>
+                  <a:lumOff val="35000"/>
+                </a:schemeClr>
+              </a:solidFill>
+              <a:latin typeface="KoPub돋움체 Light" pitchFamily="18" charset="-127"/>
+              <a:ea typeface="KoPub돋움체 Light" pitchFamily="18" charset="-127"/>
+            </a:endParaRPr>
+          </a:p>
+          <a:p>
+            <a:r>
+              <a:rPr lang="ko-KR" altLang="en-US" sz="900" dirty="0" smtClean="0">
+                <a:solidFill>
+                  <a:schemeClr val="tx1">
+                    <a:lumMod val="65000"/>
+                    <a:lumOff val="35000"/>
+                  </a:schemeClr>
+                </a:solidFill>
+                <a:latin typeface="KoPub돋움체 Light" pitchFamily="18" charset="-127"/>
+                <a:ea typeface="KoPub돋움체 Light" pitchFamily="18" charset="-127"/>
+              </a:rPr>
+              <a:t>고소한 맛이 일품</a:t>
+            </a:r>
+            <a:endParaRPr lang="en-US" altLang="ko-KR" sz="900" dirty="0" smtClean="0">
+              <a:solidFill>
+                <a:schemeClr val="tx1">
+                  <a:lumMod val="65000"/>
+                  <a:lumOff val="35000"/>
+                </a:schemeClr>
+              </a:solidFill>
+              <a:latin typeface="KoPub돋움체 Light" pitchFamily="18" charset="-127"/>
+              <a:ea typeface="KoPub돋움체 Light" pitchFamily="18" charset="-127"/>
+            </a:endParaRPr>
+          </a:p>
+        </p:txBody>
+      </p:sp>
+      <p:pic>
+        <p:nvPicPr>
+          <p:cNvPr id="32" name="Picture 2" descr="땅콩버터로 밥을 볶아먹어봤는데 완전 망했어요."/>
+          <p:cNvPicPr>
+            <a:picLocks noChangeAspect="1" noChangeArrowheads="1"/>
+          </p:cNvPicPr>
+          <p:nvPr/>
+        </p:nvPicPr>
+        <p:blipFill>
+          <a:blip r:embed="rId4"/>
+          <a:stretch>
+            <a:fillRect/>
+          </a:stretch>
+        </p:blipFill>
+        <p:spPr bwMode="auto">
           <a:xfrm>
             <a:off x="500034" y="3429006"/>
-            <a:ext cx="6572296" cy="1003521"/>
-            <a:chOff x="500034" y="3500444"/>
-            <a:chExt cx="6572296" cy="1003521"/>
+            <a:ext cx="928694" cy="928694"/>
           </a:xfrm>
-        </p:grpSpPr>
-        <p:sp>
-          <p:nvSpPr>
-            <p:cNvPr id="23" name="TextBox 22"/>
-            <p:cNvSpPr txBox="1"/>
-            <p:nvPr/>
-          </p:nvSpPr>
-          <p:spPr>
-            <a:xfrm>
-              <a:off x="1643042" y="3500444"/>
-              <a:ext cx="2714644" cy="276999"/>
-            </a:xfrm>
-            <a:prstGeom prst="rect">
-              <a:avLst/>
-            </a:prstGeom>
-            <a:noFill/>
-          </p:spPr>
-          <p:txBody>
-            <a:bodyPr wrap="square" rtlCol="0">
-              <a:spAutoFit/>
-            </a:bodyPr>
-            <a:lstStyle/>
-            <a:p>
-              <a:r>
-                <a:rPr lang="ko-KR" altLang="en-US" sz="1200" b="1" dirty="0" err="1" smtClean="0">
-                  <a:solidFill>
-                    <a:schemeClr val="tx1">
-                      <a:lumMod val="65000"/>
-                      <a:lumOff val="35000"/>
-                    </a:schemeClr>
-                  </a:solidFill>
-                  <a:latin typeface="KoPub돋움체 Light" pitchFamily="18" charset="-127"/>
-                  <a:ea typeface="KoPub돋움체 Light" pitchFamily="18" charset="-127"/>
-                </a:rPr>
-                <a:t>뮤탈리스크</a:t>
-              </a:r>
-              <a:r>
-                <a:rPr lang="ko-KR" altLang="en-US" sz="1200" b="1" dirty="0" smtClean="0">
-                  <a:solidFill>
-                    <a:schemeClr val="tx1">
-                      <a:lumMod val="65000"/>
-                      <a:lumOff val="35000"/>
-                    </a:schemeClr>
-                  </a:solidFill>
-                  <a:latin typeface="KoPub돋움체 Light" pitchFamily="18" charset="-127"/>
-                  <a:ea typeface="KoPub돋움체 Light" pitchFamily="18" charset="-127"/>
-                </a:rPr>
-                <a:t> 날개 튀김</a:t>
-              </a:r>
-              <a:endParaRPr lang="ko-KR" altLang="en-US" sz="1200" b="1" dirty="0">
+          <a:prstGeom prst="rect">
+            <a:avLst/>
+          </a:prstGeom>
+          <a:noFill/>
+        </p:spPr>
+      </p:pic>
+      <p:sp>
+        <p:nvSpPr>
+          <p:cNvPr id="39" name="TextBox 38"/>
+          <p:cNvSpPr txBox="1"/>
+          <p:nvPr/>
+        </p:nvSpPr>
+        <p:spPr>
+          <a:xfrm>
+            <a:off x="4000496" y="3429006"/>
+            <a:ext cx="2714644" cy="769441"/>
+          </a:xfrm>
+          <a:prstGeom prst="rect">
+            <a:avLst/>
+          </a:prstGeom>
+          <a:noFill/>
+        </p:spPr>
+        <p:txBody>
+          <a:bodyPr wrap="square" rtlCol="0">
+            <a:spAutoFit/>
+          </a:bodyPr>
+          <a:lstStyle/>
+          <a:p>
+            <a:r>
+              <a:rPr lang="en-US" altLang="ko-KR" sz="4400" b="1" dirty="0" smtClean="0">
                 <a:solidFill>
                   <a:schemeClr val="tx1">
                     <a:lumMod val="65000"/>
@@ -6012,59 +6152,11 @@
                 </a:solidFill>
                 <a:latin typeface="KoPub돋움체 Light" pitchFamily="18" charset="-127"/>
                 <a:ea typeface="KoPub돋움체 Light" pitchFamily="18" charset="-127"/>
-              </a:endParaRPr>
-            </a:p>
-          </p:txBody>
-        </p:sp>
-        <p:sp>
-          <p:nvSpPr>
-            <p:cNvPr id="24" name="TextBox 23"/>
-            <p:cNvSpPr txBox="1"/>
-            <p:nvPr/>
-          </p:nvSpPr>
-          <p:spPr>
-            <a:xfrm>
-              <a:off x="1643042" y="3857634"/>
-              <a:ext cx="2714644" cy="646331"/>
-            </a:xfrm>
-            <a:prstGeom prst="rect">
-              <a:avLst/>
-            </a:prstGeom>
-            <a:noFill/>
-          </p:spPr>
-          <p:txBody>
-            <a:bodyPr wrap="square" rtlCol="0">
-              <a:spAutoFit/>
-            </a:bodyPr>
-            <a:lstStyle/>
-            <a:p>
-              <a:r>
-                <a:rPr lang="ko-KR" altLang="en-US" sz="900" b="1" dirty="0" smtClean="0">
-                  <a:solidFill>
-                    <a:schemeClr val="tx1">
-                      <a:lumMod val="65000"/>
-                      <a:lumOff val="35000"/>
-                    </a:schemeClr>
-                  </a:solidFill>
-                  <a:latin typeface="KoPub돋움체 Light" pitchFamily="18" charset="-127"/>
-                  <a:ea typeface="KoPub돋움체 Light" pitchFamily="18" charset="-127"/>
-                </a:rPr>
-                <a:t>판매자 </a:t>
-              </a:r>
-              <a:r>
-                <a:rPr lang="ko-KR" altLang="en-US" sz="900" b="1" dirty="0" err="1" smtClean="0">
-                  <a:solidFill>
-                    <a:schemeClr val="tx1">
-                      <a:lumMod val="65000"/>
-                      <a:lumOff val="35000"/>
-                    </a:schemeClr>
-                  </a:solidFill>
-                  <a:latin typeface="KoPub돋움체 Light" pitchFamily="18" charset="-127"/>
-                  <a:ea typeface="KoPub돋움체 Light" pitchFamily="18" charset="-127"/>
-                </a:rPr>
-                <a:t>개리건</a:t>
-              </a:r>
-              <a:endParaRPr lang="en-US" altLang="ko-KR" sz="900" b="1" dirty="0" smtClean="0">
+              </a:rPr>
+              <a:t>4900</a:t>
+            </a:r>
+            <a:r>
+              <a:rPr lang="ko-KR" altLang="en-US" sz="4400" b="1" dirty="0" smtClean="0">
                 <a:solidFill>
                   <a:schemeClr val="tx1">
                     <a:lumMod val="65000"/>
@@ -6073,75 +6165,46 @@
                 </a:solidFill>
                 <a:latin typeface="KoPub돋움체 Light" pitchFamily="18" charset="-127"/>
                 <a:ea typeface="KoPub돋움체 Light" pitchFamily="18" charset="-127"/>
-              </a:endParaRPr>
-            </a:p>
-            <a:p>
-              <a:r>
-                <a:rPr lang="ko-KR" altLang="en-US" sz="900" b="1" dirty="0" smtClean="0">
-                  <a:solidFill>
-                    <a:schemeClr val="tx1">
-                      <a:lumMod val="65000"/>
-                      <a:lumOff val="35000"/>
-                    </a:schemeClr>
-                  </a:solidFill>
-                  <a:latin typeface="KoPub돋움체 Light" pitchFamily="18" charset="-127"/>
-                  <a:ea typeface="KoPub돋움체 Light" pitchFamily="18" charset="-127"/>
-                </a:rPr>
-                <a:t>택배 가능</a:t>
-              </a:r>
-              <a:r>
-                <a:rPr lang="en-US" altLang="ko-KR" sz="900" b="1" dirty="0" smtClean="0">
-                  <a:solidFill>
-                    <a:schemeClr val="tx1">
-                      <a:lumMod val="65000"/>
-                      <a:lumOff val="35000"/>
-                    </a:schemeClr>
-                  </a:solidFill>
-                  <a:latin typeface="KoPub돋움체 Light" pitchFamily="18" charset="-127"/>
-                  <a:ea typeface="KoPub돋움체 Light" pitchFamily="18" charset="-127"/>
-                </a:rPr>
-                <a:t>(</a:t>
-              </a:r>
-              <a:r>
-                <a:rPr lang="ko-KR" altLang="en-US" sz="900" b="1" dirty="0" err="1" smtClean="0">
-                  <a:solidFill>
-                    <a:schemeClr val="tx1">
-                      <a:lumMod val="65000"/>
-                      <a:lumOff val="35000"/>
-                    </a:schemeClr>
-                  </a:solidFill>
-                  <a:latin typeface="KoPub돋움체 Light" pitchFamily="18" charset="-127"/>
-                  <a:ea typeface="KoPub돋움체 Light" pitchFamily="18" charset="-127"/>
-                </a:rPr>
-                <a:t>배송료</a:t>
-              </a:r>
-              <a:r>
-                <a:rPr lang="ko-KR" altLang="en-US" sz="900" b="1" dirty="0" smtClean="0">
-                  <a:solidFill>
-                    <a:schemeClr val="tx1">
-                      <a:lumMod val="65000"/>
-                      <a:lumOff val="35000"/>
-                    </a:schemeClr>
-                  </a:solidFill>
-                  <a:latin typeface="KoPub돋움체 Light" pitchFamily="18" charset="-127"/>
-                  <a:ea typeface="KoPub돋움체 Light" pitchFamily="18" charset="-127"/>
-                </a:rPr>
-                <a:t> 별도</a:t>
-              </a:r>
-              <a:r>
-                <a:rPr lang="en-US" altLang="ko-KR" sz="900" b="1" dirty="0" smtClean="0">
-                  <a:solidFill>
-                    <a:schemeClr val="tx1">
-                      <a:lumMod val="65000"/>
-                      <a:lumOff val="35000"/>
-                    </a:schemeClr>
-                  </a:solidFill>
-                  <a:latin typeface="KoPub돋움체 Light" pitchFamily="18" charset="-127"/>
-                  <a:ea typeface="KoPub돋움체 Light" pitchFamily="18" charset="-127"/>
-                </a:rPr>
-                <a:t>)</a:t>
-              </a:r>
-              <a:endParaRPr lang="en-US" altLang="ko-KR" sz="900" b="1" dirty="0" smtClean="0">
+              </a:rPr>
+              <a:t>원</a:t>
+            </a:r>
+            <a:endParaRPr lang="ko-KR" altLang="en-US" sz="4400" b="1" dirty="0">
+              <a:solidFill>
+                <a:schemeClr val="tx1">
+                  <a:lumMod val="65000"/>
+                  <a:lumOff val="35000"/>
+                </a:schemeClr>
+              </a:solidFill>
+              <a:latin typeface="KoPub돋움체 Light" pitchFamily="18" charset="-127"/>
+              <a:ea typeface="KoPub돋움체 Light" pitchFamily="18" charset="-127"/>
+            </a:endParaRPr>
+          </a:p>
+        </p:txBody>
+      </p:sp>
+      <p:sp>
+        <p:nvSpPr>
+          <p:cNvPr id="59" name="TextBox 58"/>
+          <p:cNvSpPr txBox="1"/>
+          <p:nvPr/>
+        </p:nvSpPr>
+        <p:spPr>
+          <a:xfrm>
+            <a:off x="1643042" y="4641739"/>
+            <a:ext cx="2714644" cy="276999"/>
+          </a:xfrm>
+          <a:prstGeom prst="rect">
+            <a:avLst/>
+          </a:prstGeom>
+          <a:noFill/>
+        </p:spPr>
+        <p:txBody>
+          <a:bodyPr wrap="square" rtlCol="0">
+            <a:spAutoFit/>
+          </a:bodyPr>
+          <a:lstStyle/>
+          <a:p>
+            <a:r>
+              <a:rPr lang="ko-KR" altLang="en-US" sz="1200" b="1" dirty="0" smtClean="0">
                 <a:solidFill>
                   <a:schemeClr val="tx1">
                     <a:lumMod val="65000"/>
@@ -6150,49 +6213,11 @@
                 </a:solidFill>
                 <a:latin typeface="KoPub돋움체 Light" pitchFamily="18" charset="-127"/>
                 <a:ea typeface="KoPub돋움체 Light" pitchFamily="18" charset="-127"/>
-              </a:endParaRPr>
-            </a:p>
-            <a:p>
-              <a:r>
-                <a:rPr lang="ko-KR" altLang="en-US" sz="900" dirty="0" smtClean="0">
-                  <a:solidFill>
-                    <a:schemeClr val="tx1">
-                      <a:lumMod val="65000"/>
-                      <a:lumOff val="35000"/>
-                    </a:schemeClr>
-                  </a:solidFill>
-                  <a:latin typeface="KoPub돋움체 Light" pitchFamily="18" charset="-127"/>
-                  <a:ea typeface="KoPub돋움체 Light" pitchFamily="18" charset="-127"/>
-                </a:rPr>
-                <a:t>미지의 생물 </a:t>
-              </a:r>
-              <a:r>
-                <a:rPr lang="ko-KR" altLang="en-US" sz="900" dirty="0" err="1" smtClean="0">
-                  <a:solidFill>
-                    <a:schemeClr val="tx1">
-                      <a:lumMod val="65000"/>
-                      <a:lumOff val="35000"/>
-                    </a:schemeClr>
-                  </a:solidFill>
-                  <a:latin typeface="KoPub돋움체 Light" pitchFamily="18" charset="-127"/>
-                  <a:ea typeface="KoPub돋움체 Light" pitchFamily="18" charset="-127"/>
-                </a:rPr>
-                <a:t>뮤탈리스크의</a:t>
-              </a:r>
-              <a:r>
-                <a:rPr lang="ko-KR" altLang="en-US" sz="900" dirty="0" smtClean="0">
-                  <a:solidFill>
-                    <a:schemeClr val="tx1">
-                      <a:lumMod val="65000"/>
-                      <a:lumOff val="35000"/>
-                    </a:schemeClr>
-                  </a:solidFill>
-                  <a:latin typeface="KoPub돋움체 Light" pitchFamily="18" charset="-127"/>
-                  <a:ea typeface="KoPub돋움체 Light" pitchFamily="18" charset="-127"/>
-                </a:rPr>
-                <a:t> 날개 튀김</a:t>
-              </a:r>
-              <a:endParaRPr lang="en-US" altLang="ko-KR" sz="900" dirty="0" smtClean="0">
+              </a:rPr>
+              <a:t>디버깅 대신해주는 알</a:t>
+            </a:r>
+            <a:r>
+              <a:rPr lang="en-US" altLang="ko-KR" sz="1200" b="1" dirty="0" smtClean="0">
                 <a:solidFill>
                   <a:schemeClr val="tx1">
                     <a:lumMod val="65000"/>
@@ -6201,23 +6226,11 @@
                 </a:solidFill>
                 <a:latin typeface="KoPub돋움체 Light" pitchFamily="18" charset="-127"/>
                 <a:ea typeface="KoPub돋움체 Light" pitchFamily="18" charset="-127"/>
-              </a:endParaRPr>
-            </a:p>
-            <a:p>
-              <a:r>
-                <a:rPr lang="ko-KR" altLang="en-US" sz="900" dirty="0" smtClean="0">
-                  <a:solidFill>
-                    <a:schemeClr val="tx1">
-                      <a:lumMod val="65000"/>
-                      <a:lumOff val="35000"/>
-                    </a:schemeClr>
-                  </a:solidFill>
-                  <a:latin typeface="KoPub돋움체 Light" pitchFamily="18" charset="-127"/>
-                  <a:ea typeface="KoPub돋움체 Light" pitchFamily="18" charset="-127"/>
-                </a:rPr>
-                <a:t>고소한 맛이 일품</a:t>
-              </a:r>
-              <a:endParaRPr lang="en-US" altLang="ko-KR" sz="900" dirty="0" smtClean="0">
+              </a:rPr>
+              <a:t>-</a:t>
+            </a:r>
+            <a:r>
+              <a:rPr lang="ko-KR" altLang="en-US" sz="1200" b="1" dirty="0" smtClean="0">
                 <a:solidFill>
                   <a:schemeClr val="tx1">
                     <a:lumMod val="65000"/>
@@ -6226,84 +6239,46 @@
                 </a:solidFill>
                 <a:latin typeface="KoPub돋움체 Light" pitchFamily="18" charset="-127"/>
                 <a:ea typeface="KoPub돋움체 Light" pitchFamily="18" charset="-127"/>
-              </a:endParaRPr>
-            </a:p>
-          </p:txBody>
-        </p:sp>
-        <p:pic>
-          <p:nvPicPr>
-            <p:cNvPr id="32" name="Picture 2" descr="땅콩버터로 밥을 볶아먹어봤는데 완전 망했어요."/>
-            <p:cNvPicPr>
-              <a:picLocks noChangeAspect="1" noChangeArrowheads="1"/>
-            </p:cNvPicPr>
-            <p:nvPr/>
-          </p:nvPicPr>
-          <p:blipFill>
-            <a:blip r:embed="rId5"/>
-            <a:stretch>
-              <a:fillRect/>
-            </a:stretch>
-          </p:blipFill>
-          <p:spPr bwMode="auto">
-            <a:xfrm>
-              <a:off x="500034" y="3500444"/>
-              <a:ext cx="928694" cy="928694"/>
-            </a:xfrm>
-            <a:prstGeom prst="rect">
-              <a:avLst/>
-            </a:prstGeom>
-            <a:noFill/>
-          </p:spPr>
-        </p:pic>
-        <p:sp>
-          <p:nvSpPr>
-            <p:cNvPr id="39" name="TextBox 38"/>
-            <p:cNvSpPr txBox="1"/>
-            <p:nvPr/>
-          </p:nvSpPr>
-          <p:spPr>
-            <a:xfrm>
-              <a:off x="4357686" y="3571882"/>
-              <a:ext cx="2714644" cy="769441"/>
-            </a:xfrm>
-            <a:prstGeom prst="rect">
-              <a:avLst/>
-            </a:prstGeom>
-            <a:noFill/>
-          </p:spPr>
-          <p:txBody>
-            <a:bodyPr wrap="square" rtlCol="0">
-              <a:spAutoFit/>
-            </a:bodyPr>
-            <a:lstStyle/>
-            <a:p>
-              <a:r>
-                <a:rPr lang="en-US" altLang="ko-KR" sz="4400" b="1" dirty="0" smtClean="0">
-                  <a:solidFill>
-                    <a:schemeClr val="tx1">
-                      <a:lumMod val="65000"/>
-                      <a:lumOff val="35000"/>
-                    </a:schemeClr>
-                  </a:solidFill>
-                  <a:latin typeface="KoPub돋움체 Light" pitchFamily="18" charset="-127"/>
-                  <a:ea typeface="KoPub돋움체 Light" pitchFamily="18" charset="-127"/>
-                </a:rPr>
-                <a:t>4900</a:t>
-              </a:r>
-              <a:r>
-                <a:rPr lang="ko-KR" altLang="en-US" sz="4400" b="1" dirty="0" smtClean="0">
-                  <a:solidFill>
-                    <a:schemeClr val="tx1">
-                      <a:lumMod val="65000"/>
-                      <a:lumOff val="35000"/>
-                    </a:schemeClr>
-                  </a:solidFill>
-                  <a:latin typeface="KoPub돋움체 Light" pitchFamily="18" charset="-127"/>
-                  <a:ea typeface="KoPub돋움체 Light" pitchFamily="18" charset="-127"/>
-                </a:rPr>
-                <a:t>원</a:t>
-              </a:r>
-              <a:endParaRPr lang="ko-KR" altLang="en-US" sz="4400" b="1" dirty="0">
+              </a:rPr>
+              <a:t>파고</a:t>
+            </a:r>
+            <a:endParaRPr lang="ko-KR" altLang="en-US" sz="1200" b="1" dirty="0">
+              <a:solidFill>
+                <a:schemeClr val="tx1">
+                  <a:lumMod val="65000"/>
+                  <a:lumOff val="35000"/>
+                </a:schemeClr>
+              </a:solidFill>
+              <a:latin typeface="KoPub돋움체 Light" pitchFamily="18" charset="-127"/>
+              <a:ea typeface="KoPub돋움체 Light" pitchFamily="18" charset="-127"/>
+            </a:endParaRPr>
+          </a:p>
+        </p:txBody>
+      </p:sp>
+      <p:sp>
+        <p:nvSpPr>
+          <p:cNvPr id="60" name="TextBox 59"/>
+          <p:cNvSpPr txBox="1"/>
+          <p:nvPr/>
+        </p:nvSpPr>
+        <p:spPr>
+          <a:xfrm>
+            <a:off x="1643042" y="4998929"/>
+            <a:ext cx="2714644" cy="507831"/>
+          </a:xfrm>
+          <a:prstGeom prst="rect">
+            <a:avLst/>
+          </a:prstGeom>
+          <a:noFill/>
+        </p:spPr>
+        <p:txBody>
+          <a:bodyPr wrap="square" rtlCol="0">
+            <a:spAutoFit/>
+          </a:bodyPr>
+          <a:lstStyle/>
+          <a:p>
+            <a:r>
+              <a:rPr lang="ko-KR" altLang="en-US" sz="900" b="1" dirty="0" smtClean="0">
                 <a:solidFill>
                   <a:schemeClr val="tx1">
                     <a:lumMod val="65000"/>
@@ -6312,87 +6287,11 @@
                 </a:solidFill>
                 <a:latin typeface="KoPub돋움체 Light" pitchFamily="18" charset="-127"/>
                 <a:ea typeface="KoPub돋움체 Light" pitchFamily="18" charset="-127"/>
-              </a:endParaRPr>
-            </a:p>
-          </p:txBody>
-        </p:sp>
-      </p:grpSp>
-      <p:grpSp>
-        <p:nvGrpSpPr>
-          <p:cNvPr id="58" name="그룹 57"/>
-          <p:cNvGrpSpPr/>
-          <p:nvPr/>
-        </p:nvGrpSpPr>
-        <p:grpSpPr>
-          <a:xfrm>
-            <a:off x="500034" y="4641739"/>
-            <a:ext cx="6572296" cy="865021"/>
-            <a:chOff x="500034" y="3500444"/>
-            <a:chExt cx="6572296" cy="865021"/>
-          </a:xfrm>
-        </p:grpSpPr>
-        <p:sp>
-          <p:nvSpPr>
-            <p:cNvPr id="59" name="TextBox 58"/>
-            <p:cNvSpPr txBox="1"/>
-            <p:nvPr/>
-          </p:nvSpPr>
-          <p:spPr>
-            <a:xfrm>
-              <a:off x="1643042" y="3500444"/>
-              <a:ext cx="2714644" cy="276999"/>
-            </a:xfrm>
-            <a:prstGeom prst="rect">
-              <a:avLst/>
-            </a:prstGeom>
-            <a:noFill/>
-          </p:spPr>
-          <p:txBody>
-            <a:bodyPr wrap="square" rtlCol="0">
-              <a:spAutoFit/>
-            </a:bodyPr>
-            <a:lstStyle/>
-            <a:p>
-              <a:r>
-                <a:rPr lang="ko-KR" altLang="en-US" sz="1200" b="1" dirty="0" smtClean="0">
-                  <a:solidFill>
-                    <a:schemeClr val="tx1">
-                      <a:lumMod val="65000"/>
-                      <a:lumOff val="35000"/>
-                    </a:schemeClr>
-                  </a:solidFill>
-                  <a:latin typeface="KoPub돋움체 Light" pitchFamily="18" charset="-127"/>
-                  <a:ea typeface="KoPub돋움체 Light" pitchFamily="18" charset="-127"/>
-                </a:rPr>
-                <a:t>디버깅 대신해주는 알</a:t>
-              </a:r>
-              <a:r>
-                <a:rPr lang="en-US" altLang="ko-KR" sz="1200" b="1" dirty="0" smtClean="0">
-                  <a:solidFill>
-                    <a:schemeClr val="tx1">
-                      <a:lumMod val="65000"/>
-                      <a:lumOff val="35000"/>
-                    </a:schemeClr>
-                  </a:solidFill>
-                  <a:latin typeface="KoPub돋움체 Light" pitchFamily="18" charset="-127"/>
-                  <a:ea typeface="KoPub돋움체 Light" pitchFamily="18" charset="-127"/>
-                </a:rPr>
-                <a:t>-</a:t>
-              </a:r>
-              <a:r>
-                <a:rPr lang="ko-KR" altLang="en-US" sz="1200" b="1" dirty="0" smtClean="0">
-                  <a:solidFill>
-                    <a:schemeClr val="tx1">
-                      <a:lumMod val="65000"/>
-                      <a:lumOff val="35000"/>
-                    </a:schemeClr>
-                  </a:solidFill>
-                  <a:latin typeface="KoPub돋움체 Light" pitchFamily="18" charset="-127"/>
-                  <a:ea typeface="KoPub돋움체 Light" pitchFamily="18" charset="-127"/>
-                </a:rPr>
-                <a:t>파고</a:t>
-              </a:r>
-              <a:endParaRPr lang="ko-KR" altLang="en-US" sz="1200" b="1" dirty="0">
+              </a:rPr>
+              <a:t>판매자 </a:t>
+            </a:r>
+            <a:r>
+              <a:rPr lang="en-US" altLang="ko-KR" sz="900" b="1" dirty="0" err="1" smtClean="0">
                 <a:solidFill>
                   <a:schemeClr val="tx1">
                     <a:lumMod val="65000"/>
@@ -6401,72 +6300,11 @@
                 </a:solidFill>
                 <a:latin typeface="KoPub돋움체 Light" pitchFamily="18" charset="-127"/>
                 <a:ea typeface="KoPub돋움체 Light" pitchFamily="18" charset="-127"/>
-              </a:endParaRPr>
-            </a:p>
-          </p:txBody>
-        </p:sp>
-        <p:sp>
-          <p:nvSpPr>
-            <p:cNvPr id="60" name="TextBox 59"/>
-            <p:cNvSpPr txBox="1"/>
-            <p:nvPr/>
-          </p:nvSpPr>
-          <p:spPr>
-            <a:xfrm>
-              <a:off x="1643042" y="3857634"/>
-              <a:ext cx="2714644" cy="507831"/>
-            </a:xfrm>
-            <a:prstGeom prst="rect">
-              <a:avLst/>
-            </a:prstGeom>
-            <a:noFill/>
-          </p:spPr>
-          <p:txBody>
-            <a:bodyPr wrap="square" rtlCol="0">
-              <a:spAutoFit/>
-            </a:bodyPr>
-            <a:lstStyle/>
-            <a:p>
-              <a:r>
-                <a:rPr lang="ko-KR" altLang="en-US" sz="900" b="1" dirty="0" smtClean="0">
-                  <a:solidFill>
-                    <a:schemeClr val="tx1">
-                      <a:lumMod val="65000"/>
-                      <a:lumOff val="35000"/>
-                    </a:schemeClr>
-                  </a:solidFill>
-                  <a:latin typeface="KoPub돋움체 Light" pitchFamily="18" charset="-127"/>
-                  <a:ea typeface="KoPub돋움체 Light" pitchFamily="18" charset="-127"/>
-                </a:rPr>
-                <a:t>판매자 </a:t>
-              </a:r>
-              <a:r>
-                <a:rPr lang="en-US" altLang="ko-KR" sz="900" b="1" dirty="0" err="1" smtClean="0">
-                  <a:solidFill>
-                    <a:schemeClr val="tx1">
-                      <a:lumMod val="65000"/>
-                      <a:lumOff val="35000"/>
-                    </a:schemeClr>
-                  </a:solidFill>
-                  <a:latin typeface="KoPub돋움체 Light" pitchFamily="18" charset="-127"/>
-                  <a:ea typeface="KoPub돋움체 Light" pitchFamily="18" charset="-127"/>
-                </a:rPr>
-                <a:t>Sedol</a:t>
-              </a:r>
-              <a:r>
-                <a:rPr lang="en-US" altLang="ko-KR" sz="900" b="1" dirty="0" smtClean="0">
-                  <a:solidFill>
-                    <a:schemeClr val="tx1">
-                      <a:lumMod val="65000"/>
-                      <a:lumOff val="35000"/>
-                    </a:schemeClr>
-                  </a:solidFill>
-                  <a:latin typeface="KoPub돋움체 Light" pitchFamily="18" charset="-127"/>
-                  <a:ea typeface="KoPub돋움체 Light" pitchFamily="18" charset="-127"/>
-                </a:rPr>
-                <a:t> LEE</a:t>
-              </a:r>
-              <a:endParaRPr lang="en-US" altLang="ko-KR" sz="900" b="1" dirty="0" smtClean="0">
+              </a:rPr>
+              <a:t>Sedol</a:t>
+            </a:r>
+            <a:r>
+              <a:rPr lang="en-US" altLang="ko-KR" sz="900" b="1" dirty="0" smtClean="0">
                 <a:solidFill>
                   <a:schemeClr val="tx1">
                     <a:lumMod val="65000"/>
@@ -6475,51 +6313,13 @@
                 </a:solidFill>
                 <a:latin typeface="KoPub돋움체 Light" pitchFamily="18" charset="-127"/>
                 <a:ea typeface="KoPub돋움체 Light" pitchFamily="18" charset="-127"/>
-              </a:endParaRPr>
-            </a:p>
-            <a:p>
-              <a:r>
-                <a:rPr lang="ko-KR" altLang="en-US" sz="900" b="1" dirty="0" smtClean="0">
-                  <a:solidFill>
-                    <a:schemeClr val="tx1">
-                      <a:lumMod val="65000"/>
-                      <a:lumOff val="35000"/>
-                    </a:schemeClr>
-                  </a:solidFill>
-                  <a:latin typeface="KoPub돋움체 Light" pitchFamily="18" charset="-127"/>
-                  <a:ea typeface="KoPub돋움체 Light" pitchFamily="18" charset="-127"/>
-                </a:rPr>
-                <a:t>직거래 </a:t>
-              </a:r>
-              <a:r>
-                <a:rPr lang="en-US" altLang="ko-KR" sz="900" b="1" dirty="0" smtClean="0">
-                  <a:solidFill>
-                    <a:schemeClr val="tx1">
-                      <a:lumMod val="65000"/>
-                      <a:lumOff val="35000"/>
-                    </a:schemeClr>
-                  </a:solidFill>
-                  <a:latin typeface="KoPub돋움체 Light" pitchFamily="18" charset="-127"/>
-                  <a:ea typeface="KoPub돋움체 Light" pitchFamily="18" charset="-127"/>
-                </a:rPr>
-                <a:t>Only</a:t>
-              </a:r>
-            </a:p>
-            <a:p>
-              <a:r>
-                <a:rPr lang="ko-KR" altLang="en-US" sz="900" dirty="0" err="1" smtClean="0">
-                  <a:solidFill>
-                    <a:schemeClr val="tx1">
-                      <a:lumMod val="65000"/>
-                      <a:lumOff val="35000"/>
-                    </a:schemeClr>
-                  </a:solidFill>
-                  <a:latin typeface="KoPub돋움체 Light" pitchFamily="18" charset="-127"/>
-                  <a:ea typeface="KoPub돋움체 Light" pitchFamily="18" charset="-127"/>
-                </a:rPr>
-                <a:t>홀리쓋</a:t>
-              </a:r>
-              <a:endParaRPr lang="en-US" altLang="ko-KR" sz="900" dirty="0" smtClean="0">
+              </a:rPr>
+              <a:t> LEE</a:t>
+            </a:r>
+          </a:p>
+          <a:p>
+            <a:r>
+              <a:rPr lang="ko-KR" altLang="en-US" sz="900" b="1" dirty="0" smtClean="0">
                 <a:solidFill>
                   <a:schemeClr val="tx1">
                     <a:lumMod val="65000"/>
@@ -6528,84 +6328,11 @@
                 </a:solidFill>
                 <a:latin typeface="KoPub돋움체 Light" pitchFamily="18" charset="-127"/>
                 <a:ea typeface="KoPub돋움체 Light" pitchFamily="18" charset="-127"/>
-              </a:endParaRPr>
-            </a:p>
-          </p:txBody>
-        </p:sp>
-        <p:pic>
-          <p:nvPicPr>
-            <p:cNvPr id="61" name="Picture 2" descr="땅콩버터로 밥을 볶아먹어봤는데 완전 망했어요."/>
-            <p:cNvPicPr>
-              <a:picLocks noChangeAspect="1" noChangeArrowheads="1"/>
-            </p:cNvPicPr>
-            <p:nvPr/>
-          </p:nvPicPr>
-          <p:blipFill>
-            <a:blip r:embed="rId6" cstate="print"/>
-            <a:stretch>
-              <a:fillRect/>
-            </a:stretch>
-          </p:blipFill>
-          <p:spPr bwMode="auto">
-            <a:xfrm>
-              <a:off x="500034" y="3573595"/>
-              <a:ext cx="814099" cy="782473"/>
-            </a:xfrm>
-            <a:prstGeom prst="rect">
-              <a:avLst/>
-            </a:prstGeom>
-            <a:noFill/>
-          </p:spPr>
-        </p:pic>
-        <p:sp>
-          <p:nvSpPr>
-            <p:cNvPr id="62" name="TextBox 61"/>
-            <p:cNvSpPr txBox="1"/>
-            <p:nvPr/>
-          </p:nvSpPr>
-          <p:spPr>
-            <a:xfrm>
-              <a:off x="4000496" y="3571882"/>
-              <a:ext cx="3071834" cy="769441"/>
-            </a:xfrm>
-            <a:prstGeom prst="rect">
-              <a:avLst/>
-            </a:prstGeom>
-            <a:noFill/>
-          </p:spPr>
-          <p:txBody>
-            <a:bodyPr wrap="square" rtlCol="0">
-              <a:spAutoFit/>
-            </a:bodyPr>
-            <a:lstStyle/>
-            <a:p>
-              <a:r>
-                <a:rPr lang="en-US" altLang="ko-KR" sz="4400" b="1" dirty="0" smtClean="0">
-                  <a:solidFill>
-                    <a:schemeClr val="tx1">
-                      <a:lumMod val="65000"/>
-                      <a:lumOff val="35000"/>
-                    </a:schemeClr>
-                  </a:solidFill>
-                  <a:latin typeface="KoPub돋움체 Light" pitchFamily="18" charset="-127"/>
-                  <a:ea typeface="KoPub돋움체 Light" pitchFamily="18" charset="-127"/>
-                </a:rPr>
-                <a:t>1114900</a:t>
-              </a:r>
-              <a:r>
-                <a:rPr lang="ko-KR" altLang="en-US" sz="4400" b="1" dirty="0" smtClean="0">
-                  <a:solidFill>
-                    <a:schemeClr val="tx1">
-                      <a:lumMod val="65000"/>
-                      <a:lumOff val="35000"/>
-                    </a:schemeClr>
-                  </a:solidFill>
-                  <a:latin typeface="KoPub돋움체 Light" pitchFamily="18" charset="-127"/>
-                  <a:ea typeface="KoPub돋움체 Light" pitchFamily="18" charset="-127"/>
-                </a:rPr>
-                <a:t>원</a:t>
-              </a:r>
-              <a:endParaRPr lang="ko-KR" altLang="en-US" sz="4400" b="1" dirty="0">
+              </a:rPr>
+              <a:t>직거래 </a:t>
+            </a:r>
+            <a:r>
+              <a:rPr lang="en-US" altLang="ko-KR" sz="900" b="1" dirty="0" smtClean="0">
                 <a:solidFill>
                   <a:schemeClr val="tx1">
                     <a:lumMod val="65000"/>
@@ -6614,11 +6341,123 @@
                 </a:solidFill>
                 <a:latin typeface="KoPub돋움체 Light" pitchFamily="18" charset="-127"/>
                 <a:ea typeface="KoPub돋움체 Light" pitchFamily="18" charset="-127"/>
-              </a:endParaRPr>
-            </a:p>
-          </p:txBody>
-        </p:sp>
-      </p:grpSp>
+              </a:rPr>
+              <a:t>Only</a:t>
+            </a:r>
+          </a:p>
+          <a:p>
+            <a:r>
+              <a:rPr lang="ko-KR" altLang="en-US" sz="900" dirty="0" err="1" smtClean="0">
+                <a:solidFill>
+                  <a:schemeClr val="tx1">
+                    <a:lumMod val="65000"/>
+                    <a:lumOff val="35000"/>
+                  </a:schemeClr>
+                </a:solidFill>
+                <a:latin typeface="KoPub돋움체 Light" pitchFamily="18" charset="-127"/>
+                <a:ea typeface="KoPub돋움체 Light" pitchFamily="18" charset="-127"/>
+              </a:rPr>
+              <a:t>홀리쓋</a:t>
+            </a:r>
+            <a:endParaRPr lang="en-US" altLang="ko-KR" sz="900" dirty="0" smtClean="0">
+              <a:solidFill>
+                <a:schemeClr val="tx1">
+                  <a:lumMod val="65000"/>
+                  <a:lumOff val="35000"/>
+                </a:schemeClr>
+              </a:solidFill>
+              <a:latin typeface="KoPub돋움체 Light" pitchFamily="18" charset="-127"/>
+              <a:ea typeface="KoPub돋움체 Light" pitchFamily="18" charset="-127"/>
+            </a:endParaRPr>
+          </a:p>
+        </p:txBody>
+      </p:sp>
+      <p:pic>
+        <p:nvPicPr>
+          <p:cNvPr id="61" name="Picture 2" descr="땅콩버터로 밥을 볶아먹어봤는데 완전 망했어요."/>
+          <p:cNvPicPr>
+            <a:picLocks noChangeAspect="1" noChangeArrowheads="1"/>
+          </p:cNvPicPr>
+          <p:nvPr/>
+        </p:nvPicPr>
+        <p:blipFill>
+          <a:blip r:embed="rId5" cstate="print"/>
+          <a:stretch>
+            <a:fillRect/>
+          </a:stretch>
+        </p:blipFill>
+        <p:spPr bwMode="auto">
+          <a:xfrm>
+            <a:off x="500034" y="4714890"/>
+            <a:ext cx="814099" cy="782473"/>
+          </a:xfrm>
+          <a:prstGeom prst="rect">
+            <a:avLst/>
+          </a:prstGeom>
+          <a:noFill/>
+        </p:spPr>
+      </p:pic>
+      <p:sp>
+        <p:nvSpPr>
+          <p:cNvPr id="62" name="TextBox 61"/>
+          <p:cNvSpPr txBox="1"/>
+          <p:nvPr/>
+        </p:nvSpPr>
+        <p:spPr>
+          <a:xfrm>
+            <a:off x="4000496" y="4713177"/>
+            <a:ext cx="3071834" cy="769441"/>
+          </a:xfrm>
+          <a:prstGeom prst="rect">
+            <a:avLst/>
+          </a:prstGeom>
+          <a:noFill/>
+        </p:spPr>
+        <p:txBody>
+          <a:bodyPr wrap="square" rtlCol="0">
+            <a:spAutoFit/>
+          </a:bodyPr>
+          <a:lstStyle/>
+          <a:p>
+            <a:r>
+              <a:rPr lang="en-US" altLang="ko-KR" sz="4400" b="1" dirty="0" smtClean="0">
+                <a:solidFill>
+                  <a:schemeClr val="tx1">
+                    <a:lumMod val="65000"/>
+                    <a:lumOff val="35000"/>
+                  </a:schemeClr>
+                </a:solidFill>
+                <a:latin typeface="KoPub돋움체 Light" pitchFamily="18" charset="-127"/>
+                <a:ea typeface="KoPub돋움체 Light" pitchFamily="18" charset="-127"/>
+              </a:rPr>
+              <a:t>1114900</a:t>
+            </a:r>
+            <a:r>
+              <a:rPr lang="ko-KR" altLang="en-US" sz="4400" b="1" dirty="0" smtClean="0">
+                <a:solidFill>
+                  <a:schemeClr val="tx1">
+                    <a:lumMod val="65000"/>
+                    <a:lumOff val="35000"/>
+                  </a:schemeClr>
+                </a:solidFill>
+                <a:latin typeface="KoPub돋움체 Light" pitchFamily="18" charset="-127"/>
+                <a:ea typeface="KoPub돋움체 Light" pitchFamily="18" charset="-127"/>
+              </a:rPr>
+              <a:t>원</a:t>
+            </a:r>
+            <a:endParaRPr lang="ko-KR" altLang="en-US" sz="4400" b="1" dirty="0">
+              <a:solidFill>
+                <a:schemeClr val="tx1">
+                  <a:lumMod val="65000"/>
+                  <a:lumOff val="35000"/>
+                </a:schemeClr>
+              </a:solidFill>
+              <a:latin typeface="KoPub돋움체 Light" pitchFamily="18" charset="-127"/>
+              <a:ea typeface="KoPub돋움체 Light" pitchFamily="18" charset="-127"/>
+            </a:endParaRPr>
+          </a:p>
+        </p:txBody>
+      </p:sp>
       <p:sp>
         <p:nvSpPr>
           <p:cNvPr id="63" name="직사각형 62"/>
@@ -7272,6 +7111,108 @@
           </p:txBody>
         </p:sp>
       </p:grpSp>
+      <p:pic>
+        <p:nvPicPr>
+          <p:cNvPr id="2050" name="Picture 2" descr="뚝배기"/>
+          <p:cNvPicPr>
+            <a:picLocks noChangeAspect="1" noChangeArrowheads="1"/>
+          </p:cNvPicPr>
+          <p:nvPr/>
+        </p:nvPicPr>
+        <p:blipFill>
+          <a:blip r:embed="rId6" cstate="print"/>
+          <a:srcRect/>
+          <a:stretch>
+            <a:fillRect/>
+          </a:stretch>
+        </p:blipFill>
+        <p:spPr bwMode="auto">
+          <a:xfrm>
+            <a:off x="428596" y="1142990"/>
+            <a:ext cx="1033520" cy="785818"/>
+          </a:xfrm>
+          <a:prstGeom prst="rect">
+            <a:avLst/>
+          </a:prstGeom>
+          <a:noFill/>
+        </p:spPr>
+      </p:pic>
+      <p:cxnSp>
+        <p:nvCxnSpPr>
+          <p:cNvPr id="47" name="직선 연결선 46"/>
+          <p:cNvCxnSpPr/>
+          <p:nvPr/>
+        </p:nvCxnSpPr>
+        <p:spPr>
+          <a:xfrm rot="5400000">
+            <a:off x="1718451" y="3139283"/>
+            <a:ext cx="4286280" cy="7943"/>
+          </a:xfrm>
+          <a:prstGeom prst="line">
+            <a:avLst/>
+          </a:prstGeom>
+          <a:ln w="12700">
+            <a:solidFill>
+              <a:schemeClr val="tx1">
+                <a:lumMod val="85000"/>
+                <a:lumOff val="15000"/>
+              </a:schemeClr>
+            </a:solidFill>
+          </a:ln>
+        </p:spPr>
+        <p:style>
+          <a:lnRef idx="1">
+            <a:schemeClr val="accent1"/>
+          </a:lnRef>
+          <a:fillRef idx="0">
+            <a:schemeClr val="accent1"/>
+          </a:fillRef>
+          <a:effectRef idx="0">
+            <a:schemeClr val="accent1"/>
+          </a:effectRef>
+          <a:fontRef idx="minor">
+            <a:schemeClr val="tx1"/>
+          </a:fontRef>
+        </p:style>
+      </p:cxnSp>
+      <p:cxnSp>
+        <p:nvCxnSpPr>
+          <p:cNvPr id="53" name="직선 연결선 52"/>
+          <p:cNvCxnSpPr/>
+          <p:nvPr/>
+        </p:nvCxnSpPr>
+        <p:spPr>
+          <a:xfrm rot="5400000">
+            <a:off x="-567565" y="3139283"/>
+            <a:ext cx="4286280" cy="7943"/>
+          </a:xfrm>
+          <a:prstGeom prst="line">
+            <a:avLst/>
+          </a:prstGeom>
+          <a:ln w="12700">
+            <a:solidFill>
+              <a:schemeClr val="tx1">
+                <a:lumMod val="85000"/>
+                <a:lumOff val="15000"/>
+              </a:schemeClr>
+            </a:solidFill>
+          </a:ln>
+        </p:spPr>
+        <p:style>
+          <a:lnRef idx="1">
+            <a:schemeClr val="accent1"/>
+          </a:lnRef>
+          <a:fillRef idx="0">
+            <a:schemeClr val="accent1"/>
+          </a:fillRef>
+          <a:effectRef idx="0">
+            <a:schemeClr val="accent1"/>
+          </a:effectRef>
+          <a:fontRef idx="minor">
+            <a:schemeClr val="tx1"/>
+          </a:fontRef>
+        </p:style>
+      </p:cxnSp>
     </p:spTree>
   </p:cSld>
   <p:clrMapOvr>
@@ -7904,7 +7845,7 @@
         </p:nvSpPr>
         <p:spPr>
           <a:xfrm>
-            <a:off x="2285984" y="2571750"/>
+            <a:off x="2428860" y="2571750"/>
             <a:ext cx="2928958" cy="523220"/>
           </a:xfrm>
           <a:prstGeom prst="rect">
@@ -8235,8 +8176,8 @@
         </p:nvCxnSpPr>
         <p:spPr>
           <a:xfrm flipV="1">
-            <a:off x="2357422" y="3143254"/>
-            <a:ext cx="6215106" cy="306"/>
+            <a:off x="2285984" y="3143254"/>
+            <a:ext cx="4643470" cy="306"/>
           </a:xfrm>
           <a:prstGeom prst="line">
             <a:avLst/>
@@ -8272,7 +8213,7 @@
           <p:nvPr/>
         </p:nvGraphicFramePr>
         <p:xfrm>
-          <a:off x="2357422" y="3214692"/>
+          <a:off x="2285984" y="3214692"/>
           <a:ext cx="2119306" cy="1746248"/>
         </p:xfrm>
         <a:graphic>
@@ -8281,38 +8222,6 @@
           </a:graphicData>
         </a:graphic>
       </p:graphicFrame>
-      <p:graphicFrame>
-        <p:nvGraphicFramePr>
-          <p:cNvPr id="65" name="차트 64"/>
-          <p:cNvGraphicFramePr/>
-          <p:nvPr/>
-        </p:nvGraphicFramePr>
-        <p:xfrm>
-          <a:off x="4429124" y="3143254"/>
-          <a:ext cx="2119306" cy="1746248"/>
-        </p:xfrm>
-        <a:graphic>
-          <a:graphicData uri="http://schemas.openxmlformats.org/drawingml/2006/chart">
-            <c:chart xmlns:c="http://schemas.openxmlformats.org/drawingml/2006/chart" xmlns:r="http://schemas.openxmlformats.org/officeDocument/2006/relationships" r:id="rId5"/>
-          </a:graphicData>
-        </a:graphic>
-      </p:graphicFrame>
-      <p:graphicFrame>
-        <p:nvGraphicFramePr>
-          <p:cNvPr id="66" name="차트 65"/>
-          <p:cNvGraphicFramePr/>
-          <p:nvPr/>
-        </p:nvGraphicFramePr>
-        <p:xfrm>
-          <a:off x="6715140" y="3143254"/>
-          <a:ext cx="2119306" cy="1746248"/>
-        </p:xfrm>
-        <a:graphic>
-          <a:graphicData uri="http://schemas.openxmlformats.org/drawingml/2006/chart">
-            <c:chart xmlns:c="http://schemas.openxmlformats.org/drawingml/2006/chart" xmlns:r="http://schemas.openxmlformats.org/officeDocument/2006/relationships" r:id="rId6"/>
-          </a:graphicData>
-        </a:graphic>
-      </p:graphicFrame>
       <p:sp>
         <p:nvSpPr>
           <p:cNvPr id="68" name="TextBox 67"/>
@@ -8322,7 +8231,7 @@
         <p:spPr>
           <a:xfrm>
             <a:off x="5429256" y="571486"/>
-            <a:ext cx="2928958" cy="523220"/>
+            <a:ext cx="2928958" cy="461665"/>
           </a:xfrm>
           <a:prstGeom prst="rect">
             <a:avLst/>
@@ -8336,7 +8245,7 @@
           <a:lstStyle/>
           <a:p>
             <a:r>
-              <a:rPr lang="ko-KR" altLang="en-US" sz="2800" dirty="0" smtClean="0">
+              <a:rPr lang="ko-KR" altLang="en-US" sz="2400" dirty="0" smtClean="0">
                 <a:solidFill>
                   <a:schemeClr val="tx1">
                     <a:lumMod val="65000"/>
@@ -8348,7 +8257,7 @@
               </a:rPr>
               <a:t>장바구니</a:t>
             </a:r>
-            <a:endParaRPr lang="ko-KR" altLang="en-US" sz="2800" dirty="0">
+            <a:endParaRPr lang="ko-KR" altLang="en-US" sz="2400" dirty="0">
               <a:solidFill>
                 <a:schemeClr val="tx1">
                   <a:lumMod val="65000"/>
@@ -8408,7 +8317,7 @@
         <p:spPr>
           <a:xfrm>
             <a:off x="5357818" y="1214428"/>
-            <a:ext cx="2000264" cy="276999"/>
+            <a:ext cx="2000264" cy="261610"/>
           </a:xfrm>
           <a:prstGeom prst="rect">
             <a:avLst/>
@@ -8422,7 +8331,7 @@
           <a:lstStyle/>
           <a:p>
             <a:r>
-              <a:rPr lang="ko-KR" altLang="en-US" sz="1200" b="1" dirty="0" err="1" smtClean="0">
+              <a:rPr lang="ko-KR" altLang="en-US" sz="1100" b="1" dirty="0" err="1" smtClean="0">
                 <a:solidFill>
                   <a:schemeClr val="tx1">
                     <a:lumMod val="65000"/>
@@ -8435,7 +8344,7 @@
               <a:t>고오급</a:t>
             </a:r>
             <a:r>
-              <a:rPr lang="ko-KR" altLang="en-US" sz="1200" b="1" dirty="0" smtClean="0">
+              <a:rPr lang="ko-KR" altLang="en-US" sz="1100" b="1" dirty="0" smtClean="0">
                 <a:solidFill>
                   <a:schemeClr val="tx1">
                     <a:lumMod val="65000"/>
@@ -8447,7 +8356,7 @@
               </a:rPr>
               <a:t> 휴지</a:t>
             </a:r>
-            <a:endParaRPr lang="ko-KR" altLang="en-US" sz="1200" b="1" dirty="0">
+            <a:endParaRPr lang="ko-KR" altLang="en-US" sz="1100" b="1" dirty="0">
               <a:solidFill>
                 <a:schemeClr val="tx1">
                   <a:lumMod val="65000"/>
@@ -8469,7 +8378,7 @@
         <p:spPr>
           <a:xfrm>
             <a:off x="5357818" y="1500180"/>
-            <a:ext cx="2000264" cy="276999"/>
+            <a:ext cx="2000264" cy="261610"/>
           </a:xfrm>
           <a:prstGeom prst="rect">
             <a:avLst/>
@@ -8483,7 +8392,7 @@
           <a:lstStyle/>
           <a:p>
             <a:r>
-              <a:rPr lang="ko-KR" altLang="en-US" sz="1200" b="1" dirty="0" smtClean="0">
+              <a:rPr lang="ko-KR" altLang="en-US" sz="1100" b="1" dirty="0" smtClean="0">
                 <a:solidFill>
                   <a:schemeClr val="tx1">
                     <a:lumMod val="65000"/>
@@ -8496,7 +8405,7 @@
               <a:t>시공의 </a:t>
             </a:r>
             <a:r>
-              <a:rPr lang="ko-KR" altLang="en-US" sz="1200" b="1" dirty="0" err="1" smtClean="0">
+              <a:rPr lang="ko-KR" altLang="en-US" sz="1100" b="1" dirty="0" err="1" smtClean="0">
                 <a:solidFill>
                   <a:schemeClr val="tx1">
                     <a:lumMod val="65000"/>
@@ -8509,7 +8418,7 @@
               <a:t>폭풍행</a:t>
             </a:r>
             <a:r>
-              <a:rPr lang="ko-KR" altLang="en-US" sz="1200" b="1" dirty="0" smtClean="0">
+              <a:rPr lang="ko-KR" altLang="en-US" sz="1100" b="1" dirty="0" smtClean="0">
                 <a:solidFill>
                   <a:schemeClr val="tx1">
                     <a:lumMod val="65000"/>
@@ -8522,7 +8431,7 @@
               <a:t> 티켓</a:t>
             </a:r>
             <a:r>
-              <a:rPr lang="en-US" altLang="ko-KR" sz="1200" b="1" dirty="0" smtClean="0">
+              <a:rPr lang="en-US" altLang="ko-KR" sz="1100" b="1" dirty="0" smtClean="0">
                 <a:solidFill>
                   <a:schemeClr val="tx1">
                     <a:lumMod val="65000"/>
@@ -8535,7 +8444,7 @@
               <a:t>(1</a:t>
             </a:r>
             <a:r>
-              <a:rPr lang="ko-KR" altLang="en-US" sz="1200" b="1" dirty="0" smtClean="0">
+              <a:rPr lang="ko-KR" altLang="en-US" sz="1100" b="1" dirty="0" smtClean="0">
                 <a:solidFill>
                   <a:schemeClr val="tx1">
                     <a:lumMod val="65000"/>
@@ -8548,7 +8457,7 @@
               <a:t>인</a:t>
             </a:r>
             <a:r>
-              <a:rPr lang="en-US" altLang="ko-KR" sz="1200" b="1" dirty="0" smtClean="0">
+              <a:rPr lang="en-US" altLang="ko-KR" sz="1100" b="1" dirty="0" smtClean="0">
                 <a:solidFill>
                   <a:schemeClr val="tx1">
                     <a:lumMod val="65000"/>
@@ -8561,7 +8470,7 @@
               <a:t>, </a:t>
             </a:r>
             <a:r>
-              <a:rPr lang="ko-KR" altLang="en-US" sz="1200" b="1" dirty="0" smtClean="0">
+              <a:rPr lang="ko-KR" altLang="en-US" sz="1100" b="1" dirty="0" smtClean="0">
                 <a:solidFill>
                   <a:schemeClr val="tx1">
                     <a:lumMod val="65000"/>
@@ -8574,7 +8483,7 @@
               <a:t>편도</a:t>
             </a:r>
             <a:r>
-              <a:rPr lang="en-US" altLang="ko-KR" sz="1200" b="1" dirty="0" smtClean="0">
+              <a:rPr lang="en-US" altLang="ko-KR" sz="1100" b="1" dirty="0" smtClean="0">
                 <a:solidFill>
                   <a:schemeClr val="tx1">
                     <a:lumMod val="65000"/>
@@ -8586,7 +8495,7 @@
               </a:rPr>
               <a:t>)</a:t>
             </a:r>
-            <a:endParaRPr lang="ko-KR" altLang="en-US" sz="1200" b="1" dirty="0">
+            <a:endParaRPr lang="ko-KR" altLang="en-US" sz="1100" b="1" dirty="0">
               <a:solidFill>
                 <a:schemeClr val="tx1">
                   <a:lumMod val="65000"/>
@@ -8608,7 +8517,7 @@
         <p:spPr>
           <a:xfrm>
             <a:off x="5357818" y="1785932"/>
-            <a:ext cx="2000264" cy="276999"/>
+            <a:ext cx="2000264" cy="261610"/>
           </a:xfrm>
           <a:prstGeom prst="rect">
             <a:avLst/>
@@ -8622,7 +8531,7 @@
           <a:lstStyle/>
           <a:p>
             <a:r>
-              <a:rPr lang="ko-KR" altLang="en-US" sz="1200" b="1" dirty="0" smtClean="0">
+              <a:rPr lang="ko-KR" altLang="en-US" sz="1100" b="1" dirty="0" smtClean="0">
                 <a:solidFill>
                   <a:schemeClr val="tx1">
                     <a:lumMod val="65000"/>
@@ -8635,7 +8544,7 @@
               <a:t>아크릴 </a:t>
             </a:r>
             <a:r>
-              <a:rPr lang="ko-KR" altLang="en-US" sz="1200" b="1" dirty="0" err="1" smtClean="0">
+              <a:rPr lang="ko-KR" altLang="en-US" sz="1100" b="1" dirty="0" err="1" smtClean="0">
                 <a:solidFill>
                   <a:schemeClr val="tx1">
                     <a:lumMod val="65000"/>
@@ -8648,7 +8557,7 @@
               <a:t>시즈</a:t>
             </a:r>
             <a:r>
-              <a:rPr lang="ko-KR" altLang="en-US" sz="1200" b="1" dirty="0" smtClean="0">
+              <a:rPr lang="ko-KR" altLang="en-US" sz="1100" b="1" dirty="0" smtClean="0">
                 <a:solidFill>
                   <a:schemeClr val="tx1">
                     <a:lumMod val="65000"/>
@@ -8660,7 +8569,7 @@
               </a:rPr>
               <a:t> 탱크 모형</a:t>
             </a:r>
-            <a:endParaRPr lang="ko-KR" altLang="en-US" sz="1200" b="1" dirty="0">
+            <a:endParaRPr lang="ko-KR" altLang="en-US" sz="1100" b="1" dirty="0">
               <a:solidFill>
                 <a:schemeClr val="tx1">
                   <a:lumMod val="65000"/>
@@ -8682,7 +8591,7 @@
         <p:spPr>
           <a:xfrm>
             <a:off x="5357818" y="2071684"/>
-            <a:ext cx="2000264" cy="184666"/>
+            <a:ext cx="2000264" cy="169277"/>
           </a:xfrm>
           <a:prstGeom prst="rect">
             <a:avLst/>
@@ -8697,7 +8606,7 @@
           <a:p>
             <a:pPr algn="r"/>
             <a:r>
-              <a:rPr lang="ko-KR" altLang="en-US" sz="600" b="1" dirty="0" err="1" smtClean="0">
+              <a:rPr lang="ko-KR" altLang="en-US" sz="500" b="1" dirty="0" err="1" smtClean="0">
                 <a:solidFill>
                   <a:schemeClr val="tx1">
                     <a:lumMod val="65000"/>
@@ -8709,7 +8618,7 @@
               </a:rPr>
               <a:t>더보기</a:t>
             </a:r>
-            <a:endParaRPr lang="ko-KR" altLang="en-US" sz="600" b="1" dirty="0">
+            <a:endParaRPr lang="ko-KR" altLang="en-US" sz="500" b="1" dirty="0">
               <a:solidFill>
                 <a:schemeClr val="tx1">
                   <a:lumMod val="65000"/>
@@ -8722,6 +8631,22 @@
           </a:p>
         </p:txBody>
       </p:sp>
+      <p:graphicFrame>
+        <p:nvGraphicFramePr>
+          <p:cNvPr id="34" name="차트 33"/>
+          <p:cNvGraphicFramePr/>
+          <p:nvPr/>
+        </p:nvGraphicFramePr>
+        <p:xfrm>
+          <a:off x="4500562" y="3214692"/>
+          <a:ext cx="2119306" cy="1746248"/>
+        </p:xfrm>
+        <a:graphic>
+          <a:graphicData uri="http://schemas.openxmlformats.org/drawingml/2006/chart">
+            <c:chart xmlns:c="http://schemas.openxmlformats.org/drawingml/2006/chart" xmlns:r="http://schemas.openxmlformats.org/officeDocument/2006/relationships" r:id="rId5"/>
+          </a:graphicData>
+        </a:graphic>
+      </p:graphicFrame>
     </p:spTree>
   </p:cSld>
   <p:clrMapOvr>
